--- a/Slides/Nipun Slides.pptx
+++ b/Slides/Nipun Slides.pptx
@@ -5,15 +5,17 @@
     <p:sldMasterId id="2147483648" r:id="rId1"/>
   </p:sldMasterIdLst>
   <p:sldIdLst>
-    <p:sldId id="256" r:id="rId2"/>
-    <p:sldId id="258" r:id="rId3"/>
-    <p:sldId id="259" r:id="rId4"/>
-    <p:sldId id="260" r:id="rId5"/>
-    <p:sldId id="261" r:id="rId6"/>
-    <p:sldId id="262" r:id="rId7"/>
-    <p:sldId id="263" r:id="rId8"/>
-    <p:sldId id="264" r:id="rId9"/>
-    <p:sldId id="265" r:id="rId10"/>
+    <p:sldId id="266" r:id="rId2"/>
+    <p:sldId id="267" r:id="rId3"/>
+    <p:sldId id="256" r:id="rId4"/>
+    <p:sldId id="258" r:id="rId5"/>
+    <p:sldId id="259" r:id="rId6"/>
+    <p:sldId id="260" r:id="rId7"/>
+    <p:sldId id="261" r:id="rId8"/>
+    <p:sldId id="262" r:id="rId9"/>
+    <p:sldId id="263" r:id="rId10"/>
+    <p:sldId id="264" r:id="rId11"/>
+    <p:sldId id="265" r:id="rId12"/>
   </p:sldIdLst>
   <p:sldSz cx="12192000" cy="6858000"/>
   <p:notesSz cx="6858000" cy="9144000"/>
@@ -112,6 +114,11 @@
       </a:defRPr>
     </a:lvl9pPr>
   </p:defaultTextStyle>
+  <p:extLst>
+    <p:ext uri="{EFAFB233-063F-42B5-8137-9DF3F51BA10A}">
+      <p15:sldGuideLst xmlns:p15="http://schemas.microsoft.com/office/powerpoint/2012/main"/>
+    </p:ext>
+  </p:extLst>
 </p:presentation>
 </file>
 
@@ -157,10 +164,9 @@
           </a:lstStyle>
           <a:p>
             <a:r>
-              <a:rPr lang="en-US" smtClean="0"/>
+              <a:rPr lang="en-US"/>
               <a:t>Click to edit Master title style</a:t>
             </a:r>
-            <a:endParaRPr lang="en-US"/>
           </a:p>
         </p:txBody>
       </p:sp>
@@ -222,10 +228,9 @@
           </a:lstStyle>
           <a:p>
             <a:r>
-              <a:rPr lang="en-US" smtClean="0"/>
+              <a:rPr lang="en-US"/>
               <a:t>Click to edit Master subtitle style</a:t>
             </a:r>
-            <a:endParaRPr lang="en-US"/>
           </a:p>
         </p:txBody>
       </p:sp>
@@ -246,7 +251,7 @@
           <a:p>
             <a:fld id="{C6726D26-662B-144D-9DCE-CC9459C07D55}" type="datetimeFigureOut">
               <a:rPr lang="en-US" smtClean="0"/>
-              <a:t>12/2/16</a:t>
+              <a:t>12/2/2016</a:t>
             </a:fld>
             <a:endParaRPr lang="en-US"/>
           </a:p>
@@ -340,10 +345,9 @@
           <a:lstStyle/>
           <a:p>
             <a:r>
-              <a:rPr lang="en-US" smtClean="0"/>
+              <a:rPr lang="en-US"/>
               <a:t>Click to edit Master title style</a:t>
             </a:r>
-            <a:endParaRPr lang="en-US"/>
           </a:p>
         </p:txBody>
       </p:sp>
@@ -364,38 +368,37 @@
           <a:p>
             <a:pPr lvl="0"/>
             <a:r>
-              <a:rPr lang="en-US" smtClean="0"/>
+              <a:rPr lang="en-US"/>
               <a:t>Click to edit Master text styles</a:t>
             </a:r>
           </a:p>
           <a:p>
             <a:pPr lvl="1"/>
             <a:r>
-              <a:rPr lang="en-US" smtClean="0"/>
+              <a:rPr lang="en-US"/>
               <a:t>Second level</a:t>
             </a:r>
           </a:p>
           <a:p>
             <a:pPr lvl="2"/>
             <a:r>
-              <a:rPr lang="en-US" smtClean="0"/>
+              <a:rPr lang="en-US"/>
               <a:t>Third level</a:t>
             </a:r>
           </a:p>
           <a:p>
             <a:pPr lvl="3"/>
             <a:r>
-              <a:rPr lang="en-US" smtClean="0"/>
+              <a:rPr lang="en-US"/>
               <a:t>Fourth level</a:t>
             </a:r>
           </a:p>
           <a:p>
             <a:pPr lvl="4"/>
             <a:r>
-              <a:rPr lang="en-US" smtClean="0"/>
+              <a:rPr lang="en-US"/>
               <a:t>Fifth level</a:t>
             </a:r>
-            <a:endParaRPr lang="en-US"/>
           </a:p>
         </p:txBody>
       </p:sp>
@@ -416,7 +419,7 @@
           <a:p>
             <a:fld id="{C6726D26-662B-144D-9DCE-CC9459C07D55}" type="datetimeFigureOut">
               <a:rPr lang="en-US" smtClean="0"/>
-              <a:t>12/2/16</a:t>
+              <a:t>12/2/2016</a:t>
             </a:fld>
             <a:endParaRPr lang="en-US"/>
           </a:p>
@@ -515,10 +518,9 @@
           <a:lstStyle/>
           <a:p>
             <a:r>
-              <a:rPr lang="en-US" smtClean="0"/>
+              <a:rPr lang="en-US"/>
               <a:t>Click to edit Master title style</a:t>
             </a:r>
-            <a:endParaRPr lang="en-US"/>
           </a:p>
         </p:txBody>
       </p:sp>
@@ -544,38 +546,37 @@
           <a:p>
             <a:pPr lvl="0"/>
             <a:r>
-              <a:rPr lang="en-US" smtClean="0"/>
+              <a:rPr lang="en-US"/>
               <a:t>Click to edit Master text styles</a:t>
             </a:r>
           </a:p>
           <a:p>
             <a:pPr lvl="1"/>
             <a:r>
-              <a:rPr lang="en-US" smtClean="0"/>
+              <a:rPr lang="en-US"/>
               <a:t>Second level</a:t>
             </a:r>
           </a:p>
           <a:p>
             <a:pPr lvl="2"/>
             <a:r>
-              <a:rPr lang="en-US" smtClean="0"/>
+              <a:rPr lang="en-US"/>
               <a:t>Third level</a:t>
             </a:r>
           </a:p>
           <a:p>
             <a:pPr lvl="3"/>
             <a:r>
-              <a:rPr lang="en-US" smtClean="0"/>
+              <a:rPr lang="en-US"/>
               <a:t>Fourth level</a:t>
             </a:r>
           </a:p>
           <a:p>
             <a:pPr lvl="4"/>
             <a:r>
-              <a:rPr lang="en-US" smtClean="0"/>
+              <a:rPr lang="en-US"/>
               <a:t>Fifth level</a:t>
             </a:r>
-            <a:endParaRPr lang="en-US"/>
           </a:p>
         </p:txBody>
       </p:sp>
@@ -596,7 +597,7 @@
           <a:p>
             <a:fld id="{C6726D26-662B-144D-9DCE-CC9459C07D55}" type="datetimeFigureOut">
               <a:rPr lang="en-US" smtClean="0"/>
-              <a:t>12/2/16</a:t>
+              <a:t>12/2/2016</a:t>
             </a:fld>
             <a:endParaRPr lang="en-US"/>
           </a:p>
@@ -690,10 +691,9 @@
           <a:lstStyle/>
           <a:p>
             <a:r>
-              <a:rPr lang="en-US" smtClean="0"/>
+              <a:rPr lang="en-US"/>
               <a:t>Click to edit Master title style</a:t>
             </a:r>
-            <a:endParaRPr lang="en-US"/>
           </a:p>
         </p:txBody>
       </p:sp>
@@ -714,38 +714,37 @@
           <a:p>
             <a:pPr lvl="0"/>
             <a:r>
-              <a:rPr lang="en-US" smtClean="0"/>
+              <a:rPr lang="en-US"/>
               <a:t>Click to edit Master text styles</a:t>
             </a:r>
           </a:p>
           <a:p>
             <a:pPr lvl="1"/>
             <a:r>
-              <a:rPr lang="en-US" smtClean="0"/>
+              <a:rPr lang="en-US"/>
               <a:t>Second level</a:t>
             </a:r>
           </a:p>
           <a:p>
             <a:pPr lvl="2"/>
             <a:r>
-              <a:rPr lang="en-US" smtClean="0"/>
+              <a:rPr lang="en-US"/>
               <a:t>Third level</a:t>
             </a:r>
           </a:p>
           <a:p>
             <a:pPr lvl="3"/>
             <a:r>
-              <a:rPr lang="en-US" smtClean="0"/>
+              <a:rPr lang="en-US"/>
               <a:t>Fourth level</a:t>
             </a:r>
           </a:p>
           <a:p>
             <a:pPr lvl="4"/>
             <a:r>
-              <a:rPr lang="en-US" smtClean="0"/>
+              <a:rPr lang="en-US"/>
               <a:t>Fifth level</a:t>
             </a:r>
-            <a:endParaRPr lang="en-US"/>
           </a:p>
         </p:txBody>
       </p:sp>
@@ -766,7 +765,7 @@
           <a:p>
             <a:fld id="{C6726D26-662B-144D-9DCE-CC9459C07D55}" type="datetimeFigureOut">
               <a:rPr lang="en-US" smtClean="0"/>
-              <a:t>12/2/16</a:t>
+              <a:t>12/2/2016</a:t>
             </a:fld>
             <a:endParaRPr lang="en-US"/>
           </a:p>
@@ -869,10 +868,9 @@
           </a:lstStyle>
           <a:p>
             <a:r>
-              <a:rPr lang="en-US" smtClean="0"/>
+              <a:rPr lang="en-US"/>
               <a:t>Click to edit Master title style</a:t>
             </a:r>
-            <a:endParaRPr lang="en-US"/>
           </a:p>
         </p:txBody>
       </p:sp>
@@ -989,7 +987,7 @@
           <a:p>
             <a:pPr lvl="0"/>
             <a:r>
-              <a:rPr lang="en-US" smtClean="0"/>
+              <a:rPr lang="en-US"/>
               <a:t>Click to edit Master text styles</a:t>
             </a:r>
           </a:p>
@@ -1012,7 +1010,7 @@
           <a:p>
             <a:fld id="{C6726D26-662B-144D-9DCE-CC9459C07D55}" type="datetimeFigureOut">
               <a:rPr lang="en-US" smtClean="0"/>
-              <a:t>12/2/16</a:t>
+              <a:t>12/2/2016</a:t>
             </a:fld>
             <a:endParaRPr lang="en-US"/>
           </a:p>
@@ -1106,10 +1104,9 @@
           <a:lstStyle/>
           <a:p>
             <a:r>
-              <a:rPr lang="en-US" smtClean="0"/>
+              <a:rPr lang="en-US"/>
               <a:t>Click to edit Master title style</a:t>
             </a:r>
-            <a:endParaRPr lang="en-US"/>
           </a:p>
         </p:txBody>
       </p:sp>
@@ -1135,38 +1132,37 @@
           <a:p>
             <a:pPr lvl="0"/>
             <a:r>
-              <a:rPr lang="en-US" smtClean="0"/>
+              <a:rPr lang="en-US"/>
               <a:t>Click to edit Master text styles</a:t>
             </a:r>
           </a:p>
           <a:p>
             <a:pPr lvl="1"/>
             <a:r>
-              <a:rPr lang="en-US" smtClean="0"/>
+              <a:rPr lang="en-US"/>
               <a:t>Second level</a:t>
             </a:r>
           </a:p>
           <a:p>
             <a:pPr lvl="2"/>
             <a:r>
-              <a:rPr lang="en-US" smtClean="0"/>
+              <a:rPr lang="en-US"/>
               <a:t>Third level</a:t>
             </a:r>
           </a:p>
           <a:p>
             <a:pPr lvl="3"/>
             <a:r>
-              <a:rPr lang="en-US" smtClean="0"/>
+              <a:rPr lang="en-US"/>
               <a:t>Fourth level</a:t>
             </a:r>
           </a:p>
           <a:p>
             <a:pPr lvl="4"/>
             <a:r>
-              <a:rPr lang="en-US" smtClean="0"/>
+              <a:rPr lang="en-US"/>
               <a:t>Fifth level</a:t>
             </a:r>
-            <a:endParaRPr lang="en-US"/>
           </a:p>
         </p:txBody>
       </p:sp>
@@ -1192,38 +1188,37 @@
           <a:p>
             <a:pPr lvl="0"/>
             <a:r>
-              <a:rPr lang="en-US" smtClean="0"/>
+              <a:rPr lang="en-US"/>
               <a:t>Click to edit Master text styles</a:t>
             </a:r>
           </a:p>
           <a:p>
             <a:pPr lvl="1"/>
             <a:r>
-              <a:rPr lang="en-US" smtClean="0"/>
+              <a:rPr lang="en-US"/>
               <a:t>Second level</a:t>
             </a:r>
           </a:p>
           <a:p>
             <a:pPr lvl="2"/>
             <a:r>
-              <a:rPr lang="en-US" smtClean="0"/>
+              <a:rPr lang="en-US"/>
               <a:t>Third level</a:t>
             </a:r>
           </a:p>
           <a:p>
             <a:pPr lvl="3"/>
             <a:r>
-              <a:rPr lang="en-US" smtClean="0"/>
+              <a:rPr lang="en-US"/>
               <a:t>Fourth level</a:t>
             </a:r>
           </a:p>
           <a:p>
             <a:pPr lvl="4"/>
             <a:r>
-              <a:rPr lang="en-US" smtClean="0"/>
+              <a:rPr lang="en-US"/>
               <a:t>Fifth level</a:t>
             </a:r>
-            <a:endParaRPr lang="en-US"/>
           </a:p>
         </p:txBody>
       </p:sp>
@@ -1244,7 +1239,7 @@
           <a:p>
             <a:fld id="{C6726D26-662B-144D-9DCE-CC9459C07D55}" type="datetimeFigureOut">
               <a:rPr lang="en-US" smtClean="0"/>
-              <a:t>12/2/16</a:t>
+              <a:t>12/2/2016</a:t>
             </a:fld>
             <a:endParaRPr lang="en-US"/>
           </a:p>
@@ -1343,10 +1338,9 @@
           <a:lstStyle/>
           <a:p>
             <a:r>
-              <a:rPr lang="en-US" smtClean="0"/>
+              <a:rPr lang="en-US"/>
               <a:t>Click to edit Master title style</a:t>
             </a:r>
-            <a:endParaRPr lang="en-US"/>
           </a:p>
         </p:txBody>
       </p:sp>
@@ -1409,7 +1403,7 @@
           <a:p>
             <a:pPr lvl="0"/>
             <a:r>
-              <a:rPr lang="en-US" smtClean="0"/>
+              <a:rPr lang="en-US"/>
               <a:t>Click to edit Master text styles</a:t>
             </a:r>
           </a:p>
@@ -1437,38 +1431,37 @@
           <a:p>
             <a:pPr lvl="0"/>
             <a:r>
-              <a:rPr lang="en-US" smtClean="0"/>
+              <a:rPr lang="en-US"/>
               <a:t>Click to edit Master text styles</a:t>
             </a:r>
           </a:p>
           <a:p>
             <a:pPr lvl="1"/>
             <a:r>
-              <a:rPr lang="en-US" smtClean="0"/>
+              <a:rPr lang="en-US"/>
               <a:t>Second level</a:t>
             </a:r>
           </a:p>
           <a:p>
             <a:pPr lvl="2"/>
             <a:r>
-              <a:rPr lang="en-US" smtClean="0"/>
+              <a:rPr lang="en-US"/>
               <a:t>Third level</a:t>
             </a:r>
           </a:p>
           <a:p>
             <a:pPr lvl="3"/>
             <a:r>
-              <a:rPr lang="en-US" smtClean="0"/>
+              <a:rPr lang="en-US"/>
               <a:t>Fourth level</a:t>
             </a:r>
           </a:p>
           <a:p>
             <a:pPr lvl="4"/>
             <a:r>
-              <a:rPr lang="en-US" smtClean="0"/>
+              <a:rPr lang="en-US"/>
               <a:t>Fifth level</a:t>
             </a:r>
-            <a:endParaRPr lang="en-US"/>
           </a:p>
         </p:txBody>
       </p:sp>
@@ -1531,7 +1524,7 @@
           <a:p>
             <a:pPr lvl="0"/>
             <a:r>
-              <a:rPr lang="en-US" smtClean="0"/>
+              <a:rPr lang="en-US"/>
               <a:t>Click to edit Master text styles</a:t>
             </a:r>
           </a:p>
@@ -1559,38 +1552,37 @@
           <a:p>
             <a:pPr lvl="0"/>
             <a:r>
-              <a:rPr lang="en-US" smtClean="0"/>
+              <a:rPr lang="en-US"/>
               <a:t>Click to edit Master text styles</a:t>
             </a:r>
           </a:p>
           <a:p>
             <a:pPr lvl="1"/>
             <a:r>
-              <a:rPr lang="en-US" smtClean="0"/>
+              <a:rPr lang="en-US"/>
               <a:t>Second level</a:t>
             </a:r>
           </a:p>
           <a:p>
             <a:pPr lvl="2"/>
             <a:r>
-              <a:rPr lang="en-US" smtClean="0"/>
+              <a:rPr lang="en-US"/>
               <a:t>Third level</a:t>
             </a:r>
           </a:p>
           <a:p>
             <a:pPr lvl="3"/>
             <a:r>
-              <a:rPr lang="en-US" smtClean="0"/>
+              <a:rPr lang="en-US"/>
               <a:t>Fourth level</a:t>
             </a:r>
           </a:p>
           <a:p>
             <a:pPr lvl="4"/>
             <a:r>
-              <a:rPr lang="en-US" smtClean="0"/>
+              <a:rPr lang="en-US"/>
               <a:t>Fifth level</a:t>
             </a:r>
-            <a:endParaRPr lang="en-US"/>
           </a:p>
         </p:txBody>
       </p:sp>
@@ -1611,7 +1603,7 @@
           <a:p>
             <a:fld id="{C6726D26-662B-144D-9DCE-CC9459C07D55}" type="datetimeFigureOut">
               <a:rPr lang="en-US" smtClean="0"/>
-              <a:t>12/2/16</a:t>
+              <a:t>12/2/2016</a:t>
             </a:fld>
             <a:endParaRPr lang="en-US"/>
           </a:p>
@@ -1705,10 +1697,9 @@
           <a:lstStyle/>
           <a:p>
             <a:r>
-              <a:rPr lang="en-US" smtClean="0"/>
+              <a:rPr lang="en-US"/>
               <a:t>Click to edit Master title style</a:t>
             </a:r>
-            <a:endParaRPr lang="en-US"/>
           </a:p>
         </p:txBody>
       </p:sp>
@@ -1729,7 +1720,7 @@
           <a:p>
             <a:fld id="{C6726D26-662B-144D-9DCE-CC9459C07D55}" type="datetimeFigureOut">
               <a:rPr lang="en-US" smtClean="0"/>
-              <a:t>12/2/16</a:t>
+              <a:t>12/2/2016</a:t>
             </a:fld>
             <a:endParaRPr lang="en-US"/>
           </a:p>
@@ -1824,7 +1815,7 @@
           <a:p>
             <a:fld id="{C6726D26-662B-144D-9DCE-CC9459C07D55}" type="datetimeFigureOut">
               <a:rPr lang="en-US" smtClean="0"/>
-              <a:t>12/2/16</a:t>
+              <a:t>12/2/2016</a:t>
             </a:fld>
             <a:endParaRPr lang="en-US"/>
           </a:p>
@@ -1927,10 +1918,9 @@
           </a:lstStyle>
           <a:p>
             <a:r>
-              <a:rPr lang="en-US" smtClean="0"/>
+              <a:rPr lang="en-US"/>
               <a:t>Click to edit Master title style</a:t>
             </a:r>
-            <a:endParaRPr lang="en-US"/>
           </a:p>
         </p:txBody>
       </p:sp>
@@ -1984,38 +1974,37 @@
           <a:p>
             <a:pPr lvl="0"/>
             <a:r>
-              <a:rPr lang="en-US" smtClean="0"/>
+              <a:rPr lang="en-US"/>
               <a:t>Click to edit Master text styles</a:t>
             </a:r>
           </a:p>
           <a:p>
             <a:pPr lvl="1"/>
             <a:r>
-              <a:rPr lang="en-US" smtClean="0"/>
+              <a:rPr lang="en-US"/>
               <a:t>Second level</a:t>
             </a:r>
           </a:p>
           <a:p>
             <a:pPr lvl="2"/>
             <a:r>
-              <a:rPr lang="en-US" smtClean="0"/>
+              <a:rPr lang="en-US"/>
               <a:t>Third level</a:t>
             </a:r>
           </a:p>
           <a:p>
             <a:pPr lvl="3"/>
             <a:r>
-              <a:rPr lang="en-US" smtClean="0"/>
+              <a:rPr lang="en-US"/>
               <a:t>Fourth level</a:t>
             </a:r>
           </a:p>
           <a:p>
             <a:pPr lvl="4"/>
             <a:r>
-              <a:rPr lang="en-US" smtClean="0"/>
+              <a:rPr lang="en-US"/>
               <a:t>Fifth level</a:t>
             </a:r>
-            <a:endParaRPr lang="en-US"/>
           </a:p>
         </p:txBody>
       </p:sp>
@@ -2078,7 +2067,7 @@
           <a:p>
             <a:pPr lvl="0"/>
             <a:r>
-              <a:rPr lang="en-US" smtClean="0"/>
+              <a:rPr lang="en-US"/>
               <a:t>Click to edit Master text styles</a:t>
             </a:r>
           </a:p>
@@ -2101,7 +2090,7 @@
           <a:p>
             <a:fld id="{C6726D26-662B-144D-9DCE-CC9459C07D55}" type="datetimeFigureOut">
               <a:rPr lang="en-US" smtClean="0"/>
-              <a:t>12/2/16</a:t>
+              <a:t>12/2/2016</a:t>
             </a:fld>
             <a:endParaRPr lang="en-US"/>
           </a:p>
@@ -2204,10 +2193,9 @@
           </a:lstStyle>
           <a:p>
             <a:r>
-              <a:rPr lang="en-US" smtClean="0"/>
+              <a:rPr lang="en-US"/>
               <a:t>Click to edit Master title style</a:t>
             </a:r>
-            <a:endParaRPr lang="en-US"/>
           </a:p>
         </p:txBody>
       </p:sp>
@@ -2331,7 +2319,7 @@
           <a:p>
             <a:pPr lvl="0"/>
             <a:r>
-              <a:rPr lang="en-US" smtClean="0"/>
+              <a:rPr lang="en-US"/>
               <a:t>Click to edit Master text styles</a:t>
             </a:r>
           </a:p>
@@ -2354,7 +2342,7 @@
           <a:p>
             <a:fld id="{C6726D26-662B-144D-9DCE-CC9459C07D55}" type="datetimeFigureOut">
               <a:rPr lang="en-US" smtClean="0"/>
-              <a:t>12/2/16</a:t>
+              <a:t>12/2/2016</a:t>
             </a:fld>
             <a:endParaRPr lang="en-US"/>
           </a:p>
@@ -2463,10 +2451,9 @@
           <a:lstStyle/>
           <a:p>
             <a:r>
-              <a:rPr lang="en-US" smtClean="0"/>
+              <a:rPr lang="en-US"/>
               <a:t>Click to edit Master title style</a:t>
             </a:r>
-            <a:endParaRPr lang="en-US"/>
           </a:p>
         </p:txBody>
       </p:sp>
@@ -2497,38 +2484,37 @@
           <a:p>
             <a:pPr lvl="0"/>
             <a:r>
-              <a:rPr lang="en-US" smtClean="0"/>
+              <a:rPr lang="en-US"/>
               <a:t>Click to edit Master text styles</a:t>
             </a:r>
           </a:p>
           <a:p>
             <a:pPr lvl="1"/>
             <a:r>
-              <a:rPr lang="en-US" smtClean="0"/>
+              <a:rPr lang="en-US"/>
               <a:t>Second level</a:t>
             </a:r>
           </a:p>
           <a:p>
             <a:pPr lvl="2"/>
             <a:r>
-              <a:rPr lang="en-US" smtClean="0"/>
+              <a:rPr lang="en-US"/>
               <a:t>Third level</a:t>
             </a:r>
           </a:p>
           <a:p>
             <a:pPr lvl="3"/>
             <a:r>
-              <a:rPr lang="en-US" smtClean="0"/>
+              <a:rPr lang="en-US"/>
               <a:t>Fourth level</a:t>
             </a:r>
           </a:p>
           <a:p>
             <a:pPr lvl="4"/>
             <a:r>
-              <a:rPr lang="en-US" smtClean="0"/>
+              <a:rPr lang="en-US"/>
               <a:t>Fifth level</a:t>
             </a:r>
-            <a:endParaRPr lang="en-US"/>
           </a:p>
         </p:txBody>
       </p:sp>
@@ -2567,7 +2553,7 @@
           <a:p>
             <a:fld id="{C6726D26-662B-144D-9DCE-CC9459C07D55}" type="datetimeFigureOut">
               <a:rPr lang="en-US" smtClean="0"/>
-              <a:t>12/2/16</a:t>
+              <a:t>12/2/2016</a:t>
             </a:fld>
             <a:endParaRPr lang="en-US"/>
           </a:p>
@@ -2988,72 +2974,120 @@
           <a:lstStyle/>
           <a:p>
             <a:r>
-              <a:rPr lang="en-US" dirty="0" smtClean="0"/>
-              <a:t>Clustering</a:t>
-            </a:r>
+              <a:rPr lang="en-US" dirty="0"/>
+              <a:t>Alcohol consumption data</a:t>
+            </a:r>
+          </a:p>
+        </p:txBody>
+      </p:sp>
+      <p:sp>
+        <p:nvSpPr>
+          <p:cNvPr id="5" name="Content Placeholder 4"/>
+          <p:cNvSpPr>
+            <a:spLocks noGrp="1"/>
+          </p:cNvSpPr>
+          <p:nvPr>
+            <p:ph idx="1"/>
+          </p:nvPr>
+        </p:nvSpPr>
+        <p:spPr/>
+        <p:txBody>
+          <a:bodyPr>
+            <a:normAutofit fontScale="92500" lnSpcReduction="10000"/>
+          </a:bodyPr>
+          <a:lstStyle/>
+          <a:p>
+            <a:r>
+              <a:rPr lang="en-US" dirty="0"/>
+              <a:t>Data collected from students at 2 Portuguese secondary schools</a:t>
+            </a:r>
+          </a:p>
+          <a:p>
+            <a:pPr lvl="1"/>
+            <a:r>
+              <a:rPr lang="en-US" dirty="0"/>
+              <a:t>Students were surveyed in either a math class or Portuguese language class</a:t>
+            </a:r>
+          </a:p>
+          <a:p>
+            <a:pPr lvl="1"/>
+            <a:r>
+              <a:rPr lang="en-US" dirty="0"/>
+              <a:t>Ages ranged from 15 to 22</a:t>
+            </a:r>
+          </a:p>
+          <a:p>
+            <a:pPr lvl="1"/>
+            <a:r>
+              <a:rPr lang="en-US" dirty="0"/>
+              <a:t>Alcohol consumption was reported in terms of a 1 (very low) to 5 (very high) rating on weekdays and weekends</a:t>
+            </a:r>
+          </a:p>
+          <a:p>
+            <a:pPr lvl="1"/>
+            <a:r>
+              <a:rPr lang="en-US" dirty="0"/>
+              <a:t>31 other variables included family demographics, school performance, and social activities</a:t>
+            </a:r>
+          </a:p>
+          <a:p>
+            <a:pPr lvl="1"/>
+            <a:r>
+              <a:rPr lang="en-US" dirty="0"/>
+              <a:t>Illegal consumption of alcohol is not necessarily a concern because as of 2014, Portugal laws allowed anyone 16 or older to purchase alcohol [1]</a:t>
+            </a:r>
+          </a:p>
+          <a:p>
+            <a:r>
+              <a:rPr lang="en-US" dirty="0"/>
+              <a:t>Additional data was acquired via a survey of University of Utah students</a:t>
+            </a:r>
+          </a:p>
+          <a:p>
+            <a:pPr lvl="1"/>
+            <a:r>
+              <a:rPr lang="en-US" dirty="0"/>
+              <a:t>Students were from chemical engineering department and data science course</a:t>
+            </a:r>
+          </a:p>
+          <a:p>
+            <a:pPr lvl="1"/>
+            <a:r>
+              <a:rPr lang="en-US" dirty="0"/>
+              <a:t>Subset of variables from main data were included</a:t>
+            </a:r>
+          </a:p>
+          <a:p>
+            <a:pPr lvl="1"/>
             <a:endParaRPr lang="en-US" dirty="0"/>
           </a:p>
         </p:txBody>
       </p:sp>
       <p:sp>
         <p:nvSpPr>
-          <p:cNvPr id="5" name="Content Placeholder 4"/>
-          <p:cNvSpPr>
-            <a:spLocks noGrp="1"/>
-          </p:cNvSpPr>
-          <p:nvPr>
-            <p:ph idx="1"/>
-          </p:nvPr>
-        </p:nvSpPr>
-        <p:spPr/>
-        <p:txBody>
-          <a:bodyPr/>
-          <a:lstStyle/>
-          <a:p>
-            <a:r>
-              <a:rPr lang="en-US" dirty="0" smtClean="0"/>
-              <a:t>Three different clustering algorithms were implemented</a:t>
-            </a:r>
-          </a:p>
-          <a:p>
-            <a:pPr lvl="1"/>
-            <a:r>
-              <a:rPr lang="en-US" dirty="0" smtClean="0"/>
-              <a:t>k-Means </a:t>
-            </a:r>
-          </a:p>
-          <a:p>
-            <a:pPr lvl="1"/>
-            <a:r>
-              <a:rPr lang="en-US" dirty="0" smtClean="0"/>
-              <a:t>Hierarchical</a:t>
-            </a:r>
-          </a:p>
-          <a:p>
-            <a:pPr lvl="1"/>
-            <a:r>
-              <a:rPr lang="en-US" dirty="0" smtClean="0"/>
-              <a:t>DBSCAN</a:t>
-            </a:r>
-          </a:p>
-          <a:p>
-            <a:r>
-              <a:rPr lang="en-US" dirty="0" smtClean="0"/>
-              <a:t>Purpose</a:t>
-            </a:r>
-          </a:p>
-          <a:p>
-            <a:pPr lvl="1"/>
-            <a:r>
-              <a:rPr lang="en-US" dirty="0" smtClean="0"/>
-              <a:t>If clusters are present, we can see what the clusters consist of to give us new insights</a:t>
-            </a:r>
-          </a:p>
-          <a:p>
-            <a:pPr lvl="1"/>
-            <a:r>
-              <a:rPr lang="en-US" dirty="0" smtClean="0"/>
-              <a:t>Example: Maybe there’s a cluster of students with divorced parents?</a:t>
+          <p:cNvPr id="6" name="TextBox 5"/>
+          <p:cNvSpPr txBox="1"/>
+          <p:nvPr/>
+        </p:nvSpPr>
+        <p:spPr>
+          <a:xfrm>
+            <a:off x="6307226" y="6476433"/>
+            <a:ext cx="5046574" cy="246221"/>
+          </a:xfrm>
+          <a:prstGeom prst="rect">
+            <a:avLst/>
+          </a:prstGeom>
+          <a:noFill/>
+        </p:spPr>
+        <p:txBody>
+          <a:bodyPr wrap="none" rtlCol="0">
+            <a:spAutoFit/>
+          </a:bodyPr>
+          <a:lstStyle/>
+          <a:p>
+            <a:r>
+              <a:rPr lang="en-US" sz="1000" dirty="0"/>
+              <a:t>1. http://www.who.int/substance_abuse/publications/global_alcohol_report/profiles/prt.pdf</a:t>
             </a:r>
           </a:p>
         </p:txBody>
@@ -3061,7 +3095,188 @@
     </p:spTree>
     <p:extLst>
       <p:ext uri="{BB962C8B-B14F-4D97-AF65-F5344CB8AC3E}">
-        <p14:creationId xmlns:p14="http://schemas.microsoft.com/office/powerpoint/2010/main" val="203658256"/>
+        <p14:creationId xmlns:p14="http://schemas.microsoft.com/office/powerpoint/2010/main" val="647427247"/>
+      </p:ext>
+    </p:extLst>
+  </p:cSld>
+  <p:clrMapOvr>
+    <a:masterClrMapping/>
+  </p:clrMapOvr>
+</p:sld>
+</file>
+
+<file path=ppt/slides/slide10.xml><?xml version="1.0" encoding="utf-8"?>
+<p:sld xmlns:a="http://schemas.openxmlformats.org/drawingml/2006/main" xmlns:r="http://schemas.openxmlformats.org/officeDocument/2006/relationships" xmlns:p="http://schemas.openxmlformats.org/presentationml/2006/main">
+  <p:cSld>
+    <p:spTree>
+      <p:nvGrpSpPr>
+        <p:cNvPr id="1" name=""/>
+        <p:cNvGrpSpPr/>
+        <p:nvPr/>
+      </p:nvGrpSpPr>
+      <p:grpSpPr>
+        <a:xfrm>
+          <a:off x="0" y="0"/>
+          <a:ext cx="0" cy="0"/>
+          <a:chOff x="0" y="0"/>
+          <a:chExt cx="0" cy="0"/>
+        </a:xfrm>
+      </p:grpSpPr>
+      <p:sp>
+        <p:nvSpPr>
+          <p:cNvPr id="7" name="Title 6"/>
+          <p:cNvSpPr>
+            <a:spLocks noGrp="1"/>
+          </p:cNvSpPr>
+          <p:nvPr>
+            <p:ph type="title"/>
+          </p:nvPr>
+        </p:nvSpPr>
+        <p:spPr/>
+        <p:txBody>
+          <a:bodyPr/>
+          <a:lstStyle/>
+          <a:p>
+            <a:r>
+              <a:rPr lang="en-US" dirty="0"/>
+              <a:t>Survey</a:t>
+            </a:r>
+          </a:p>
+        </p:txBody>
+      </p:sp>
+      <p:sp>
+        <p:nvSpPr>
+          <p:cNvPr id="8" name="Text Placeholder 7"/>
+          <p:cNvSpPr>
+            <a:spLocks noGrp="1"/>
+          </p:cNvSpPr>
+          <p:nvPr>
+            <p:ph type="body" idx="1"/>
+          </p:nvPr>
+        </p:nvSpPr>
+        <p:spPr/>
+        <p:txBody>
+          <a:bodyPr/>
+          <a:lstStyle/>
+          <a:p>
+            <a:endParaRPr lang="en-US"/>
+          </a:p>
+        </p:txBody>
+      </p:sp>
+    </p:spTree>
+    <p:extLst>
+      <p:ext uri="{BB962C8B-B14F-4D97-AF65-F5344CB8AC3E}">
+        <p14:creationId xmlns:p14="http://schemas.microsoft.com/office/powerpoint/2010/main" val="54285116"/>
+      </p:ext>
+    </p:extLst>
+  </p:cSld>
+  <p:clrMapOvr>
+    <a:masterClrMapping/>
+  </p:clrMapOvr>
+</p:sld>
+</file>
+
+<file path=ppt/slides/slide11.xml><?xml version="1.0" encoding="utf-8"?>
+<p:sld xmlns:a="http://schemas.openxmlformats.org/drawingml/2006/main" xmlns:r="http://schemas.openxmlformats.org/officeDocument/2006/relationships" xmlns:p="http://schemas.openxmlformats.org/presentationml/2006/main">
+  <p:cSld>
+    <p:spTree>
+      <p:nvGrpSpPr>
+        <p:cNvPr id="1" name=""/>
+        <p:cNvGrpSpPr/>
+        <p:nvPr/>
+      </p:nvGrpSpPr>
+      <p:grpSpPr>
+        <a:xfrm>
+          <a:off x="0" y="0"/>
+          <a:ext cx="0" cy="0"/>
+          <a:chOff x="0" y="0"/>
+          <a:chExt cx="0" cy="0"/>
+        </a:xfrm>
+      </p:grpSpPr>
+      <p:sp>
+        <p:nvSpPr>
+          <p:cNvPr id="2" name="Title 1"/>
+          <p:cNvSpPr>
+            <a:spLocks noGrp="1"/>
+          </p:cNvSpPr>
+          <p:nvPr>
+            <p:ph type="title"/>
+          </p:nvPr>
+        </p:nvSpPr>
+        <p:spPr/>
+        <p:txBody>
+          <a:bodyPr/>
+          <a:lstStyle/>
+          <a:p>
+            <a:r>
+              <a:rPr lang="en-US" dirty="0"/>
+              <a:t>Alcohol Consumption</a:t>
+            </a:r>
+          </a:p>
+        </p:txBody>
+      </p:sp>
+      <p:pic>
+        <p:nvPicPr>
+          <p:cNvPr id="5" name="Content Placeholder 4"/>
+          <p:cNvPicPr>
+            <a:picLocks noGrp="1" noChangeAspect="1"/>
+          </p:cNvPicPr>
+          <p:nvPr>
+            <p:ph sz="half" idx="1"/>
+          </p:nvPr>
+        </p:nvPicPr>
+        <p:blipFill>
+          <a:blip r:embed="rId2">
+            <a:extLst>
+              <a:ext uri="{28A0092B-C50C-407E-A947-70E740481C1C}">
+                <a14:useLocalDpi xmlns:a14="http://schemas.microsoft.com/office/drawing/2010/main" val="0"/>
+              </a:ext>
+            </a:extLst>
+          </a:blip>
+          <a:stretch>
+            <a:fillRect/>
+          </a:stretch>
+        </p:blipFill>
+        <p:spPr>
+          <a:xfrm>
+            <a:off x="838200" y="1920845"/>
+            <a:ext cx="5181600" cy="4160897"/>
+          </a:xfrm>
+        </p:spPr>
+      </p:pic>
+      <p:pic>
+        <p:nvPicPr>
+          <p:cNvPr id="6" name="Content Placeholder 5"/>
+          <p:cNvPicPr>
+            <a:picLocks noGrp="1" noChangeAspect="1"/>
+          </p:cNvPicPr>
+          <p:nvPr>
+            <p:ph sz="half" idx="2"/>
+          </p:nvPr>
+        </p:nvPicPr>
+        <p:blipFill>
+          <a:blip r:embed="rId3">
+            <a:extLst>
+              <a:ext uri="{28A0092B-C50C-407E-A947-70E740481C1C}">
+                <a14:useLocalDpi xmlns:a14="http://schemas.microsoft.com/office/drawing/2010/main" val="0"/>
+              </a:ext>
+            </a:extLst>
+          </a:blip>
+          <a:stretch>
+            <a:fillRect/>
+          </a:stretch>
+        </p:blipFill>
+        <p:spPr>
+          <a:xfrm>
+            <a:off x="6172200" y="1920845"/>
+            <a:ext cx="5181600" cy="4160897"/>
+          </a:xfrm>
+        </p:spPr>
+      </p:pic>
+    </p:spTree>
+    <p:extLst>
+      <p:ext uri="{BB962C8B-B14F-4D97-AF65-F5344CB8AC3E}">
+        <p14:creationId xmlns:p14="http://schemas.microsoft.com/office/powerpoint/2010/main" val="1836878284"/>
       </p:ext>
     </p:extLst>
   </p:cSld>
@@ -3104,10 +3319,232 @@
           <a:lstStyle/>
           <a:p>
             <a:r>
-              <a:rPr lang="en-US" dirty="0" smtClean="0"/>
+              <a:rPr lang="en-US" dirty="0"/>
+              <a:t>Data Cleanup</a:t>
+            </a:r>
+          </a:p>
+        </p:txBody>
+      </p:sp>
+      <p:sp>
+        <p:nvSpPr>
+          <p:cNvPr id="3" name="Content Placeholder 2"/>
+          <p:cNvSpPr>
+            <a:spLocks noGrp="1"/>
+          </p:cNvSpPr>
+          <p:nvPr>
+            <p:ph idx="1"/>
+          </p:nvPr>
+        </p:nvSpPr>
+        <p:spPr/>
+        <p:txBody>
+          <a:bodyPr>
+            <a:normAutofit lnSpcReduction="10000"/>
+          </a:bodyPr>
+          <a:lstStyle/>
+          <a:p>
+            <a:r>
+              <a:rPr lang="en-US" dirty="0"/>
+              <a:t>Since data was gathered in both math classes and Portuguese classes, some students were surveyed twice</a:t>
+            </a:r>
+          </a:p>
+          <a:p>
+            <a:pPr lvl="1"/>
+            <a:r>
+              <a:rPr lang="en-US" dirty="0"/>
+              <a:t>Data was reported in two sets, one for math classes and another for Portuguese classes</a:t>
+            </a:r>
+          </a:p>
+          <a:p>
+            <a:r>
+              <a:rPr lang="en-US" dirty="0"/>
+              <a:t>To remove duplicates from the data, a merge was performed between the two sets</a:t>
+            </a:r>
+          </a:p>
+          <a:p>
+            <a:pPr lvl="1"/>
+            <a:r>
+              <a:rPr lang="en-US" dirty="0"/>
+              <a:t>All variables except those related directly to the class (grades, attendance) type were used as a basis of comparison for the merge</a:t>
+            </a:r>
+          </a:p>
+          <a:p>
+            <a:r>
+              <a:rPr lang="en-US" dirty="0"/>
+              <a:t>Class-dependent variables were combined into single values for each student by averaging</a:t>
+            </a:r>
+          </a:p>
+          <a:p>
+            <a:r>
+              <a:rPr lang="en-US" dirty="0"/>
+              <a:t>Categorical variables were converted to integer values</a:t>
+            </a:r>
+          </a:p>
+        </p:txBody>
+      </p:sp>
+    </p:spTree>
+    <p:extLst>
+      <p:ext uri="{BB962C8B-B14F-4D97-AF65-F5344CB8AC3E}">
+        <p14:creationId xmlns:p14="http://schemas.microsoft.com/office/powerpoint/2010/main" val="2546642372"/>
+      </p:ext>
+    </p:extLst>
+  </p:cSld>
+  <p:clrMapOvr>
+    <a:masterClrMapping/>
+  </p:clrMapOvr>
+</p:sld>
+</file>
+
+<file path=ppt/slides/slide3.xml><?xml version="1.0" encoding="utf-8"?>
+<p:sld xmlns:a="http://schemas.openxmlformats.org/drawingml/2006/main" xmlns:r="http://schemas.openxmlformats.org/officeDocument/2006/relationships" xmlns:p="http://schemas.openxmlformats.org/presentationml/2006/main">
+  <p:cSld>
+    <p:spTree>
+      <p:nvGrpSpPr>
+        <p:cNvPr id="1" name=""/>
+        <p:cNvGrpSpPr/>
+        <p:nvPr/>
+      </p:nvGrpSpPr>
+      <p:grpSpPr>
+        <a:xfrm>
+          <a:off x="0" y="0"/>
+          <a:ext cx="0" cy="0"/>
+          <a:chOff x="0" y="0"/>
+          <a:chExt cx="0" cy="0"/>
+        </a:xfrm>
+      </p:grpSpPr>
+      <p:sp>
+        <p:nvSpPr>
+          <p:cNvPr id="4" name="Title 3"/>
+          <p:cNvSpPr>
+            <a:spLocks noGrp="1"/>
+          </p:cNvSpPr>
+          <p:nvPr>
+            <p:ph type="title"/>
+          </p:nvPr>
+        </p:nvSpPr>
+        <p:spPr/>
+        <p:txBody>
+          <a:bodyPr/>
+          <a:lstStyle/>
+          <a:p>
+            <a:r>
+              <a:rPr lang="en-US" dirty="0"/>
+              <a:t>Clustering</a:t>
+            </a:r>
+          </a:p>
+        </p:txBody>
+      </p:sp>
+      <p:sp>
+        <p:nvSpPr>
+          <p:cNvPr id="5" name="Content Placeholder 4"/>
+          <p:cNvSpPr>
+            <a:spLocks noGrp="1"/>
+          </p:cNvSpPr>
+          <p:nvPr>
+            <p:ph idx="1"/>
+          </p:nvPr>
+        </p:nvSpPr>
+        <p:spPr/>
+        <p:txBody>
+          <a:bodyPr/>
+          <a:lstStyle/>
+          <a:p>
+            <a:r>
+              <a:rPr lang="en-US" dirty="0"/>
+              <a:t>Three different clustering algorithms were implemented</a:t>
+            </a:r>
+          </a:p>
+          <a:p>
+            <a:pPr lvl="1"/>
+            <a:r>
+              <a:rPr lang="en-US" dirty="0"/>
+              <a:t>k-Means </a:t>
+            </a:r>
+          </a:p>
+          <a:p>
+            <a:pPr lvl="1"/>
+            <a:r>
+              <a:rPr lang="en-US" dirty="0"/>
+              <a:t>Hierarchical</a:t>
+            </a:r>
+          </a:p>
+          <a:p>
+            <a:pPr lvl="1"/>
+            <a:r>
+              <a:rPr lang="en-US" dirty="0"/>
+              <a:t>DBSCAN</a:t>
+            </a:r>
+          </a:p>
+          <a:p>
+            <a:r>
+              <a:rPr lang="en-US" dirty="0"/>
+              <a:t>Purpose</a:t>
+            </a:r>
+          </a:p>
+          <a:p>
+            <a:pPr lvl="1"/>
+            <a:r>
+              <a:rPr lang="en-US" dirty="0"/>
+              <a:t>If clusters are present, we can see what the clusters consist of to give us new insights</a:t>
+            </a:r>
+          </a:p>
+          <a:p>
+            <a:pPr lvl="1"/>
+            <a:r>
+              <a:rPr lang="en-US" dirty="0"/>
+              <a:t>Example: Maybe there’s a cluster of students with divorced parents?</a:t>
+            </a:r>
+          </a:p>
+        </p:txBody>
+      </p:sp>
+    </p:spTree>
+    <p:extLst>
+      <p:ext uri="{BB962C8B-B14F-4D97-AF65-F5344CB8AC3E}">
+        <p14:creationId xmlns:p14="http://schemas.microsoft.com/office/powerpoint/2010/main" val="203658256"/>
+      </p:ext>
+    </p:extLst>
+  </p:cSld>
+  <p:clrMapOvr>
+    <a:masterClrMapping/>
+  </p:clrMapOvr>
+</p:sld>
+</file>
+
+<file path=ppt/slides/slide4.xml><?xml version="1.0" encoding="utf-8"?>
+<p:sld xmlns:a="http://schemas.openxmlformats.org/drawingml/2006/main" xmlns:r="http://schemas.openxmlformats.org/officeDocument/2006/relationships" xmlns:p="http://schemas.openxmlformats.org/presentationml/2006/main">
+  <p:cSld>
+    <p:spTree>
+      <p:nvGrpSpPr>
+        <p:cNvPr id="1" name=""/>
+        <p:cNvGrpSpPr/>
+        <p:nvPr/>
+      </p:nvGrpSpPr>
+      <p:grpSpPr>
+        <a:xfrm>
+          <a:off x="0" y="0"/>
+          <a:ext cx="0" cy="0"/>
+          <a:chOff x="0" y="0"/>
+          <a:chExt cx="0" cy="0"/>
+        </a:xfrm>
+      </p:grpSpPr>
+      <p:sp>
+        <p:nvSpPr>
+          <p:cNvPr id="2" name="Title 1"/>
+          <p:cNvSpPr>
+            <a:spLocks noGrp="1"/>
+          </p:cNvSpPr>
+          <p:nvPr>
+            <p:ph type="title"/>
+          </p:nvPr>
+        </p:nvSpPr>
+        <p:spPr/>
+        <p:txBody>
+          <a:bodyPr/>
+          <a:lstStyle/>
+          <a:p>
+            <a:r>
+              <a:rPr lang="en-US" dirty="0"/>
               <a:t>k-Means</a:t>
             </a:r>
-            <a:endParaRPr lang="en-US" dirty="0"/>
           </a:p>
         </p:txBody>
       </p:sp>
@@ -3156,26 +3593,26 @@
           <a:lstStyle/>
           <a:p>
             <a:r>
-              <a:rPr lang="en-US" dirty="0" smtClean="0"/>
+              <a:rPr lang="en-US" dirty="0"/>
               <a:t>Tried one through fifteen clusters</a:t>
             </a:r>
           </a:p>
           <a:p>
             <a:r>
-              <a:rPr lang="en-US" dirty="0" smtClean="0"/>
+              <a:rPr lang="en-US" dirty="0"/>
               <a:t>Decided to focus on two through five clusters</a:t>
             </a:r>
           </a:p>
           <a:p>
             <a:r>
-              <a:rPr lang="en-US" dirty="0" smtClean="0"/>
+              <a:rPr lang="en-US" dirty="0"/>
               <a:t>Silhouette Score (measure of distance from other clusters) wasn’t promising</a:t>
             </a:r>
           </a:p>
           <a:p>
             <a:pPr lvl="1"/>
             <a:r>
-              <a:rPr lang="en-US" dirty="0" smtClean="0"/>
+              <a:rPr lang="en-US" dirty="0"/>
               <a:t>+1 is best, -1 is worst</a:t>
             </a:r>
           </a:p>
@@ -3227,7 +3664,7 @@
 </p:sld>
 </file>
 
-<file path=ppt/slides/slide3.xml><?xml version="1.0" encoding="utf-8"?>
+<file path=ppt/slides/slide5.xml><?xml version="1.0" encoding="utf-8"?>
 <p:sld xmlns:a="http://schemas.openxmlformats.org/drawingml/2006/main" xmlns:r="http://schemas.openxmlformats.org/officeDocument/2006/relationships" xmlns:p="http://schemas.openxmlformats.org/presentationml/2006/main">
   <p:cSld>
     <p:spTree>
@@ -3260,10 +3697,9 @@
           <a:lstStyle/>
           <a:p>
             <a:r>
-              <a:rPr lang="en-US" dirty="0" smtClean="0"/>
+              <a:rPr lang="en-US" dirty="0"/>
               <a:t>k-Means Silhouette Plots</a:t>
             </a:r>
-            <a:endParaRPr lang="en-US" dirty="0"/>
           </a:p>
         </p:txBody>
       </p:sp>
@@ -3348,14 +3784,13 @@
           <a:lstStyle/>
           <a:p>
             <a:r>
-              <a:rPr lang="en-US" dirty="0" smtClean="0"/>
+              <a:rPr lang="en-US" dirty="0"/>
               <a:t>Silhouettes aren’t close to +1, </a:t>
             </a:r>
             <a:r>
-              <a:rPr lang="en-US" smtClean="0"/>
+              <a:rPr lang="en-US"/>
               <a:t>shape isn’t boxy</a:t>
             </a:r>
-            <a:endParaRPr lang="en-US"/>
           </a:p>
         </p:txBody>
       </p:sp>
@@ -3372,7 +3807,7 @@
 </p:sld>
 </file>
 
-<file path=ppt/slides/slide4.xml><?xml version="1.0" encoding="utf-8"?>
+<file path=ppt/slides/slide6.xml><?xml version="1.0" encoding="utf-8"?>
 <p:sld xmlns:a="http://schemas.openxmlformats.org/drawingml/2006/main" xmlns:r="http://schemas.openxmlformats.org/officeDocument/2006/relationships" xmlns:p="http://schemas.openxmlformats.org/presentationml/2006/main">
   <p:cSld>
     <p:spTree>
@@ -3405,10 +3840,9 @@
           <a:lstStyle/>
           <a:p>
             <a:r>
-              <a:rPr lang="en-US" dirty="0" smtClean="0"/>
+              <a:rPr lang="en-US" dirty="0"/>
               <a:t>What about Hierarchical?</a:t>
             </a:r>
-            <a:endParaRPr lang="en-US" dirty="0"/>
           </a:p>
         </p:txBody>
       </p:sp>
@@ -3444,7 +3878,7 @@
 </p:sld>
 </file>
 
-<file path=ppt/slides/slide5.xml><?xml version="1.0" encoding="utf-8"?>
+<file path=ppt/slides/slide7.xml><?xml version="1.0" encoding="utf-8"?>
 <p:sld xmlns:a="http://schemas.openxmlformats.org/drawingml/2006/main" xmlns:r="http://schemas.openxmlformats.org/officeDocument/2006/relationships" xmlns:p="http://schemas.openxmlformats.org/presentationml/2006/main">
   <p:cSld>
     <p:spTree>
@@ -3477,10 +3911,9 @@
           <a:lstStyle/>
           <a:p>
             <a:r>
-              <a:rPr lang="en-US" dirty="0" smtClean="0"/>
+              <a:rPr lang="en-US" dirty="0"/>
               <a:t>Hierarchical Silhouette Plots</a:t>
             </a:r>
-            <a:endParaRPr lang="en-US" dirty="0"/>
           </a:p>
         </p:txBody>
       </p:sp>
@@ -3587,264 +4020,6 @@
 </p:sld>
 </file>
 
-<file path=ppt/slides/slide6.xml><?xml version="1.0" encoding="utf-8"?>
-<p:sld xmlns:a="http://schemas.openxmlformats.org/drawingml/2006/main" xmlns:r="http://schemas.openxmlformats.org/officeDocument/2006/relationships" xmlns:p="http://schemas.openxmlformats.org/presentationml/2006/main">
-  <p:cSld>
-    <p:spTree>
-      <p:nvGrpSpPr>
-        <p:cNvPr id="1" name=""/>
-        <p:cNvGrpSpPr/>
-        <p:nvPr/>
-      </p:nvGrpSpPr>
-      <p:grpSpPr>
-        <a:xfrm>
-          <a:off x="0" y="0"/>
-          <a:ext cx="0" cy="0"/>
-          <a:chOff x="0" y="0"/>
-          <a:chExt cx="0" cy="0"/>
-        </a:xfrm>
-      </p:grpSpPr>
-      <p:sp>
-        <p:nvSpPr>
-          <p:cNvPr id="2" name="Title 1"/>
-          <p:cNvSpPr>
-            <a:spLocks noGrp="1"/>
-          </p:cNvSpPr>
-          <p:nvPr>
-            <p:ph type="title"/>
-          </p:nvPr>
-        </p:nvSpPr>
-        <p:spPr/>
-        <p:txBody>
-          <a:bodyPr/>
-          <a:lstStyle/>
-          <a:p>
-            <a:r>
-              <a:rPr lang="en-US" dirty="0" smtClean="0"/>
-              <a:t>DBSCAN</a:t>
-            </a:r>
-            <a:endParaRPr lang="en-US" dirty="0"/>
-          </a:p>
-        </p:txBody>
-      </p:sp>
-      <p:sp>
-        <p:nvSpPr>
-          <p:cNvPr id="3" name="Content Placeholder 2"/>
-          <p:cNvSpPr>
-            <a:spLocks noGrp="1"/>
-          </p:cNvSpPr>
-          <p:nvPr>
-            <p:ph idx="1"/>
-          </p:nvPr>
-        </p:nvSpPr>
-        <p:spPr/>
-        <p:txBody>
-          <a:bodyPr/>
-          <a:lstStyle/>
-          <a:p>
-            <a:r>
-              <a:rPr lang="en-US" dirty="0" smtClean="0"/>
-              <a:t>Tried one last algorithm, DBSCAN</a:t>
-            </a:r>
-          </a:p>
-          <a:p>
-            <a:r>
-              <a:rPr lang="en-US" dirty="0" smtClean="0"/>
-              <a:t>DBSCAN determines the number of clusters for you</a:t>
-            </a:r>
-          </a:p>
-          <a:p>
-            <a:r>
-              <a:rPr lang="en-US" dirty="0" smtClean="0"/>
-              <a:t>DBSCAN classified all points as noise</a:t>
-            </a:r>
-          </a:p>
-          <a:p>
-            <a:pPr lvl="1"/>
-            <a:r>
-              <a:rPr lang="en-US" dirty="0" smtClean="0"/>
-              <a:t>This may imply that there are no real clusters, or one large cluster</a:t>
-            </a:r>
-            <a:br>
-              <a:rPr lang="en-US" dirty="0" smtClean="0"/>
-            </a:br>
-            <a:endParaRPr lang="en-US" dirty="0" smtClean="0"/>
-          </a:p>
-          <a:p>
-            <a:endParaRPr lang="en-US" dirty="0"/>
-          </a:p>
-        </p:txBody>
-      </p:sp>
-    </p:spTree>
-    <p:extLst>
-      <p:ext uri="{BB962C8B-B14F-4D97-AF65-F5344CB8AC3E}">
-        <p14:creationId xmlns:p14="http://schemas.microsoft.com/office/powerpoint/2010/main" val="2095985933"/>
-      </p:ext>
-    </p:extLst>
-  </p:cSld>
-  <p:clrMapOvr>
-    <a:masterClrMapping/>
-  </p:clrMapOvr>
-</p:sld>
-</file>
-
-<file path=ppt/slides/slide7.xml><?xml version="1.0" encoding="utf-8"?>
-<p:sld xmlns:a="http://schemas.openxmlformats.org/drawingml/2006/main" xmlns:r="http://schemas.openxmlformats.org/officeDocument/2006/relationships" xmlns:p="http://schemas.openxmlformats.org/presentationml/2006/main">
-  <p:cSld>
-    <p:spTree>
-      <p:nvGrpSpPr>
-        <p:cNvPr id="1" name=""/>
-        <p:cNvGrpSpPr/>
-        <p:nvPr/>
-      </p:nvGrpSpPr>
-      <p:grpSpPr>
-        <a:xfrm>
-          <a:off x="0" y="0"/>
-          <a:ext cx="0" cy="0"/>
-          <a:chOff x="0" y="0"/>
-          <a:chExt cx="0" cy="0"/>
-        </a:xfrm>
-      </p:grpSpPr>
-      <p:sp>
-        <p:nvSpPr>
-          <p:cNvPr id="2" name="Title 1"/>
-          <p:cNvSpPr>
-            <a:spLocks noGrp="1"/>
-          </p:cNvSpPr>
-          <p:nvPr>
-            <p:ph type="title"/>
-          </p:nvPr>
-        </p:nvSpPr>
-        <p:spPr/>
-        <p:txBody>
-          <a:bodyPr/>
-          <a:lstStyle/>
-          <a:p>
-            <a:r>
-              <a:rPr lang="en-US" dirty="0" smtClean="0"/>
-              <a:t>Dimensionality Reduction - Visualization</a:t>
-            </a:r>
-            <a:endParaRPr lang="en-US" dirty="0"/>
-          </a:p>
-        </p:txBody>
-      </p:sp>
-      <p:sp>
-        <p:nvSpPr>
-          <p:cNvPr id="8" name="Text Placeholder 7"/>
-          <p:cNvSpPr>
-            <a:spLocks noGrp="1"/>
-          </p:cNvSpPr>
-          <p:nvPr>
-            <p:ph type="body" idx="1"/>
-          </p:nvPr>
-        </p:nvSpPr>
-        <p:spPr/>
-        <p:txBody>
-          <a:bodyPr/>
-          <a:lstStyle/>
-          <a:p>
-            <a:r>
-              <a:rPr lang="en-US" dirty="0" smtClean="0"/>
-              <a:t>t-SNE</a:t>
-            </a:r>
-            <a:endParaRPr lang="en-US" dirty="0"/>
-          </a:p>
-        </p:txBody>
-      </p:sp>
-      <p:pic>
-        <p:nvPicPr>
-          <p:cNvPr id="6" name="Content Placeholder 5"/>
-          <p:cNvPicPr>
-            <a:picLocks noGrp="1" noChangeAspect="1"/>
-          </p:cNvPicPr>
-          <p:nvPr>
-            <p:ph sz="half" idx="2"/>
-          </p:nvPr>
-        </p:nvPicPr>
-        <p:blipFill>
-          <a:blip r:embed="rId2">
-            <a:extLst>
-              <a:ext uri="{28A0092B-C50C-407E-A947-70E740481C1C}">
-                <a14:useLocalDpi xmlns:a14="http://schemas.microsoft.com/office/drawing/2010/main" val="0"/>
-              </a:ext>
-            </a:extLst>
-          </a:blip>
-          <a:stretch>
-            <a:fillRect/>
-          </a:stretch>
-        </p:blipFill>
-        <p:spPr>
-          <a:xfrm>
-            <a:off x="839788" y="2642107"/>
-            <a:ext cx="5157787" cy="3410523"/>
-          </a:xfrm>
-        </p:spPr>
-      </p:pic>
-      <p:sp>
-        <p:nvSpPr>
-          <p:cNvPr id="9" name="Text Placeholder 8"/>
-          <p:cNvSpPr>
-            <a:spLocks noGrp="1"/>
-          </p:cNvSpPr>
-          <p:nvPr>
-            <p:ph type="body" sz="quarter" idx="3"/>
-          </p:nvPr>
-        </p:nvSpPr>
-        <p:spPr/>
-        <p:txBody>
-          <a:bodyPr/>
-          <a:lstStyle/>
-          <a:p>
-            <a:r>
-              <a:rPr lang="en-US" dirty="0" smtClean="0"/>
-              <a:t>PCA</a:t>
-            </a:r>
-            <a:endParaRPr lang="en-US" dirty="0"/>
-          </a:p>
-        </p:txBody>
-      </p:sp>
-      <p:pic>
-        <p:nvPicPr>
-          <p:cNvPr id="7" name="Content Placeholder 6"/>
-          <p:cNvPicPr>
-            <a:picLocks noGrp="1" noChangeAspect="1"/>
-          </p:cNvPicPr>
-          <p:nvPr>
-            <p:ph sz="quarter" idx="4"/>
-          </p:nvPr>
-        </p:nvPicPr>
-        <p:blipFill>
-          <a:blip r:embed="rId3">
-            <a:extLst>
-              <a:ext uri="{28A0092B-C50C-407E-A947-70E740481C1C}">
-                <a14:useLocalDpi xmlns:a14="http://schemas.microsoft.com/office/drawing/2010/main" val="0"/>
-              </a:ext>
-            </a:extLst>
-          </a:blip>
-          <a:stretch>
-            <a:fillRect/>
-          </a:stretch>
-        </p:blipFill>
-        <p:spPr>
-          <a:xfrm>
-            <a:off x="6172200" y="2950142"/>
-            <a:ext cx="5183188" cy="2794454"/>
-          </a:xfrm>
-        </p:spPr>
-      </p:pic>
-    </p:spTree>
-    <p:extLst>
-      <p:ext uri="{BB962C8B-B14F-4D97-AF65-F5344CB8AC3E}">
-        <p14:creationId xmlns:p14="http://schemas.microsoft.com/office/powerpoint/2010/main" val="1492547047"/>
-      </p:ext>
-    </p:extLst>
-  </p:cSld>
-  <p:clrMapOvr>
-    <a:masterClrMapping/>
-  </p:clrMapOvr>
-</p:sld>
-</file>
-
 <file path=ppt/slides/slide8.xml><?xml version="1.0" encoding="utf-8"?>
 <p:sld xmlns:a="http://schemas.openxmlformats.org/drawingml/2006/main" xmlns:r="http://schemas.openxmlformats.org/officeDocument/2006/relationships" xmlns:p="http://schemas.openxmlformats.org/presentationml/2006/main">
   <p:cSld>
@@ -3864,7 +4039,7 @@
       </p:grpSpPr>
       <p:sp>
         <p:nvSpPr>
-          <p:cNvPr id="7" name="Title 6"/>
+          <p:cNvPr id="2" name="Title 1"/>
           <p:cNvSpPr>
             <a:spLocks noGrp="1"/>
           </p:cNvSpPr>
@@ -3878,36 +4053,64 @@
           <a:lstStyle/>
           <a:p>
             <a:r>
-              <a:rPr lang="en-US" dirty="0" smtClean="0"/>
-              <a:t>Survey</a:t>
-            </a:r>
+              <a:rPr lang="en-US" dirty="0"/>
+              <a:t>DBSCAN</a:t>
+            </a:r>
+          </a:p>
+        </p:txBody>
+      </p:sp>
+      <p:sp>
+        <p:nvSpPr>
+          <p:cNvPr id="3" name="Content Placeholder 2"/>
+          <p:cNvSpPr>
+            <a:spLocks noGrp="1"/>
+          </p:cNvSpPr>
+          <p:nvPr>
+            <p:ph idx="1"/>
+          </p:nvPr>
+        </p:nvSpPr>
+        <p:spPr/>
+        <p:txBody>
+          <a:bodyPr/>
+          <a:lstStyle/>
+          <a:p>
+            <a:r>
+              <a:rPr lang="en-US" dirty="0"/>
+              <a:t>Tried one last algorithm, DBSCAN</a:t>
+            </a:r>
+          </a:p>
+          <a:p>
+            <a:r>
+              <a:rPr lang="en-US" dirty="0"/>
+              <a:t>DBSCAN determines the number of clusters for you</a:t>
+            </a:r>
+          </a:p>
+          <a:p>
+            <a:r>
+              <a:rPr lang="en-US" dirty="0"/>
+              <a:t>DBSCAN classified all points as noise</a:t>
+            </a:r>
+          </a:p>
+          <a:p>
+            <a:pPr lvl="1"/>
+            <a:r>
+              <a:rPr lang="en-US" dirty="0"/>
+              <a:t>This may imply that there are no real clusters, or one large cluster</a:t>
+            </a:r>
+            <a:br>
+              <a:rPr lang="en-US" dirty="0"/>
+            </a:br>
             <a:endParaRPr lang="en-US" dirty="0"/>
           </a:p>
-        </p:txBody>
-      </p:sp>
-      <p:sp>
-        <p:nvSpPr>
-          <p:cNvPr id="8" name="Text Placeholder 7"/>
-          <p:cNvSpPr>
-            <a:spLocks noGrp="1"/>
-          </p:cNvSpPr>
-          <p:nvPr>
-            <p:ph type="body" idx="1"/>
-          </p:nvPr>
-        </p:nvSpPr>
-        <p:spPr/>
-        <p:txBody>
-          <a:bodyPr/>
-          <a:lstStyle/>
-          <a:p>
-            <a:endParaRPr lang="en-US"/>
+          <a:p>
+            <a:endParaRPr lang="en-US" dirty="0"/>
           </a:p>
         </p:txBody>
       </p:sp>
     </p:spTree>
     <p:extLst>
       <p:ext uri="{BB962C8B-B14F-4D97-AF65-F5344CB8AC3E}">
-        <p14:creationId xmlns:p14="http://schemas.microsoft.com/office/powerpoint/2010/main" val="54285116"/>
+        <p14:creationId xmlns:p14="http://schemas.microsoft.com/office/powerpoint/2010/main" val="2095985933"/>
       </p:ext>
     </p:extLst>
   </p:cSld>
@@ -3950,21 +4153,42 @@
           <a:lstStyle/>
           <a:p>
             <a:r>
-              <a:rPr lang="en-US" dirty="0" smtClean="0"/>
-              <a:t>Alcohol Consumption</a:t>
-            </a:r>
-            <a:endParaRPr lang="en-US" dirty="0"/>
+              <a:rPr lang="en-US" dirty="0"/>
+              <a:t>Dimensionality Reduction - Visualization</a:t>
+            </a:r>
+          </a:p>
+        </p:txBody>
+      </p:sp>
+      <p:sp>
+        <p:nvSpPr>
+          <p:cNvPr id="8" name="Text Placeholder 7"/>
+          <p:cNvSpPr>
+            <a:spLocks noGrp="1"/>
+          </p:cNvSpPr>
+          <p:nvPr>
+            <p:ph type="body" idx="1"/>
+          </p:nvPr>
+        </p:nvSpPr>
+        <p:spPr/>
+        <p:txBody>
+          <a:bodyPr/>
+          <a:lstStyle/>
+          <a:p>
+            <a:r>
+              <a:rPr lang="en-US" dirty="0"/>
+              <a:t>t-SNE</a:t>
+            </a:r>
           </a:p>
         </p:txBody>
       </p:sp>
       <p:pic>
         <p:nvPicPr>
-          <p:cNvPr id="5" name="Content Placeholder 4"/>
+          <p:cNvPr id="6" name="Content Placeholder 5"/>
           <p:cNvPicPr>
             <a:picLocks noGrp="1" noChangeAspect="1"/>
           </p:cNvPicPr>
           <p:nvPr>
-            <p:ph sz="half" idx="1"/>
+            <p:ph sz="half" idx="2"/>
           </p:nvPr>
         </p:nvPicPr>
         <p:blipFill>
@@ -3981,19 +4205,41 @@
         </p:blipFill>
         <p:spPr>
           <a:xfrm>
-            <a:off x="838200" y="1920845"/>
-            <a:ext cx="5181600" cy="4160897"/>
+            <a:off x="839788" y="2642107"/>
+            <a:ext cx="5157787" cy="3410523"/>
           </a:xfrm>
         </p:spPr>
       </p:pic>
+      <p:sp>
+        <p:nvSpPr>
+          <p:cNvPr id="9" name="Text Placeholder 8"/>
+          <p:cNvSpPr>
+            <a:spLocks noGrp="1"/>
+          </p:cNvSpPr>
+          <p:nvPr>
+            <p:ph type="body" sz="quarter" idx="3"/>
+          </p:nvPr>
+        </p:nvSpPr>
+        <p:spPr/>
+        <p:txBody>
+          <a:bodyPr/>
+          <a:lstStyle/>
+          <a:p>
+            <a:r>
+              <a:rPr lang="en-US" dirty="0"/>
+              <a:t>PCA</a:t>
+            </a:r>
+          </a:p>
+        </p:txBody>
+      </p:sp>
       <p:pic>
         <p:nvPicPr>
-          <p:cNvPr id="6" name="Content Placeholder 5"/>
+          <p:cNvPr id="7" name="Content Placeholder 6"/>
           <p:cNvPicPr>
             <a:picLocks noGrp="1" noChangeAspect="1"/>
           </p:cNvPicPr>
           <p:nvPr>
-            <p:ph sz="half" idx="2"/>
+            <p:ph sz="quarter" idx="4"/>
           </p:nvPr>
         </p:nvPicPr>
         <p:blipFill>
@@ -4010,15 +4256,15 @@
         </p:blipFill>
         <p:spPr>
           <a:xfrm>
-            <a:off x="6172200" y="1920845"/>
-            <a:ext cx="5181600" cy="4160897"/>
+            <a:off x="6172200" y="2950142"/>
+            <a:ext cx="5183188" cy="2794454"/>
           </a:xfrm>
         </p:spPr>
       </p:pic>
     </p:spTree>
     <p:extLst>
       <p:ext uri="{BB962C8B-B14F-4D97-AF65-F5344CB8AC3E}">
-        <p14:creationId xmlns:p14="http://schemas.microsoft.com/office/powerpoint/2010/main" val="1836878284"/>
+        <p14:creationId xmlns:p14="http://schemas.microsoft.com/office/powerpoint/2010/main" val="1492547047"/>
       </p:ext>
     </p:extLst>
   </p:cSld>

--- a/Slides/Nipun Slides.pptx
+++ b/Slides/Nipun Slides.pptx
@@ -4,18 +4,24 @@
   <p:sldMasterIdLst>
     <p:sldMasterId id="2147483648" r:id="rId1"/>
   </p:sldMasterIdLst>
+  <p:notesMasterIdLst>
+    <p:notesMasterId r:id="rId16"/>
+  </p:notesMasterIdLst>
   <p:sldIdLst>
     <p:sldId id="266" r:id="rId2"/>
     <p:sldId id="267" r:id="rId3"/>
-    <p:sldId id="256" r:id="rId4"/>
-    <p:sldId id="258" r:id="rId5"/>
-    <p:sldId id="259" r:id="rId6"/>
-    <p:sldId id="260" r:id="rId7"/>
-    <p:sldId id="261" r:id="rId8"/>
-    <p:sldId id="262" r:id="rId9"/>
-    <p:sldId id="263" r:id="rId10"/>
-    <p:sldId id="264" r:id="rId11"/>
-    <p:sldId id="265" r:id="rId12"/>
+    <p:sldId id="269" r:id="rId4"/>
+    <p:sldId id="270" r:id="rId5"/>
+    <p:sldId id="256" r:id="rId6"/>
+    <p:sldId id="258" r:id="rId7"/>
+    <p:sldId id="259" r:id="rId8"/>
+    <p:sldId id="260" r:id="rId9"/>
+    <p:sldId id="261" r:id="rId10"/>
+    <p:sldId id="262" r:id="rId11"/>
+    <p:sldId id="263" r:id="rId12"/>
+    <p:sldId id="264" r:id="rId13"/>
+    <p:sldId id="265" r:id="rId14"/>
+    <p:sldId id="268" r:id="rId15"/>
   </p:sldIdLst>
   <p:sldSz cx="12192000" cy="6858000"/>
   <p:notesSz cx="6858000" cy="9144000"/>
@@ -116,10 +122,933 @@
   </p:defaultTextStyle>
   <p:extLst>
     <p:ext uri="{EFAFB233-063F-42B5-8137-9DF3F51BA10A}">
-      <p15:sldGuideLst xmlns:p15="http://schemas.microsoft.com/office/powerpoint/2012/main"/>
+      <p15:sldGuideLst xmlns:p15="http://schemas.microsoft.com/office/powerpoint/2012/main" xmlns=""/>
     </p:ext>
   </p:extLst>
 </p:presentation>
+</file>
+
+<file path=ppt/notesMasters/notesMaster1.xml><?xml version="1.0" encoding="utf-8"?>
+<p:notesMaster xmlns:a="http://schemas.openxmlformats.org/drawingml/2006/main" xmlns:r="http://schemas.openxmlformats.org/officeDocument/2006/relationships" xmlns:p="http://schemas.openxmlformats.org/presentationml/2006/main">
+  <p:cSld>
+    <p:bg>
+      <p:bgRef idx="1001">
+        <a:schemeClr val="bg1"/>
+      </p:bgRef>
+    </p:bg>
+    <p:spTree>
+      <p:nvGrpSpPr>
+        <p:cNvPr id="1" name=""/>
+        <p:cNvGrpSpPr/>
+        <p:nvPr/>
+      </p:nvGrpSpPr>
+      <p:grpSpPr>
+        <a:xfrm>
+          <a:off x="0" y="0"/>
+          <a:ext cx="0" cy="0"/>
+          <a:chOff x="0" y="0"/>
+          <a:chExt cx="0" cy="0"/>
+        </a:xfrm>
+      </p:grpSpPr>
+      <p:sp>
+        <p:nvSpPr>
+          <p:cNvPr id="2" name="Header Placeholder 1"/>
+          <p:cNvSpPr>
+            <a:spLocks noGrp="1"/>
+          </p:cNvSpPr>
+          <p:nvPr>
+            <p:ph type="hdr" sz="quarter"/>
+          </p:nvPr>
+        </p:nvSpPr>
+        <p:spPr>
+          <a:xfrm>
+            <a:off x="0" y="0"/>
+            <a:ext cx="2971800" cy="457200"/>
+          </a:xfrm>
+          <a:prstGeom prst="rect">
+            <a:avLst/>
+          </a:prstGeom>
+        </p:spPr>
+        <p:txBody>
+          <a:bodyPr vert="horz" lIns="91440" tIns="45720" rIns="91440" bIns="45720" rtlCol="0"/>
+          <a:lstStyle>
+            <a:lvl1pPr algn="l">
+              <a:defRPr sz="1200"/>
+            </a:lvl1pPr>
+          </a:lstStyle>
+          <a:p>
+            <a:endParaRPr lang="en-US"/>
+          </a:p>
+        </p:txBody>
+      </p:sp>
+      <p:sp>
+        <p:nvSpPr>
+          <p:cNvPr id="3" name="Date Placeholder 2"/>
+          <p:cNvSpPr>
+            <a:spLocks noGrp="1"/>
+          </p:cNvSpPr>
+          <p:nvPr>
+            <p:ph type="dt" idx="1"/>
+          </p:nvPr>
+        </p:nvSpPr>
+        <p:spPr>
+          <a:xfrm>
+            <a:off x="3884613" y="0"/>
+            <a:ext cx="2971800" cy="457200"/>
+          </a:xfrm>
+          <a:prstGeom prst="rect">
+            <a:avLst/>
+          </a:prstGeom>
+        </p:spPr>
+        <p:txBody>
+          <a:bodyPr vert="horz" lIns="91440" tIns="45720" rIns="91440" bIns="45720" rtlCol="0"/>
+          <a:lstStyle>
+            <a:lvl1pPr algn="r">
+              <a:defRPr sz="1200"/>
+            </a:lvl1pPr>
+          </a:lstStyle>
+          <a:p>
+            <a:fld id="{1F610506-66FC-CF4B-A9AD-E95B9DFBCF86}" type="datetimeFigureOut">
+              <a:rPr lang="en-US" smtClean="0"/>
+              <a:t>12/2/16</a:t>
+            </a:fld>
+            <a:endParaRPr lang="en-US"/>
+          </a:p>
+        </p:txBody>
+      </p:sp>
+      <p:sp>
+        <p:nvSpPr>
+          <p:cNvPr id="4" name="Slide Image Placeholder 3"/>
+          <p:cNvSpPr>
+            <a:spLocks noGrp="1" noRot="1" noChangeAspect="1"/>
+          </p:cNvSpPr>
+          <p:nvPr>
+            <p:ph type="sldImg" idx="2"/>
+          </p:nvPr>
+        </p:nvSpPr>
+        <p:spPr>
+          <a:xfrm>
+            <a:off x="381000" y="685800"/>
+            <a:ext cx="6096000" cy="3429000"/>
+          </a:xfrm>
+          <a:prstGeom prst="rect">
+            <a:avLst/>
+          </a:prstGeom>
+          <a:noFill/>
+          <a:ln w="12700">
+            <a:solidFill>
+              <a:prstClr val="black"/>
+            </a:solidFill>
+          </a:ln>
+        </p:spPr>
+        <p:txBody>
+          <a:bodyPr vert="horz" lIns="91440" tIns="45720" rIns="91440" bIns="45720" rtlCol="0" anchor="ctr"/>
+          <a:lstStyle/>
+          <a:p>
+            <a:endParaRPr lang="en-US"/>
+          </a:p>
+        </p:txBody>
+      </p:sp>
+      <p:sp>
+        <p:nvSpPr>
+          <p:cNvPr id="5" name="Notes Placeholder 4"/>
+          <p:cNvSpPr>
+            <a:spLocks noGrp="1"/>
+          </p:cNvSpPr>
+          <p:nvPr>
+            <p:ph type="body" sz="quarter" idx="3"/>
+          </p:nvPr>
+        </p:nvSpPr>
+        <p:spPr>
+          <a:xfrm>
+            <a:off x="685800" y="4343400"/>
+            <a:ext cx="5486400" cy="4114800"/>
+          </a:xfrm>
+          <a:prstGeom prst="rect">
+            <a:avLst/>
+          </a:prstGeom>
+        </p:spPr>
+        <p:txBody>
+          <a:bodyPr vert="horz" lIns="91440" tIns="45720" rIns="91440" bIns="45720" rtlCol="0"/>
+          <a:lstStyle/>
+          <a:p>
+            <a:pPr lvl="0"/>
+            <a:r>
+              <a:rPr lang="en-US" smtClean="0"/>
+              <a:t>Click to edit Master text styles</a:t>
+            </a:r>
+          </a:p>
+          <a:p>
+            <a:pPr lvl="1"/>
+            <a:r>
+              <a:rPr lang="en-US" smtClean="0"/>
+              <a:t>Second level</a:t>
+            </a:r>
+          </a:p>
+          <a:p>
+            <a:pPr lvl="2"/>
+            <a:r>
+              <a:rPr lang="en-US" smtClean="0"/>
+              <a:t>Third level</a:t>
+            </a:r>
+          </a:p>
+          <a:p>
+            <a:pPr lvl="3"/>
+            <a:r>
+              <a:rPr lang="en-US" smtClean="0"/>
+              <a:t>Fourth level</a:t>
+            </a:r>
+          </a:p>
+          <a:p>
+            <a:pPr lvl="4"/>
+            <a:r>
+              <a:rPr lang="en-US" smtClean="0"/>
+              <a:t>Fifth level</a:t>
+            </a:r>
+            <a:endParaRPr lang="en-US"/>
+          </a:p>
+        </p:txBody>
+      </p:sp>
+      <p:sp>
+        <p:nvSpPr>
+          <p:cNvPr id="6" name="Footer Placeholder 5"/>
+          <p:cNvSpPr>
+            <a:spLocks noGrp="1"/>
+          </p:cNvSpPr>
+          <p:nvPr>
+            <p:ph type="ftr" sz="quarter" idx="4"/>
+          </p:nvPr>
+        </p:nvSpPr>
+        <p:spPr>
+          <a:xfrm>
+            <a:off x="0" y="8685213"/>
+            <a:ext cx="2971800" cy="457200"/>
+          </a:xfrm>
+          <a:prstGeom prst="rect">
+            <a:avLst/>
+          </a:prstGeom>
+        </p:spPr>
+        <p:txBody>
+          <a:bodyPr vert="horz" lIns="91440" tIns="45720" rIns="91440" bIns="45720" rtlCol="0" anchor="b"/>
+          <a:lstStyle>
+            <a:lvl1pPr algn="l">
+              <a:defRPr sz="1200"/>
+            </a:lvl1pPr>
+          </a:lstStyle>
+          <a:p>
+            <a:endParaRPr lang="en-US"/>
+          </a:p>
+        </p:txBody>
+      </p:sp>
+      <p:sp>
+        <p:nvSpPr>
+          <p:cNvPr id="7" name="Slide Number Placeholder 6"/>
+          <p:cNvSpPr>
+            <a:spLocks noGrp="1"/>
+          </p:cNvSpPr>
+          <p:nvPr>
+            <p:ph type="sldNum" sz="quarter" idx="5"/>
+          </p:nvPr>
+        </p:nvSpPr>
+        <p:spPr>
+          <a:xfrm>
+            <a:off x="3884613" y="8685213"/>
+            <a:ext cx="2971800" cy="457200"/>
+          </a:xfrm>
+          <a:prstGeom prst="rect">
+            <a:avLst/>
+          </a:prstGeom>
+        </p:spPr>
+        <p:txBody>
+          <a:bodyPr vert="horz" lIns="91440" tIns="45720" rIns="91440" bIns="45720" rtlCol="0" anchor="b"/>
+          <a:lstStyle>
+            <a:lvl1pPr algn="r">
+              <a:defRPr sz="1200"/>
+            </a:lvl1pPr>
+          </a:lstStyle>
+          <a:p>
+            <a:fld id="{F45F298B-74C0-B045-BDBE-1A2F42CC094F}" type="slidenum">
+              <a:rPr lang="en-US" smtClean="0"/>
+              <a:t>‹#›</a:t>
+            </a:fld>
+            <a:endParaRPr lang="en-US"/>
+          </a:p>
+        </p:txBody>
+      </p:sp>
+    </p:spTree>
+    <p:extLst>
+      <p:ext uri="{BB962C8B-B14F-4D97-AF65-F5344CB8AC3E}">
+        <p14:creationId xmlns:p14="http://schemas.microsoft.com/office/powerpoint/2010/main" val="628000349"/>
+      </p:ext>
+    </p:extLst>
+  </p:cSld>
+  <p:clrMap bg1="lt1" tx1="dk1" bg2="lt2" tx2="dk2" accent1="accent1" accent2="accent2" accent3="accent3" accent4="accent4" accent5="accent5" accent6="accent6" hlink="hlink" folHlink="folHlink"/>
+  <p:notesStyle>
+    <a:lvl1pPr marL="0" algn="l" defTabSz="457200" rtl="0" eaLnBrk="1" latinLnBrk="0" hangingPunct="1">
+      <a:defRPr sz="1200" kern="1200">
+        <a:solidFill>
+          <a:schemeClr val="tx1"/>
+        </a:solidFill>
+        <a:latin typeface="+mn-lt"/>
+        <a:ea typeface="+mn-ea"/>
+        <a:cs typeface="+mn-cs"/>
+      </a:defRPr>
+    </a:lvl1pPr>
+    <a:lvl2pPr marL="457200" algn="l" defTabSz="457200" rtl="0" eaLnBrk="1" latinLnBrk="0" hangingPunct="1">
+      <a:defRPr sz="1200" kern="1200">
+        <a:solidFill>
+          <a:schemeClr val="tx1"/>
+        </a:solidFill>
+        <a:latin typeface="+mn-lt"/>
+        <a:ea typeface="+mn-ea"/>
+        <a:cs typeface="+mn-cs"/>
+      </a:defRPr>
+    </a:lvl2pPr>
+    <a:lvl3pPr marL="914400" algn="l" defTabSz="457200" rtl="0" eaLnBrk="1" latinLnBrk="0" hangingPunct="1">
+      <a:defRPr sz="1200" kern="1200">
+        <a:solidFill>
+          <a:schemeClr val="tx1"/>
+        </a:solidFill>
+        <a:latin typeface="+mn-lt"/>
+        <a:ea typeface="+mn-ea"/>
+        <a:cs typeface="+mn-cs"/>
+      </a:defRPr>
+    </a:lvl3pPr>
+    <a:lvl4pPr marL="1371600" algn="l" defTabSz="457200" rtl="0" eaLnBrk="1" latinLnBrk="0" hangingPunct="1">
+      <a:defRPr sz="1200" kern="1200">
+        <a:solidFill>
+          <a:schemeClr val="tx1"/>
+        </a:solidFill>
+        <a:latin typeface="+mn-lt"/>
+        <a:ea typeface="+mn-ea"/>
+        <a:cs typeface="+mn-cs"/>
+      </a:defRPr>
+    </a:lvl4pPr>
+    <a:lvl5pPr marL="1828800" algn="l" defTabSz="457200" rtl="0" eaLnBrk="1" latinLnBrk="0" hangingPunct="1">
+      <a:defRPr sz="1200" kern="1200">
+        <a:solidFill>
+          <a:schemeClr val="tx1"/>
+        </a:solidFill>
+        <a:latin typeface="+mn-lt"/>
+        <a:ea typeface="+mn-ea"/>
+        <a:cs typeface="+mn-cs"/>
+      </a:defRPr>
+    </a:lvl5pPr>
+    <a:lvl6pPr marL="2286000" algn="l" defTabSz="457200" rtl="0" eaLnBrk="1" latinLnBrk="0" hangingPunct="1">
+      <a:defRPr sz="1200" kern="1200">
+        <a:solidFill>
+          <a:schemeClr val="tx1"/>
+        </a:solidFill>
+        <a:latin typeface="+mn-lt"/>
+        <a:ea typeface="+mn-ea"/>
+        <a:cs typeface="+mn-cs"/>
+      </a:defRPr>
+    </a:lvl6pPr>
+    <a:lvl7pPr marL="2743200" algn="l" defTabSz="457200" rtl="0" eaLnBrk="1" latinLnBrk="0" hangingPunct="1">
+      <a:defRPr sz="1200" kern="1200">
+        <a:solidFill>
+          <a:schemeClr val="tx1"/>
+        </a:solidFill>
+        <a:latin typeface="+mn-lt"/>
+        <a:ea typeface="+mn-ea"/>
+        <a:cs typeface="+mn-cs"/>
+      </a:defRPr>
+    </a:lvl7pPr>
+    <a:lvl8pPr marL="3200400" algn="l" defTabSz="457200" rtl="0" eaLnBrk="1" latinLnBrk="0" hangingPunct="1">
+      <a:defRPr sz="1200" kern="1200">
+        <a:solidFill>
+          <a:schemeClr val="tx1"/>
+        </a:solidFill>
+        <a:latin typeface="+mn-lt"/>
+        <a:ea typeface="+mn-ea"/>
+        <a:cs typeface="+mn-cs"/>
+      </a:defRPr>
+    </a:lvl8pPr>
+    <a:lvl9pPr marL="3657600" algn="l" defTabSz="457200" rtl="0" eaLnBrk="1" latinLnBrk="0" hangingPunct="1">
+      <a:defRPr sz="1200" kern="1200">
+        <a:solidFill>
+          <a:schemeClr val="tx1"/>
+        </a:solidFill>
+        <a:latin typeface="+mn-lt"/>
+        <a:ea typeface="+mn-ea"/>
+        <a:cs typeface="+mn-cs"/>
+      </a:defRPr>
+    </a:lvl9pPr>
+  </p:notesStyle>
+</p:notesMaster>
+</file>
+
+<file path=ppt/notesSlides/notesSlide1.xml><?xml version="1.0" encoding="utf-8"?>
+<p:notes xmlns:a="http://schemas.openxmlformats.org/drawingml/2006/main" xmlns:r="http://schemas.openxmlformats.org/officeDocument/2006/relationships" xmlns:p="http://schemas.openxmlformats.org/presentationml/2006/main">
+  <p:cSld>
+    <p:spTree>
+      <p:nvGrpSpPr>
+        <p:cNvPr id="1" name=""/>
+        <p:cNvGrpSpPr/>
+        <p:nvPr/>
+      </p:nvGrpSpPr>
+      <p:grpSpPr>
+        <a:xfrm>
+          <a:off x="0" y="0"/>
+          <a:ext cx="0" cy="0"/>
+          <a:chOff x="0" y="0"/>
+          <a:chExt cx="0" cy="0"/>
+        </a:xfrm>
+      </p:grpSpPr>
+      <p:sp>
+        <p:nvSpPr>
+          <p:cNvPr id="2" name="Slide Image Placeholder 1"/>
+          <p:cNvSpPr>
+            <a:spLocks noGrp="1" noRot="1" noChangeAspect="1"/>
+          </p:cNvSpPr>
+          <p:nvPr>
+            <p:ph type="sldImg"/>
+          </p:nvPr>
+        </p:nvSpPr>
+        <p:spPr/>
+      </p:sp>
+      <p:sp>
+        <p:nvSpPr>
+          <p:cNvPr id="3" name="Notes Placeholder 2"/>
+          <p:cNvSpPr>
+            <a:spLocks noGrp="1"/>
+          </p:cNvSpPr>
+          <p:nvPr>
+            <p:ph type="body" idx="1"/>
+          </p:nvPr>
+        </p:nvSpPr>
+        <p:spPr/>
+        <p:txBody>
+          <a:bodyPr/>
+          <a:lstStyle/>
+          <a:p>
+            <a:r>
+              <a:rPr lang="en-US" dirty="0" smtClean="0"/>
+              <a:t>In order to classify this data, we grouped the alcohol consumption ratings</a:t>
+            </a:r>
+            <a:r>
+              <a:rPr lang="en-US" baseline="0" dirty="0" smtClean="0"/>
+              <a:t> into a “low” group with ratings 1-3 and a “high” group with ratings 4-5.</a:t>
+            </a:r>
+            <a:endParaRPr lang="en-US" dirty="0" smtClean="0"/>
+          </a:p>
+          <a:p>
+            <a:endParaRPr lang="en-US" dirty="0" smtClean="0"/>
+          </a:p>
+          <a:p>
+            <a:r>
+              <a:rPr lang="en-US" dirty="0" smtClean="0"/>
+              <a:t>To test accuracy of models, the </a:t>
+            </a:r>
+            <a:r>
+              <a:rPr lang="en-US" dirty="0" err="1" smtClean="0"/>
+              <a:t>cross_val_predict</a:t>
+            </a:r>
+            <a:r>
+              <a:rPr lang="en-US" dirty="0" smtClean="0"/>
+              <a:t> function was used, splitting the dataset into 2 for training and testing.</a:t>
+            </a:r>
+          </a:p>
+          <a:p>
+            <a:endParaRPr lang="en-US" dirty="0" smtClean="0"/>
+          </a:p>
+          <a:p>
+            <a:r>
+              <a:rPr lang="en-US" dirty="0" smtClean="0"/>
+              <a:t>Tried</a:t>
+            </a:r>
+            <a:r>
+              <a:rPr lang="en-US" baseline="0" dirty="0" smtClean="0"/>
+              <a:t> to classify weekday and weekend alcohol consumption separately using all the variables in the dataset</a:t>
+            </a:r>
+            <a:endParaRPr lang="en-US" dirty="0" smtClean="0"/>
+          </a:p>
+          <a:p>
+            <a:endParaRPr lang="en-US" dirty="0" smtClean="0"/>
+          </a:p>
+          <a:p>
+            <a:r>
+              <a:rPr lang="en-US" dirty="0" smtClean="0"/>
+              <a:t>Considered SVM, Decision Trees, and k-Nearest</a:t>
+            </a:r>
+            <a:r>
+              <a:rPr lang="en-US" baseline="0" dirty="0" smtClean="0"/>
+              <a:t> Neighbors</a:t>
+            </a:r>
+            <a:endParaRPr lang="en-US" dirty="0" smtClean="0"/>
+          </a:p>
+          <a:p>
+            <a:endParaRPr lang="en-US" dirty="0" smtClean="0"/>
+          </a:p>
+          <a:p>
+            <a:r>
+              <a:rPr lang="en-US" dirty="0" smtClean="0"/>
+              <a:t>These are the parameters that resulted in the highest accuracies</a:t>
+            </a:r>
+          </a:p>
+          <a:p>
+            <a:endParaRPr lang="en-US" dirty="0" smtClean="0"/>
+          </a:p>
+          <a:p>
+            <a:r>
+              <a:rPr lang="en-US" dirty="0" smtClean="0"/>
+              <a:t>If the independent</a:t>
+            </a:r>
+            <a:r>
+              <a:rPr lang="en-US" baseline="0" dirty="0" smtClean="0"/>
+              <a:t> variables were limited, accuracies went down.</a:t>
+            </a:r>
+          </a:p>
+          <a:p>
+            <a:endParaRPr lang="en-US" baseline="0" dirty="0" smtClean="0"/>
+          </a:p>
+          <a:p>
+            <a:pPr marL="0" marR="0" indent="0" algn="l" defTabSz="457200" rtl="0" eaLnBrk="1" fontAlgn="auto" latinLnBrk="0" hangingPunct="1">
+              <a:lnSpc>
+                <a:spcPct val="100000"/>
+              </a:lnSpc>
+              <a:spcBef>
+                <a:spcPts val="0"/>
+              </a:spcBef>
+              <a:spcAft>
+                <a:spcPts val="0"/>
+              </a:spcAft>
+              <a:buClrTx/>
+              <a:buSzTx/>
+              <a:buFontTx/>
+              <a:buNone/>
+              <a:tabLst/>
+              <a:defRPr/>
+            </a:pPr>
+            <a:r>
+              <a:rPr lang="en-US" baseline="0" dirty="0" smtClean="0"/>
+              <a:t>We also tried using neural networks</a:t>
+            </a:r>
+          </a:p>
+          <a:p>
+            <a:pPr marL="0" marR="0" indent="0" algn="l" defTabSz="457200" rtl="0" eaLnBrk="1" fontAlgn="auto" latinLnBrk="0" hangingPunct="1">
+              <a:lnSpc>
+                <a:spcPct val="100000"/>
+              </a:lnSpc>
+              <a:spcBef>
+                <a:spcPts val="0"/>
+              </a:spcBef>
+              <a:spcAft>
+                <a:spcPts val="0"/>
+              </a:spcAft>
+              <a:buClrTx/>
+              <a:buSzTx/>
+              <a:buFontTx/>
+              <a:buNone/>
+              <a:tabLst/>
+              <a:defRPr/>
+            </a:pPr>
+            <a:r>
+              <a:rPr lang="en-US" baseline="0" dirty="0" smtClean="0"/>
+              <a:t>	[and found 125 nodes consistently produced the best results, despite random initialization]</a:t>
+            </a:r>
+          </a:p>
+          <a:p>
+            <a:pPr marL="0" marR="0" indent="0" algn="l" defTabSz="457200" rtl="0" eaLnBrk="1" fontAlgn="auto" latinLnBrk="0" hangingPunct="1">
+              <a:lnSpc>
+                <a:spcPct val="100000"/>
+              </a:lnSpc>
+              <a:spcBef>
+                <a:spcPts val="0"/>
+              </a:spcBef>
+              <a:spcAft>
+                <a:spcPts val="0"/>
+              </a:spcAft>
+              <a:buClrTx/>
+              <a:buSzTx/>
+              <a:buFontTx/>
+              <a:buNone/>
+              <a:tabLst/>
+              <a:defRPr/>
+            </a:pPr>
+            <a:r>
+              <a:rPr lang="en-US" baseline="0" dirty="0" smtClean="0"/>
+              <a:t>	[However, behavior was similar to SVM, and even did a little worse on weekend alcohol consumption]</a:t>
+            </a:r>
+            <a:endParaRPr lang="en-US" baseline="0" dirty="0" smtClean="0"/>
+          </a:p>
+          <a:p>
+            <a:endParaRPr lang="en-US" baseline="0" dirty="0" smtClean="0"/>
+          </a:p>
+          <a:p>
+            <a:pPr marL="0" marR="0" indent="0" algn="l" defTabSz="457200" rtl="0" eaLnBrk="1" fontAlgn="auto" latinLnBrk="0" hangingPunct="1">
+              <a:lnSpc>
+                <a:spcPct val="100000"/>
+              </a:lnSpc>
+              <a:spcBef>
+                <a:spcPts val="0"/>
+              </a:spcBef>
+              <a:spcAft>
+                <a:spcPts val="0"/>
+              </a:spcAft>
+              <a:buClrTx/>
+              <a:buSzTx/>
+              <a:buFontTx/>
+              <a:buNone/>
+              <a:tabLst/>
+              <a:defRPr/>
+            </a:pPr>
+            <a:r>
+              <a:rPr lang="en-US" dirty="0" smtClean="0"/>
+              <a:t>Had</a:t>
+            </a:r>
+            <a:r>
+              <a:rPr lang="en-US" baseline="0" dirty="0" smtClean="0"/>
+              <a:t> h</a:t>
+            </a:r>
+            <a:r>
+              <a:rPr lang="en-US" dirty="0" smtClean="0"/>
+              <a:t>igher accuracies for weekday models – however highest accuracies for those models arise from assuming low alcohol consumption regardless of input</a:t>
+            </a:r>
+            <a:r>
+              <a:rPr lang="en-US" baseline="0" dirty="0" smtClean="0"/>
+              <a:t> variables since the majority of the training data had low ratings (94.9%), seen in the confusion matrix here</a:t>
+            </a:r>
+          </a:p>
+          <a:p>
+            <a:pPr marL="0" marR="0" indent="0" algn="l" defTabSz="457200" rtl="0" eaLnBrk="1" fontAlgn="auto" latinLnBrk="0" hangingPunct="1">
+              <a:lnSpc>
+                <a:spcPct val="100000"/>
+              </a:lnSpc>
+              <a:spcBef>
+                <a:spcPts val="0"/>
+              </a:spcBef>
+              <a:spcAft>
+                <a:spcPts val="0"/>
+              </a:spcAft>
+              <a:buClrTx/>
+              <a:buSzTx/>
+              <a:buFontTx/>
+              <a:buNone/>
+              <a:tabLst/>
+              <a:defRPr/>
+            </a:pPr>
+            <a:endParaRPr lang="en-US" baseline="0" dirty="0" smtClean="0"/>
+          </a:p>
+          <a:p>
+            <a:pPr marL="0" marR="0" indent="0" algn="l" defTabSz="457200" rtl="0" eaLnBrk="1" fontAlgn="auto" latinLnBrk="0" hangingPunct="1">
+              <a:lnSpc>
+                <a:spcPct val="100000"/>
+              </a:lnSpc>
+              <a:spcBef>
+                <a:spcPts val="0"/>
+              </a:spcBef>
+              <a:spcAft>
+                <a:spcPts val="0"/>
+              </a:spcAft>
+              <a:buClrTx/>
+              <a:buSzTx/>
+              <a:buFontTx/>
+              <a:buNone/>
+              <a:tabLst/>
+              <a:defRPr/>
+            </a:pPr>
+            <a:r>
+              <a:rPr lang="en-US" baseline="0" dirty="0" smtClean="0"/>
+              <a:t>Weekend models did a better job at trying to predict high alcohol consumption, even though they had lower accuracies : Decision Trees ended up with the highest accuracy of 84.2%</a:t>
+            </a:r>
+          </a:p>
+          <a:p>
+            <a:pPr marL="0" marR="0" indent="0" algn="l" defTabSz="457200" rtl="0" eaLnBrk="1" fontAlgn="auto" latinLnBrk="0" hangingPunct="1">
+              <a:lnSpc>
+                <a:spcPct val="100000"/>
+              </a:lnSpc>
+              <a:spcBef>
+                <a:spcPts val="0"/>
+              </a:spcBef>
+              <a:spcAft>
+                <a:spcPts val="0"/>
+              </a:spcAft>
+              <a:buClrTx/>
+              <a:buSzTx/>
+              <a:buFontTx/>
+              <a:buNone/>
+              <a:tabLst/>
+              <a:defRPr/>
+            </a:pPr>
+            <a:endParaRPr lang="en-US" baseline="0" dirty="0" smtClean="0"/>
+          </a:p>
+          <a:p>
+            <a:pPr marL="0" marR="0" indent="0" algn="l" defTabSz="457200" rtl="0" eaLnBrk="1" fontAlgn="auto" latinLnBrk="0" hangingPunct="1">
+              <a:lnSpc>
+                <a:spcPct val="100000"/>
+              </a:lnSpc>
+              <a:spcBef>
+                <a:spcPts val="0"/>
+              </a:spcBef>
+              <a:spcAft>
+                <a:spcPts val="0"/>
+              </a:spcAft>
+              <a:buClrTx/>
+              <a:buSzTx/>
+              <a:buFontTx/>
+              <a:buNone/>
+              <a:tabLst/>
+              <a:defRPr/>
+            </a:pPr>
+            <a:r>
+              <a:rPr lang="en-US" baseline="0" dirty="0" smtClean="0"/>
+              <a:t>	[Decision Tree Primary splits: Father’s job]</a:t>
+            </a:r>
+          </a:p>
+          <a:p>
+            <a:pPr marL="0" marR="0" indent="0" algn="l" defTabSz="457200" rtl="0" eaLnBrk="1" fontAlgn="auto" latinLnBrk="0" hangingPunct="1">
+              <a:lnSpc>
+                <a:spcPct val="100000"/>
+              </a:lnSpc>
+              <a:spcBef>
+                <a:spcPts val="0"/>
+              </a:spcBef>
+              <a:spcAft>
+                <a:spcPts val="0"/>
+              </a:spcAft>
+              <a:buClrTx/>
+              <a:buSzTx/>
+              <a:buFontTx/>
+              <a:buNone/>
+              <a:tabLst/>
+              <a:defRPr/>
+            </a:pPr>
+            <a:endParaRPr lang="en-US" baseline="0" dirty="0" smtClean="0"/>
+          </a:p>
+          <a:p>
+            <a:pPr marL="0" marR="0" indent="0" algn="l" defTabSz="457200" rtl="0" eaLnBrk="1" fontAlgn="auto" latinLnBrk="0" hangingPunct="1">
+              <a:lnSpc>
+                <a:spcPct val="100000"/>
+              </a:lnSpc>
+              <a:spcBef>
+                <a:spcPts val="0"/>
+              </a:spcBef>
+              <a:spcAft>
+                <a:spcPts val="0"/>
+              </a:spcAft>
+              <a:buClrTx/>
+              <a:buSzTx/>
+              <a:buFontTx/>
+              <a:buNone/>
+              <a:tabLst/>
+              <a:defRPr/>
+            </a:pPr>
+            <a:r>
+              <a:rPr lang="en-US" baseline="0" dirty="0" smtClean="0"/>
+              <a:t>	[If a rating of 3 was considered high instead of low, accuracies also went down, but the models did better at trying to predict high alcohol 	consumption. However, we stuck with keeping 3 in the low category due to wording in the survey.]</a:t>
+            </a:r>
+          </a:p>
+          <a:p>
+            <a:pPr marL="0" marR="0" indent="0" algn="l" defTabSz="457200" rtl="0" eaLnBrk="1" fontAlgn="auto" latinLnBrk="0" hangingPunct="1">
+              <a:lnSpc>
+                <a:spcPct val="100000"/>
+              </a:lnSpc>
+              <a:spcBef>
+                <a:spcPts val="0"/>
+              </a:spcBef>
+              <a:spcAft>
+                <a:spcPts val="0"/>
+              </a:spcAft>
+              <a:buClrTx/>
+              <a:buSzTx/>
+              <a:buFontTx/>
+              <a:buNone/>
+              <a:tabLst/>
+              <a:defRPr/>
+            </a:pPr>
+            <a:endParaRPr lang="en-US" baseline="0" dirty="0" smtClean="0"/>
+          </a:p>
+        </p:txBody>
+      </p:sp>
+      <p:sp>
+        <p:nvSpPr>
+          <p:cNvPr id="4" name="Slide Number Placeholder 3"/>
+          <p:cNvSpPr>
+            <a:spLocks noGrp="1"/>
+          </p:cNvSpPr>
+          <p:nvPr>
+            <p:ph type="sldNum" sz="quarter" idx="10"/>
+          </p:nvPr>
+        </p:nvSpPr>
+        <p:spPr/>
+        <p:txBody>
+          <a:bodyPr/>
+          <a:lstStyle/>
+          <a:p>
+            <a:fld id="{74676316-F0E1-404C-9137-82F8B80F0ABA}" type="slidenum">
+              <a:rPr lang="en-US" smtClean="0"/>
+              <a:t>3</a:t>
+            </a:fld>
+            <a:endParaRPr lang="en-US"/>
+          </a:p>
+        </p:txBody>
+      </p:sp>
+    </p:spTree>
+    <p:extLst>
+      <p:ext uri="{BB962C8B-B14F-4D97-AF65-F5344CB8AC3E}">
+        <p14:creationId xmlns:p14="http://schemas.microsoft.com/office/powerpoint/2010/main" val="1352575294"/>
+      </p:ext>
+    </p:extLst>
+  </p:cSld>
+  <p:clrMapOvr>
+    <a:masterClrMapping/>
+  </p:clrMapOvr>
+</p:notes>
+</file>
+
+<file path=ppt/notesSlides/notesSlide2.xml><?xml version="1.0" encoding="utf-8"?>
+<p:notes xmlns:a="http://schemas.openxmlformats.org/drawingml/2006/main" xmlns:r="http://schemas.openxmlformats.org/officeDocument/2006/relationships" xmlns:p="http://schemas.openxmlformats.org/presentationml/2006/main">
+  <p:cSld>
+    <p:spTree>
+      <p:nvGrpSpPr>
+        <p:cNvPr id="1" name=""/>
+        <p:cNvGrpSpPr/>
+        <p:nvPr/>
+      </p:nvGrpSpPr>
+      <p:grpSpPr>
+        <a:xfrm>
+          <a:off x="0" y="0"/>
+          <a:ext cx="0" cy="0"/>
+          <a:chOff x="0" y="0"/>
+          <a:chExt cx="0" cy="0"/>
+        </a:xfrm>
+      </p:grpSpPr>
+      <p:sp>
+        <p:nvSpPr>
+          <p:cNvPr id="2" name="Slide Image Placeholder 1"/>
+          <p:cNvSpPr>
+            <a:spLocks noGrp="1" noRot="1" noChangeAspect="1"/>
+          </p:cNvSpPr>
+          <p:nvPr>
+            <p:ph type="sldImg"/>
+          </p:nvPr>
+        </p:nvSpPr>
+        <p:spPr/>
+      </p:sp>
+      <p:sp>
+        <p:nvSpPr>
+          <p:cNvPr id="3" name="Notes Placeholder 2"/>
+          <p:cNvSpPr>
+            <a:spLocks noGrp="1"/>
+          </p:cNvSpPr>
+          <p:nvPr>
+            <p:ph type="body" idx="1"/>
+          </p:nvPr>
+        </p:nvSpPr>
+        <p:spPr/>
+        <p:txBody>
+          <a:bodyPr/>
+          <a:lstStyle/>
+          <a:p>
+            <a:r>
+              <a:rPr lang="en-US" dirty="0" smtClean="0"/>
+              <a:t>Also tried using regression to potentially be able to predict</a:t>
+            </a:r>
+            <a:r>
+              <a:rPr lang="en-US" baseline="0" dirty="0" smtClean="0"/>
+              <a:t> an alcohol consumption rating 1 – 5 from inputs</a:t>
+            </a:r>
+            <a:endParaRPr lang="en-US" dirty="0" smtClean="0"/>
+          </a:p>
+          <a:p>
+            <a:endParaRPr lang="en-US" dirty="0" smtClean="0"/>
+          </a:p>
+          <a:p>
+            <a:r>
+              <a:rPr lang="en-US" dirty="0" smtClean="0"/>
+              <a:t>Best results came from</a:t>
+            </a:r>
+            <a:r>
+              <a:rPr lang="en-US" baseline="0" dirty="0" smtClean="0"/>
+              <a:t> using these variables</a:t>
+            </a:r>
+          </a:p>
+          <a:p>
+            <a:r>
+              <a:rPr lang="en-US" baseline="0" dirty="0" smtClean="0"/>
+              <a:t>	[, which had the highest correlation with weekday and weekend alcohol consumption ratings</a:t>
+            </a:r>
+          </a:p>
+          <a:p>
+            <a:r>
+              <a:rPr lang="en-US" baseline="0" dirty="0" smtClean="0"/>
+              <a:t>	though the highest was between the weekday and weekend ratings themselves with only 62%]</a:t>
+            </a:r>
+            <a:endParaRPr lang="en-US" dirty="0" smtClean="0"/>
+          </a:p>
+          <a:p>
+            <a:endParaRPr lang="en-US" dirty="0" smtClean="0"/>
+          </a:p>
+          <a:p>
+            <a:r>
+              <a:rPr lang="en-US" dirty="0" smtClean="0"/>
+              <a:t>This model only explains 48% of the variance in weekend</a:t>
+            </a:r>
+            <a:r>
+              <a:rPr lang="en-US" baseline="0" dirty="0" smtClean="0"/>
+              <a:t> alcohol consumption rating with the independent variables considered</a:t>
+            </a:r>
+          </a:p>
+          <a:p>
+            <a:endParaRPr lang="en-US" baseline="0" dirty="0" smtClean="0"/>
+          </a:p>
+          <a:p>
+            <a:r>
+              <a:rPr lang="en-US" dirty="0" smtClean="0"/>
+              <a:t>And it’s</a:t>
+            </a:r>
+            <a:r>
+              <a:rPr lang="en-US" baseline="0" dirty="0" smtClean="0"/>
+              <a:t> not necessarily a useful model as it requires knowing the weekday rating to guess the weekend rating</a:t>
+            </a:r>
+          </a:p>
+          <a:p>
+            <a:endParaRPr lang="en-US" baseline="0" dirty="0" smtClean="0"/>
+          </a:p>
+          <a:p>
+            <a:r>
+              <a:rPr lang="en-US" baseline="0" dirty="0" smtClean="0"/>
+              <a:t>	[However, if we remove the weekday rating from the independent variables, the R-squared goes down to 27%]</a:t>
+            </a:r>
+            <a:endParaRPr lang="en-US" dirty="0"/>
+          </a:p>
+        </p:txBody>
+      </p:sp>
+      <p:sp>
+        <p:nvSpPr>
+          <p:cNvPr id="4" name="Slide Number Placeholder 3"/>
+          <p:cNvSpPr>
+            <a:spLocks noGrp="1"/>
+          </p:cNvSpPr>
+          <p:nvPr>
+            <p:ph type="sldNum" sz="quarter" idx="10"/>
+          </p:nvPr>
+        </p:nvSpPr>
+        <p:spPr/>
+        <p:txBody>
+          <a:bodyPr/>
+          <a:lstStyle/>
+          <a:p>
+            <a:fld id="{74676316-F0E1-404C-9137-82F8B80F0ABA}" type="slidenum">
+              <a:rPr lang="en-US" smtClean="0"/>
+              <a:t>4</a:t>
+            </a:fld>
+            <a:endParaRPr lang="en-US"/>
+          </a:p>
+        </p:txBody>
+      </p:sp>
+    </p:spTree>
+    <p:extLst>
+      <p:ext uri="{BB962C8B-B14F-4D97-AF65-F5344CB8AC3E}">
+        <p14:creationId xmlns:p14="http://schemas.microsoft.com/office/powerpoint/2010/main" val="4101528978"/>
+      </p:ext>
+    </p:extLst>
+  </p:cSld>
+  <p:clrMapOvr>
+    <a:masterClrMapping/>
+  </p:clrMapOvr>
+</p:notes>
 </file>
 
 <file path=ppt/slideLayouts/slideLayout1.xml><?xml version="1.0" encoding="utf-8"?>
@@ -251,7 +1180,7 @@
           <a:p>
             <a:fld id="{C6726D26-662B-144D-9DCE-CC9459C07D55}" type="datetimeFigureOut">
               <a:rPr lang="en-US" smtClean="0"/>
-              <a:t>12/2/2016</a:t>
+              <a:t>12/2/16</a:t>
             </a:fld>
             <a:endParaRPr lang="en-US"/>
           </a:p>
@@ -419,7 +1348,7 @@
           <a:p>
             <a:fld id="{C6726D26-662B-144D-9DCE-CC9459C07D55}" type="datetimeFigureOut">
               <a:rPr lang="en-US" smtClean="0"/>
-              <a:t>12/2/2016</a:t>
+              <a:t>12/2/16</a:t>
             </a:fld>
             <a:endParaRPr lang="en-US"/>
           </a:p>
@@ -597,7 +1526,7 @@
           <a:p>
             <a:fld id="{C6726D26-662B-144D-9DCE-CC9459C07D55}" type="datetimeFigureOut">
               <a:rPr lang="en-US" smtClean="0"/>
-              <a:t>12/2/2016</a:t>
+              <a:t>12/2/16</a:t>
             </a:fld>
             <a:endParaRPr lang="en-US"/>
           </a:p>
@@ -765,7 +1694,7 @@
           <a:p>
             <a:fld id="{C6726D26-662B-144D-9DCE-CC9459C07D55}" type="datetimeFigureOut">
               <a:rPr lang="en-US" smtClean="0"/>
-              <a:t>12/2/2016</a:t>
+              <a:t>12/2/16</a:t>
             </a:fld>
             <a:endParaRPr lang="en-US"/>
           </a:p>
@@ -1010,7 +1939,7 @@
           <a:p>
             <a:fld id="{C6726D26-662B-144D-9DCE-CC9459C07D55}" type="datetimeFigureOut">
               <a:rPr lang="en-US" smtClean="0"/>
-              <a:t>12/2/2016</a:t>
+              <a:t>12/2/16</a:t>
             </a:fld>
             <a:endParaRPr lang="en-US"/>
           </a:p>
@@ -1239,7 +2168,7 @@
           <a:p>
             <a:fld id="{C6726D26-662B-144D-9DCE-CC9459C07D55}" type="datetimeFigureOut">
               <a:rPr lang="en-US" smtClean="0"/>
-              <a:t>12/2/2016</a:t>
+              <a:t>12/2/16</a:t>
             </a:fld>
             <a:endParaRPr lang="en-US"/>
           </a:p>
@@ -1603,7 +2532,7 @@
           <a:p>
             <a:fld id="{C6726D26-662B-144D-9DCE-CC9459C07D55}" type="datetimeFigureOut">
               <a:rPr lang="en-US" smtClean="0"/>
-              <a:t>12/2/2016</a:t>
+              <a:t>12/2/16</a:t>
             </a:fld>
             <a:endParaRPr lang="en-US"/>
           </a:p>
@@ -1720,7 +2649,7 @@
           <a:p>
             <a:fld id="{C6726D26-662B-144D-9DCE-CC9459C07D55}" type="datetimeFigureOut">
               <a:rPr lang="en-US" smtClean="0"/>
-              <a:t>12/2/2016</a:t>
+              <a:t>12/2/16</a:t>
             </a:fld>
             <a:endParaRPr lang="en-US"/>
           </a:p>
@@ -1815,7 +2744,7 @@
           <a:p>
             <a:fld id="{C6726D26-662B-144D-9DCE-CC9459C07D55}" type="datetimeFigureOut">
               <a:rPr lang="en-US" smtClean="0"/>
-              <a:t>12/2/2016</a:t>
+              <a:t>12/2/16</a:t>
             </a:fld>
             <a:endParaRPr lang="en-US"/>
           </a:p>
@@ -2090,7 +3019,7 @@
           <a:p>
             <a:fld id="{C6726D26-662B-144D-9DCE-CC9459C07D55}" type="datetimeFigureOut">
               <a:rPr lang="en-US" smtClean="0"/>
-              <a:t>12/2/2016</a:t>
+              <a:t>12/2/16</a:t>
             </a:fld>
             <a:endParaRPr lang="en-US"/>
           </a:p>
@@ -2342,7 +3271,7 @@
           <a:p>
             <a:fld id="{C6726D26-662B-144D-9DCE-CC9459C07D55}" type="datetimeFigureOut">
               <a:rPr lang="en-US" smtClean="0"/>
-              <a:t>12/2/2016</a:t>
+              <a:t>12/2/16</a:t>
             </a:fld>
             <a:endParaRPr lang="en-US"/>
           </a:p>
@@ -2553,7 +3482,7 @@
           <a:p>
             <a:fld id="{C6726D26-662B-144D-9DCE-CC9459C07D55}" type="datetimeFigureOut">
               <a:rPr lang="en-US" smtClean="0"/>
-              <a:t>12/2/2016</a:t>
+              <a:t>12/2/16</a:t>
             </a:fld>
             <a:endParaRPr lang="en-US"/>
           </a:p>
@@ -3124,6 +4053,260 @@
       </p:grpSpPr>
       <p:sp>
         <p:nvSpPr>
+          <p:cNvPr id="2" name="Title 1"/>
+          <p:cNvSpPr>
+            <a:spLocks noGrp="1"/>
+          </p:cNvSpPr>
+          <p:nvPr>
+            <p:ph type="title"/>
+          </p:nvPr>
+        </p:nvSpPr>
+        <p:spPr/>
+        <p:txBody>
+          <a:bodyPr/>
+          <a:lstStyle/>
+          <a:p>
+            <a:r>
+              <a:rPr lang="en-US" dirty="0"/>
+              <a:t>DBSCAN</a:t>
+            </a:r>
+          </a:p>
+        </p:txBody>
+      </p:sp>
+      <p:sp>
+        <p:nvSpPr>
+          <p:cNvPr id="3" name="Content Placeholder 2"/>
+          <p:cNvSpPr>
+            <a:spLocks noGrp="1"/>
+          </p:cNvSpPr>
+          <p:nvPr>
+            <p:ph idx="1"/>
+          </p:nvPr>
+        </p:nvSpPr>
+        <p:spPr/>
+        <p:txBody>
+          <a:bodyPr/>
+          <a:lstStyle/>
+          <a:p>
+            <a:r>
+              <a:rPr lang="en-US" dirty="0"/>
+              <a:t>Tried one last algorithm, DBSCAN</a:t>
+            </a:r>
+          </a:p>
+          <a:p>
+            <a:r>
+              <a:rPr lang="en-US" dirty="0"/>
+              <a:t>DBSCAN determines the number of clusters for you</a:t>
+            </a:r>
+          </a:p>
+          <a:p>
+            <a:r>
+              <a:rPr lang="en-US" dirty="0"/>
+              <a:t>DBSCAN classified all points as noise</a:t>
+            </a:r>
+          </a:p>
+          <a:p>
+            <a:pPr lvl="1"/>
+            <a:r>
+              <a:rPr lang="en-US" dirty="0"/>
+              <a:t>This may imply that there are no real clusters, or one large cluster</a:t>
+            </a:r>
+            <a:br>
+              <a:rPr lang="en-US" dirty="0"/>
+            </a:br>
+            <a:endParaRPr lang="en-US" dirty="0"/>
+          </a:p>
+          <a:p>
+            <a:endParaRPr lang="en-US" dirty="0"/>
+          </a:p>
+        </p:txBody>
+      </p:sp>
+    </p:spTree>
+    <p:extLst>
+      <p:ext uri="{BB962C8B-B14F-4D97-AF65-F5344CB8AC3E}">
+        <p14:creationId xmlns:p14="http://schemas.microsoft.com/office/powerpoint/2010/main" val="2095985933"/>
+      </p:ext>
+    </p:extLst>
+  </p:cSld>
+  <p:clrMapOvr>
+    <a:masterClrMapping/>
+  </p:clrMapOvr>
+</p:sld>
+</file>
+
+<file path=ppt/slides/slide11.xml><?xml version="1.0" encoding="utf-8"?>
+<p:sld xmlns:a="http://schemas.openxmlformats.org/drawingml/2006/main" xmlns:r="http://schemas.openxmlformats.org/officeDocument/2006/relationships" xmlns:p="http://schemas.openxmlformats.org/presentationml/2006/main">
+  <p:cSld>
+    <p:spTree>
+      <p:nvGrpSpPr>
+        <p:cNvPr id="1" name=""/>
+        <p:cNvGrpSpPr/>
+        <p:nvPr/>
+      </p:nvGrpSpPr>
+      <p:grpSpPr>
+        <a:xfrm>
+          <a:off x="0" y="0"/>
+          <a:ext cx="0" cy="0"/>
+          <a:chOff x="0" y="0"/>
+          <a:chExt cx="0" cy="0"/>
+        </a:xfrm>
+      </p:grpSpPr>
+      <p:sp>
+        <p:nvSpPr>
+          <p:cNvPr id="2" name="Title 1"/>
+          <p:cNvSpPr>
+            <a:spLocks noGrp="1"/>
+          </p:cNvSpPr>
+          <p:nvPr>
+            <p:ph type="title"/>
+          </p:nvPr>
+        </p:nvSpPr>
+        <p:spPr/>
+        <p:txBody>
+          <a:bodyPr/>
+          <a:lstStyle/>
+          <a:p>
+            <a:r>
+              <a:rPr lang="en-US" dirty="0"/>
+              <a:t>Dimensionality Reduction - Visualization</a:t>
+            </a:r>
+          </a:p>
+        </p:txBody>
+      </p:sp>
+      <p:sp>
+        <p:nvSpPr>
+          <p:cNvPr id="8" name="Text Placeholder 7"/>
+          <p:cNvSpPr>
+            <a:spLocks noGrp="1"/>
+          </p:cNvSpPr>
+          <p:nvPr>
+            <p:ph type="body" idx="1"/>
+          </p:nvPr>
+        </p:nvSpPr>
+        <p:spPr/>
+        <p:txBody>
+          <a:bodyPr/>
+          <a:lstStyle/>
+          <a:p>
+            <a:r>
+              <a:rPr lang="en-US" dirty="0"/>
+              <a:t>t-SNE</a:t>
+            </a:r>
+          </a:p>
+        </p:txBody>
+      </p:sp>
+      <p:pic>
+        <p:nvPicPr>
+          <p:cNvPr id="6" name="Content Placeholder 5"/>
+          <p:cNvPicPr>
+            <a:picLocks noGrp="1" noChangeAspect="1"/>
+          </p:cNvPicPr>
+          <p:nvPr>
+            <p:ph sz="half" idx="2"/>
+          </p:nvPr>
+        </p:nvPicPr>
+        <p:blipFill>
+          <a:blip r:embed="rId2">
+            <a:extLst>
+              <a:ext uri="{28A0092B-C50C-407E-A947-70E740481C1C}">
+                <a14:useLocalDpi xmlns:a14="http://schemas.microsoft.com/office/drawing/2010/main" val="0"/>
+              </a:ext>
+            </a:extLst>
+          </a:blip>
+          <a:stretch>
+            <a:fillRect/>
+          </a:stretch>
+        </p:blipFill>
+        <p:spPr>
+          <a:xfrm>
+            <a:off x="839788" y="2642107"/>
+            <a:ext cx="5157787" cy="3410523"/>
+          </a:xfrm>
+        </p:spPr>
+      </p:pic>
+      <p:sp>
+        <p:nvSpPr>
+          <p:cNvPr id="9" name="Text Placeholder 8"/>
+          <p:cNvSpPr>
+            <a:spLocks noGrp="1"/>
+          </p:cNvSpPr>
+          <p:nvPr>
+            <p:ph type="body" sz="quarter" idx="3"/>
+          </p:nvPr>
+        </p:nvSpPr>
+        <p:spPr/>
+        <p:txBody>
+          <a:bodyPr/>
+          <a:lstStyle/>
+          <a:p>
+            <a:r>
+              <a:rPr lang="en-US" dirty="0"/>
+              <a:t>PCA</a:t>
+            </a:r>
+          </a:p>
+        </p:txBody>
+      </p:sp>
+      <p:pic>
+        <p:nvPicPr>
+          <p:cNvPr id="7" name="Content Placeholder 6"/>
+          <p:cNvPicPr>
+            <a:picLocks noGrp="1" noChangeAspect="1"/>
+          </p:cNvPicPr>
+          <p:nvPr>
+            <p:ph sz="quarter" idx="4"/>
+          </p:nvPr>
+        </p:nvPicPr>
+        <p:blipFill>
+          <a:blip r:embed="rId3">
+            <a:extLst>
+              <a:ext uri="{28A0092B-C50C-407E-A947-70E740481C1C}">
+                <a14:useLocalDpi xmlns:a14="http://schemas.microsoft.com/office/drawing/2010/main" val="0"/>
+              </a:ext>
+            </a:extLst>
+          </a:blip>
+          <a:stretch>
+            <a:fillRect/>
+          </a:stretch>
+        </p:blipFill>
+        <p:spPr>
+          <a:xfrm>
+            <a:off x="6172200" y="2950142"/>
+            <a:ext cx="5183188" cy="2794454"/>
+          </a:xfrm>
+        </p:spPr>
+      </p:pic>
+    </p:spTree>
+    <p:extLst>
+      <p:ext uri="{BB962C8B-B14F-4D97-AF65-F5344CB8AC3E}">
+        <p14:creationId xmlns:p14="http://schemas.microsoft.com/office/powerpoint/2010/main" val="1492547047"/>
+      </p:ext>
+    </p:extLst>
+  </p:cSld>
+  <p:clrMapOvr>
+    <a:masterClrMapping/>
+  </p:clrMapOvr>
+</p:sld>
+</file>
+
+<file path=ppt/slides/slide12.xml><?xml version="1.0" encoding="utf-8"?>
+<p:sld xmlns:a="http://schemas.openxmlformats.org/drawingml/2006/main" xmlns:r="http://schemas.openxmlformats.org/officeDocument/2006/relationships" xmlns:p="http://schemas.openxmlformats.org/presentationml/2006/main">
+  <p:cSld>
+    <p:spTree>
+      <p:nvGrpSpPr>
+        <p:cNvPr id="1" name=""/>
+        <p:cNvGrpSpPr/>
+        <p:nvPr/>
+      </p:nvGrpSpPr>
+      <p:grpSpPr>
+        <a:xfrm>
+          <a:off x="0" y="0"/>
+          <a:ext cx="0" cy="0"/>
+          <a:chOff x="0" y="0"/>
+          <a:chExt cx="0" cy="0"/>
+        </a:xfrm>
+      </p:grpSpPr>
+      <p:sp>
+        <p:nvSpPr>
           <p:cNvPr id="7" name="Title 6"/>
           <p:cNvSpPr>
             <a:spLocks noGrp="1"/>
@@ -3176,7 +4359,7 @@
 </p:sld>
 </file>
 
-<file path=ppt/slides/slide11.xml><?xml version="1.0" encoding="utf-8"?>
+<file path=ppt/slides/slide13.xml><?xml version="1.0" encoding="utf-8"?>
 <p:sld xmlns:a="http://schemas.openxmlformats.org/drawingml/2006/main" xmlns:r="http://schemas.openxmlformats.org/officeDocument/2006/relationships" xmlns:p="http://schemas.openxmlformats.org/presentationml/2006/main">
   <p:cSld>
     <p:spTree>
@@ -3286,6 +4469,205 @@
 </p:sld>
 </file>
 
+<file path=ppt/slides/slide14.xml><?xml version="1.0" encoding="utf-8"?>
+<p:sld xmlns:a="http://schemas.openxmlformats.org/drawingml/2006/main" xmlns:r="http://schemas.openxmlformats.org/officeDocument/2006/relationships" xmlns:p="http://schemas.openxmlformats.org/presentationml/2006/main">
+  <p:cSld>
+    <p:spTree>
+      <p:nvGrpSpPr>
+        <p:cNvPr id="1" name=""/>
+        <p:cNvGrpSpPr/>
+        <p:nvPr/>
+      </p:nvGrpSpPr>
+      <p:grpSpPr>
+        <a:xfrm>
+          <a:off x="0" y="0"/>
+          <a:ext cx="0" cy="0"/>
+          <a:chOff x="0" y="0"/>
+          <a:chExt cx="0" cy="0"/>
+        </a:xfrm>
+      </p:grpSpPr>
+      <p:sp>
+        <p:nvSpPr>
+          <p:cNvPr id="2" name="TextBox 1"/>
+          <p:cNvSpPr txBox="1"/>
+          <p:nvPr/>
+        </p:nvSpPr>
+        <p:spPr>
+          <a:xfrm>
+            <a:off x="1254311" y="1406197"/>
+            <a:ext cx="10364396" cy="4093428"/>
+          </a:xfrm>
+          <a:prstGeom prst="rect">
+            <a:avLst/>
+          </a:prstGeom>
+          <a:noFill/>
+        </p:spPr>
+        <p:txBody>
+          <a:bodyPr wrap="square" rtlCol="0">
+            <a:spAutoFit/>
+          </a:bodyPr>
+          <a:lstStyle/>
+          <a:p>
+            <a:pPr marL="342900" indent="-342900">
+              <a:buFont typeface="Wingdings" charset="2"/>
+              <a:buChar char="§"/>
+            </a:pPr>
+            <a:r>
+              <a:rPr lang="en-US" sz="2000" dirty="0" smtClean="0"/>
+              <a:t>Clustering and dimensionality reduction visualization showed the dataset is really one big cluster</a:t>
+            </a:r>
+          </a:p>
+          <a:p>
+            <a:pPr lvl="1"/>
+            <a:endParaRPr lang="en-US" sz="2000" dirty="0" smtClean="0"/>
+          </a:p>
+          <a:p>
+            <a:pPr marL="342900" lvl="1" indent="-342900">
+              <a:buFont typeface="Wingdings" charset="2"/>
+              <a:buChar char="§"/>
+            </a:pPr>
+            <a:r>
+              <a:rPr lang="en-US" sz="2000" dirty="0" smtClean="0"/>
+              <a:t>The best model for predicting high vs. low alcohol consumption came from a decision tree</a:t>
+            </a:r>
+            <a:r>
+              <a:rPr lang="en-US" sz="2000" dirty="0"/>
+              <a:t> </a:t>
+            </a:r>
+            <a:r>
+              <a:rPr lang="en-US" sz="2000" dirty="0" smtClean="0"/>
+              <a:t>model on weekends </a:t>
+            </a:r>
+          </a:p>
+          <a:p>
+            <a:pPr marL="800100" lvl="2" indent="-342900">
+              <a:buFont typeface="Wingdings" charset="2"/>
+              <a:buChar char="§"/>
+            </a:pPr>
+            <a:r>
+              <a:rPr lang="en-US" sz="2000" dirty="0" smtClean="0"/>
+              <a:t>max depth 5</a:t>
+            </a:r>
+          </a:p>
+          <a:p>
+            <a:pPr marL="800100" lvl="2" indent="-342900">
+              <a:buFont typeface="Wingdings" charset="2"/>
+              <a:buChar char="§"/>
+            </a:pPr>
+            <a:r>
+              <a:rPr lang="en-US" sz="2000" dirty="0" smtClean="0"/>
+              <a:t>min split 100 </a:t>
+            </a:r>
+          </a:p>
+          <a:p>
+            <a:pPr marL="800100" lvl="2" indent="-342900">
+              <a:buFont typeface="Wingdings" charset="2"/>
+              <a:buChar char="§"/>
+            </a:pPr>
+            <a:r>
+              <a:rPr lang="en-US" sz="2000" dirty="0" smtClean="0"/>
+              <a:t>84.2% accuracy</a:t>
+            </a:r>
+          </a:p>
+          <a:p>
+            <a:pPr marL="342900" indent="-342900">
+              <a:buFont typeface="Wingdings" charset="2"/>
+              <a:buChar char="§"/>
+            </a:pPr>
+            <a:endParaRPr lang="en-US" sz="2000" dirty="0" smtClean="0"/>
+          </a:p>
+          <a:p>
+            <a:pPr marL="342900" indent="-342900">
+              <a:buFont typeface="Wingdings" charset="2"/>
+              <a:buChar char="§"/>
+            </a:pPr>
+            <a:r>
+              <a:rPr lang="en-US" sz="2000" dirty="0" smtClean="0"/>
+              <a:t>This dataset was not good enough for predicting alcohol consumption</a:t>
+            </a:r>
+          </a:p>
+          <a:p>
+            <a:pPr marL="800100" lvl="1" indent="-342900">
+              <a:buFont typeface="Wingdings" charset="2"/>
+              <a:buChar char="§"/>
+            </a:pPr>
+            <a:r>
+              <a:rPr lang="en-US" sz="2000" dirty="0" smtClean="0"/>
+              <a:t>Not large enough</a:t>
+            </a:r>
+          </a:p>
+          <a:p>
+            <a:pPr marL="800100" lvl="1" indent="-342900">
+              <a:buFont typeface="Wingdings" charset="2"/>
+              <a:buChar char="§"/>
+            </a:pPr>
+            <a:r>
+              <a:rPr lang="en-US" sz="2000" dirty="0" smtClean="0"/>
+              <a:t>Doesn’t contain the best features</a:t>
+            </a:r>
+          </a:p>
+          <a:p>
+            <a:pPr marL="800100" lvl="1" indent="-342900">
+              <a:buFont typeface="Wingdings" charset="2"/>
+              <a:buChar char="§"/>
+            </a:pPr>
+            <a:r>
+              <a:rPr lang="en-US" sz="2000" dirty="0" smtClean="0"/>
+              <a:t>Subjective and incomplete data</a:t>
+            </a:r>
+          </a:p>
+        </p:txBody>
+      </p:sp>
+      <p:sp>
+        <p:nvSpPr>
+          <p:cNvPr id="3" name="TextBox 2"/>
+          <p:cNvSpPr txBox="1"/>
+          <p:nvPr/>
+        </p:nvSpPr>
+        <p:spPr>
+          <a:xfrm>
+            <a:off x="989658" y="631011"/>
+            <a:ext cx="7409149" cy="523220"/>
+          </a:xfrm>
+          <a:prstGeom prst="rect">
+            <a:avLst/>
+          </a:prstGeom>
+          <a:noFill/>
+        </p:spPr>
+        <p:txBody>
+          <a:bodyPr wrap="square" rtlCol="0">
+            <a:spAutoFit/>
+          </a:bodyPr>
+          <a:lstStyle/>
+          <a:p>
+            <a:r>
+              <a:rPr lang="en-US" sz="2800" b="1" dirty="0" smtClean="0"/>
+              <a:t>Conclusion</a:t>
+            </a:r>
+            <a:endParaRPr lang="en-US" sz="2800" b="1" dirty="0" smtClean="0"/>
+          </a:p>
+        </p:txBody>
+      </p:sp>
+    </p:spTree>
+    <p:extLst>
+      <p:ext uri="{BB962C8B-B14F-4D97-AF65-F5344CB8AC3E}">
+        <p14:creationId xmlns:p14="http://schemas.microsoft.com/office/powerpoint/2010/main" val="3867365570"/>
+      </p:ext>
+    </p:extLst>
+  </p:cSld>
+  <p:clrMapOvr>
+    <a:masterClrMapping/>
+  </p:clrMapOvr>
+  <p:timing>
+    <p:tnLst>
+      <p:par>
+        <p:cTn xmlns:p14="http://schemas.microsoft.com/office/powerpoint/2010/main" id="1" dur="indefinite" restart="never" nodeType="tmRoot"/>
+      </p:par>
+    </p:tnLst>
+  </p:timing>
+</p:sld>
+</file>
+
 <file path=ppt/slides/slide2.xml><?xml version="1.0" encoding="utf-8"?>
 <p:sld xmlns:a="http://schemas.openxmlformats.org/drawingml/2006/main" xmlns:r="http://schemas.openxmlformats.org/officeDocument/2006/relationships" xmlns:p="http://schemas.openxmlformats.org/presentationml/2006/main">
   <p:cSld>
@@ -3411,6 +4793,855 @@
           <a:chExt cx="0" cy="0"/>
         </a:xfrm>
       </p:grpSpPr>
+      <p:grpSp>
+        <p:nvGrpSpPr>
+          <p:cNvPr id="5" name="Group 4"/>
+          <p:cNvGrpSpPr/>
+          <p:nvPr/>
+        </p:nvGrpSpPr>
+        <p:grpSpPr>
+          <a:xfrm>
+            <a:off x="7003508" y="1273533"/>
+            <a:ext cx="4581961" cy="1035404"/>
+            <a:chOff x="702235" y="3913379"/>
+            <a:chExt cx="3436471" cy="1035404"/>
+          </a:xfrm>
+        </p:grpSpPr>
+        <p:pic>
+          <p:nvPicPr>
+            <p:cNvPr id="3" name="Picture 2"/>
+            <p:cNvPicPr>
+              <a:picLocks noChangeAspect="1"/>
+            </p:cNvPicPr>
+            <p:nvPr/>
+          </p:nvPicPr>
+          <p:blipFill rotWithShape="1">
+            <a:blip r:embed="rId3"/>
+            <a:srcRect t="10836"/>
+            <a:stretch/>
+          </p:blipFill>
+          <p:spPr>
+            <a:xfrm>
+              <a:off x="922617" y="4409362"/>
+              <a:ext cx="2528795" cy="539421"/>
+            </a:xfrm>
+            <a:prstGeom prst="rect">
+              <a:avLst/>
+            </a:prstGeom>
+          </p:spPr>
+        </p:pic>
+        <p:sp>
+          <p:nvSpPr>
+            <p:cNvPr id="4" name="TextBox 3"/>
+            <p:cNvSpPr txBox="1"/>
+            <p:nvPr/>
+          </p:nvSpPr>
+          <p:spPr>
+            <a:xfrm>
+              <a:off x="702235" y="3913379"/>
+              <a:ext cx="3436471" cy="369332"/>
+            </a:xfrm>
+            <a:prstGeom prst="rect">
+              <a:avLst/>
+            </a:prstGeom>
+            <a:noFill/>
+          </p:spPr>
+          <p:txBody>
+            <a:bodyPr wrap="square" rtlCol="0">
+              <a:spAutoFit/>
+            </a:bodyPr>
+            <a:lstStyle/>
+            <a:p>
+              <a:r>
+                <a:rPr lang="en-US" dirty="0" smtClean="0"/>
+                <a:t>Weekday Model </a:t>
+              </a:r>
+              <a:r>
+                <a:rPr lang="en-US" dirty="0" smtClean="0"/>
+                <a:t>Confusion Matrix</a:t>
+              </a:r>
+              <a:endParaRPr lang="en-US" dirty="0"/>
+            </a:p>
+          </p:txBody>
+        </p:sp>
+      </p:grpSp>
+      <p:sp>
+        <p:nvSpPr>
+          <p:cNvPr id="6" name="TextBox 5"/>
+          <p:cNvSpPr txBox="1"/>
+          <p:nvPr/>
+        </p:nvSpPr>
+        <p:spPr>
+          <a:xfrm>
+            <a:off x="577727" y="976110"/>
+            <a:ext cx="7013885" cy="4093428"/>
+          </a:xfrm>
+          <a:prstGeom prst="rect">
+            <a:avLst/>
+          </a:prstGeom>
+          <a:noFill/>
+        </p:spPr>
+        <p:txBody>
+          <a:bodyPr wrap="square" rtlCol="0">
+            <a:spAutoFit/>
+          </a:bodyPr>
+          <a:lstStyle/>
+          <a:p>
+            <a:pPr marL="342900" indent="-342900">
+              <a:buFont typeface="Wingdings" charset="2"/>
+              <a:buChar char="§"/>
+            </a:pPr>
+            <a:r>
+              <a:rPr lang="en-US" sz="2000" b="1" dirty="0" smtClean="0"/>
+              <a:t>SVM </a:t>
+            </a:r>
+          </a:p>
+          <a:p>
+            <a:pPr marL="742950" lvl="1" indent="-285750">
+              <a:buFont typeface="Arial"/>
+              <a:buChar char="•"/>
+            </a:pPr>
+            <a:r>
+              <a:rPr lang="en-US" sz="2000" dirty="0" smtClean="0"/>
+              <a:t>C = 2.2 weekend</a:t>
+            </a:r>
+          </a:p>
+          <a:p>
+            <a:pPr marL="742950" lvl="1" indent="-285750">
+              <a:buFont typeface="Arial"/>
+              <a:buChar char="•"/>
+            </a:pPr>
+            <a:r>
+              <a:rPr lang="en-US" sz="2000" dirty="0" smtClean="0"/>
+              <a:t>C &lt; 3.4 weekday</a:t>
+            </a:r>
+          </a:p>
+          <a:p>
+            <a:pPr marL="742950" lvl="1" indent="-285750">
+              <a:buFont typeface="Arial"/>
+              <a:buChar char="•"/>
+            </a:pPr>
+            <a:r>
+              <a:rPr lang="en-US" sz="2000" dirty="0" err="1" smtClean="0"/>
+              <a:t>Rbf</a:t>
+            </a:r>
+            <a:r>
+              <a:rPr lang="en-US" sz="2000" dirty="0" smtClean="0"/>
+              <a:t> kernel</a:t>
+            </a:r>
+          </a:p>
+          <a:p>
+            <a:pPr marL="742950" lvl="1" indent="-285750">
+              <a:buFont typeface="Arial"/>
+              <a:buChar char="•"/>
+            </a:pPr>
+            <a:endParaRPr lang="en-US" sz="2000" dirty="0" smtClean="0"/>
+          </a:p>
+          <a:p>
+            <a:pPr marL="342900" indent="-342900">
+              <a:buFont typeface="Wingdings" charset="2"/>
+              <a:buChar char="§"/>
+            </a:pPr>
+            <a:r>
+              <a:rPr lang="en-US" sz="2000" b="1" dirty="0" smtClean="0"/>
+              <a:t>Decision Trees</a:t>
+            </a:r>
+          </a:p>
+          <a:p>
+            <a:pPr marL="742950" lvl="1" indent="-285750">
+              <a:buFont typeface="Arial"/>
+              <a:buChar char="•"/>
+            </a:pPr>
+            <a:r>
+              <a:rPr lang="en-US" sz="2000" dirty="0" smtClean="0"/>
+              <a:t>Max depth = 5, min split = 100 weekend</a:t>
+            </a:r>
+            <a:endParaRPr lang="en-US" sz="2000" dirty="0" smtClean="0"/>
+          </a:p>
+          <a:p>
+            <a:pPr marL="742950" lvl="1" indent="-285750">
+              <a:buFont typeface="Arial"/>
+              <a:buChar char="•"/>
+            </a:pPr>
+            <a:r>
+              <a:rPr lang="en-US" sz="2000" dirty="0" smtClean="0"/>
+              <a:t>Max depth = 4, min split = 100 weekday</a:t>
+            </a:r>
+          </a:p>
+          <a:p>
+            <a:pPr marL="285750" indent="-285750">
+              <a:buFont typeface="Arial"/>
+              <a:buChar char="•"/>
+            </a:pPr>
+            <a:endParaRPr lang="en-US" sz="2000" dirty="0" smtClean="0"/>
+          </a:p>
+          <a:p>
+            <a:pPr marL="342900" indent="-342900">
+              <a:buFont typeface="Wingdings" charset="2"/>
+              <a:buChar char="§"/>
+            </a:pPr>
+            <a:r>
+              <a:rPr lang="en-US" sz="2000" b="1" dirty="0" smtClean="0"/>
+              <a:t>K-Nearest Neighbors</a:t>
+            </a:r>
+          </a:p>
+          <a:p>
+            <a:pPr marL="742950" lvl="1" indent="-285750">
+              <a:buFont typeface="Arial"/>
+              <a:buChar char="•"/>
+            </a:pPr>
+            <a:r>
+              <a:rPr lang="en-US" sz="2000" dirty="0" smtClean="0"/>
+              <a:t>20 </a:t>
+            </a:r>
+            <a:r>
+              <a:rPr lang="en-US" sz="2000" b="0" i="0" dirty="0" smtClean="0">
+                <a:latin typeface="ＭＳ ゴシック"/>
+                <a:ea typeface="ＭＳ ゴシック"/>
+                <a:cs typeface="ＭＳ ゴシック"/>
+              </a:rPr>
+              <a:t>≥</a:t>
+            </a:r>
+            <a:r>
+              <a:rPr lang="en-US" sz="2000" dirty="0" smtClean="0"/>
+              <a:t> k </a:t>
+            </a:r>
+            <a:r>
+              <a:rPr lang="en-US" sz="2000" b="0" i="0" dirty="0" smtClean="0">
+                <a:latin typeface="ＭＳ ゴシック"/>
+                <a:ea typeface="ＭＳ ゴシック"/>
+                <a:cs typeface="ＭＳ ゴシック"/>
+              </a:rPr>
+              <a:t>≥</a:t>
+            </a:r>
+            <a:r>
+              <a:rPr lang="en-US" sz="2000" dirty="0" smtClean="0"/>
+              <a:t> 30 weekend</a:t>
+            </a:r>
+          </a:p>
+          <a:p>
+            <a:pPr marL="742950" lvl="1" indent="-285750">
+              <a:buFont typeface="Arial"/>
+              <a:buChar char="•"/>
+            </a:pPr>
+            <a:r>
+              <a:rPr lang="en-US" sz="2000" dirty="0" smtClean="0"/>
+              <a:t>k </a:t>
+            </a:r>
+            <a:r>
+              <a:rPr lang="en-US" sz="2000" b="0" i="0" dirty="0" smtClean="0">
+                <a:latin typeface="ＭＳ ゴシック"/>
+                <a:ea typeface="ＭＳ ゴシック"/>
+                <a:cs typeface="ＭＳ ゴシック"/>
+              </a:rPr>
+              <a:t>≥</a:t>
+            </a:r>
+            <a:r>
+              <a:rPr lang="en-US" sz="2000" dirty="0" smtClean="0"/>
+              <a:t> 10 weekday</a:t>
+            </a:r>
+          </a:p>
+          <a:p>
+            <a:pPr marL="742950" lvl="1" indent="-285750">
+              <a:buFont typeface="Arial"/>
+              <a:buChar char="•"/>
+            </a:pPr>
+            <a:r>
+              <a:rPr lang="en-US" sz="2000" dirty="0" smtClean="0"/>
+              <a:t>Weighted by distance</a:t>
+            </a:r>
+          </a:p>
+        </p:txBody>
+      </p:sp>
+      <p:sp>
+        <p:nvSpPr>
+          <p:cNvPr id="9" name="TextBox 8"/>
+          <p:cNvSpPr txBox="1"/>
+          <p:nvPr/>
+        </p:nvSpPr>
+        <p:spPr>
+          <a:xfrm>
+            <a:off x="577727" y="380981"/>
+            <a:ext cx="7409149" cy="523220"/>
+          </a:xfrm>
+          <a:prstGeom prst="rect">
+            <a:avLst/>
+          </a:prstGeom>
+          <a:noFill/>
+        </p:spPr>
+        <p:txBody>
+          <a:bodyPr wrap="square" rtlCol="0">
+            <a:spAutoFit/>
+          </a:bodyPr>
+          <a:lstStyle/>
+          <a:p>
+            <a:r>
+              <a:rPr lang="en-US" sz="2800" b="1" dirty="0" smtClean="0"/>
+              <a:t>Exploring </a:t>
+            </a:r>
+            <a:r>
+              <a:rPr lang="en-US" sz="2800" b="1" dirty="0" smtClean="0"/>
+              <a:t>Classification</a:t>
+            </a:r>
+          </a:p>
+        </p:txBody>
+      </p:sp>
+      <p:grpSp>
+        <p:nvGrpSpPr>
+          <p:cNvPr id="13" name="Group 12"/>
+          <p:cNvGrpSpPr/>
+          <p:nvPr/>
+        </p:nvGrpSpPr>
+        <p:grpSpPr>
+          <a:xfrm>
+            <a:off x="577727" y="5580515"/>
+            <a:ext cx="3843968" cy="923330"/>
+            <a:chOff x="433295" y="5580515"/>
+            <a:chExt cx="2882976" cy="923330"/>
+          </a:xfrm>
+        </p:grpSpPr>
+        <p:sp>
+          <p:nvSpPr>
+            <p:cNvPr id="10" name="TextBox 9"/>
+            <p:cNvSpPr txBox="1"/>
+            <p:nvPr/>
+          </p:nvSpPr>
+          <p:spPr>
+            <a:xfrm>
+              <a:off x="433295" y="5580515"/>
+              <a:ext cx="2882976" cy="523220"/>
+            </a:xfrm>
+            <a:prstGeom prst="rect">
+              <a:avLst/>
+            </a:prstGeom>
+            <a:noFill/>
+          </p:spPr>
+          <p:txBody>
+            <a:bodyPr wrap="square" rtlCol="0">
+              <a:spAutoFit/>
+            </a:bodyPr>
+            <a:lstStyle/>
+            <a:p>
+              <a:r>
+                <a:rPr lang="en-US" sz="2800" b="1" dirty="0" smtClean="0"/>
+                <a:t>Neural Networks</a:t>
+              </a:r>
+              <a:endParaRPr lang="en-US" sz="2800" b="1" dirty="0" smtClean="0"/>
+            </a:p>
+          </p:txBody>
+        </p:sp>
+        <p:sp>
+          <p:nvSpPr>
+            <p:cNvPr id="11" name="TextBox 10"/>
+            <p:cNvSpPr txBox="1"/>
+            <p:nvPr/>
+          </p:nvSpPr>
+          <p:spPr>
+            <a:xfrm>
+              <a:off x="433295" y="6103735"/>
+              <a:ext cx="1846345" cy="400110"/>
+            </a:xfrm>
+            <a:prstGeom prst="rect">
+              <a:avLst/>
+            </a:prstGeom>
+            <a:noFill/>
+          </p:spPr>
+          <p:txBody>
+            <a:bodyPr wrap="square" rtlCol="0">
+              <a:spAutoFit/>
+            </a:bodyPr>
+            <a:lstStyle/>
+            <a:p>
+              <a:pPr marL="342900" indent="-342900">
+                <a:buFont typeface="Wingdings" charset="2"/>
+                <a:buChar char="§"/>
+              </a:pPr>
+              <a:r>
+                <a:rPr lang="en-US" sz="2000" dirty="0" smtClean="0"/>
+                <a:t>125 nodes</a:t>
+              </a:r>
+            </a:p>
+          </p:txBody>
+        </p:sp>
+      </p:grpSp>
+      <p:pic>
+        <p:nvPicPr>
+          <p:cNvPr id="14" name="Picture 13" descr="accuracies_plot.png"/>
+          <p:cNvPicPr>
+            <a:picLocks noChangeAspect="1"/>
+          </p:cNvPicPr>
+          <p:nvPr/>
+        </p:nvPicPr>
+        <p:blipFill>
+          <a:blip r:embed="rId4">
+            <a:extLst>
+              <a:ext uri="{28A0092B-C50C-407E-A947-70E740481C1C}">
+                <a14:useLocalDpi xmlns:a14="http://schemas.microsoft.com/office/drawing/2010/main" val="0"/>
+              </a:ext>
+            </a:extLst>
+          </a:blip>
+          <a:stretch>
+            <a:fillRect/>
+          </a:stretch>
+        </p:blipFill>
+        <p:spPr>
+          <a:xfrm>
+            <a:off x="4915607" y="3549858"/>
+            <a:ext cx="6857932" cy="3121600"/>
+          </a:xfrm>
+          <a:prstGeom prst="rect">
+            <a:avLst/>
+          </a:prstGeom>
+        </p:spPr>
+      </p:pic>
+    </p:spTree>
+    <p:extLst>
+      <p:ext uri="{BB962C8B-B14F-4D97-AF65-F5344CB8AC3E}">
+        <p14:creationId xmlns:p14="http://schemas.microsoft.com/office/powerpoint/2010/main" val="422389432"/>
+      </p:ext>
+    </p:extLst>
+  </p:cSld>
+  <p:clrMapOvr>
+    <a:masterClrMapping/>
+  </p:clrMapOvr>
+  <p:timing>
+    <p:tnLst>
+      <p:par>
+        <p:cTn xmlns:p14="http://schemas.microsoft.com/office/powerpoint/2010/main" id="1" dur="indefinite" restart="never" nodeType="tmRoot">
+          <p:childTnLst>
+            <p:seq concurrent="1" nextAc="seek">
+              <p:cTn id="2" dur="indefinite" nodeType="mainSeq">
+                <p:childTnLst>
+                  <p:par>
+                    <p:cTn id="3" fill="hold">
+                      <p:stCondLst>
+                        <p:cond delay="indefinite"/>
+                      </p:stCondLst>
+                      <p:childTnLst>
+                        <p:par>
+                          <p:cTn id="4" fill="hold">
+                            <p:stCondLst>
+                              <p:cond delay="0"/>
+                            </p:stCondLst>
+                            <p:childTnLst>
+                              <p:par>
+                                <p:cTn id="5" presetID="1" presetClass="entr" presetSubtype="0" fill="hold" grpId="0" nodeType="clickEffect">
+                                  <p:stCondLst>
+                                    <p:cond delay="0"/>
+                                  </p:stCondLst>
+                                  <p:childTnLst>
+                                    <p:set>
+                                      <p:cBhvr>
+                                        <p:cTn id="6" dur="1" fill="hold">
+                                          <p:stCondLst>
+                                            <p:cond delay="0"/>
+                                          </p:stCondLst>
+                                        </p:cTn>
+                                        <p:tgtEl>
+                                          <p:spTgt spid="6"/>
+                                        </p:tgtEl>
+                                        <p:attrNameLst>
+                                          <p:attrName>style.visibility</p:attrName>
+                                        </p:attrNameLst>
+                                      </p:cBhvr>
+                                      <p:to>
+                                        <p:strVal val="visible"/>
+                                      </p:to>
+                                    </p:set>
+                                  </p:childTnLst>
+                                </p:cTn>
+                              </p:par>
+                            </p:childTnLst>
+                          </p:cTn>
+                        </p:par>
+                      </p:childTnLst>
+                    </p:cTn>
+                  </p:par>
+                  <p:par>
+                    <p:cTn id="7" fill="hold">
+                      <p:stCondLst>
+                        <p:cond delay="indefinite"/>
+                      </p:stCondLst>
+                      <p:childTnLst>
+                        <p:par>
+                          <p:cTn id="8" fill="hold">
+                            <p:stCondLst>
+                              <p:cond delay="0"/>
+                            </p:stCondLst>
+                            <p:childTnLst>
+                              <p:par>
+                                <p:cTn id="9" presetID="1" presetClass="entr" presetSubtype="0" fill="hold" nodeType="clickEffect">
+                                  <p:stCondLst>
+                                    <p:cond delay="0"/>
+                                  </p:stCondLst>
+                                  <p:childTnLst>
+                                    <p:set>
+                                      <p:cBhvr>
+                                        <p:cTn id="10" dur="1" fill="hold">
+                                          <p:stCondLst>
+                                            <p:cond delay="0"/>
+                                          </p:stCondLst>
+                                        </p:cTn>
+                                        <p:tgtEl>
+                                          <p:spTgt spid="13"/>
+                                        </p:tgtEl>
+                                        <p:attrNameLst>
+                                          <p:attrName>style.visibility</p:attrName>
+                                        </p:attrNameLst>
+                                      </p:cBhvr>
+                                      <p:to>
+                                        <p:strVal val="visible"/>
+                                      </p:to>
+                                    </p:set>
+                                  </p:childTnLst>
+                                </p:cTn>
+                              </p:par>
+                            </p:childTnLst>
+                          </p:cTn>
+                        </p:par>
+                      </p:childTnLst>
+                    </p:cTn>
+                  </p:par>
+                  <p:par>
+                    <p:cTn id="11" fill="hold">
+                      <p:stCondLst>
+                        <p:cond delay="indefinite"/>
+                      </p:stCondLst>
+                      <p:childTnLst>
+                        <p:par>
+                          <p:cTn id="12" fill="hold">
+                            <p:stCondLst>
+                              <p:cond delay="0"/>
+                            </p:stCondLst>
+                            <p:childTnLst>
+                              <p:par>
+                                <p:cTn id="13" presetID="1" presetClass="entr" presetSubtype="0" fill="hold" nodeType="clickEffect">
+                                  <p:stCondLst>
+                                    <p:cond delay="0"/>
+                                  </p:stCondLst>
+                                  <p:childTnLst>
+                                    <p:set>
+                                      <p:cBhvr>
+                                        <p:cTn id="14" dur="1" fill="hold">
+                                          <p:stCondLst>
+                                            <p:cond delay="0"/>
+                                          </p:stCondLst>
+                                        </p:cTn>
+                                        <p:tgtEl>
+                                          <p:spTgt spid="14"/>
+                                        </p:tgtEl>
+                                        <p:attrNameLst>
+                                          <p:attrName>style.visibility</p:attrName>
+                                        </p:attrNameLst>
+                                      </p:cBhvr>
+                                      <p:to>
+                                        <p:strVal val="visible"/>
+                                      </p:to>
+                                    </p:set>
+                                  </p:childTnLst>
+                                </p:cTn>
+                              </p:par>
+                            </p:childTnLst>
+                          </p:cTn>
+                        </p:par>
+                      </p:childTnLst>
+                    </p:cTn>
+                  </p:par>
+                  <p:par>
+                    <p:cTn id="15" fill="hold">
+                      <p:stCondLst>
+                        <p:cond delay="indefinite"/>
+                      </p:stCondLst>
+                      <p:childTnLst>
+                        <p:par>
+                          <p:cTn id="16" fill="hold">
+                            <p:stCondLst>
+                              <p:cond delay="0"/>
+                            </p:stCondLst>
+                            <p:childTnLst>
+                              <p:par>
+                                <p:cTn id="17" presetID="1" presetClass="entr" presetSubtype="0" fill="hold" nodeType="clickEffect">
+                                  <p:stCondLst>
+                                    <p:cond delay="0"/>
+                                  </p:stCondLst>
+                                  <p:childTnLst>
+                                    <p:set>
+                                      <p:cBhvr>
+                                        <p:cTn id="18" dur="1" fill="hold">
+                                          <p:stCondLst>
+                                            <p:cond delay="0"/>
+                                          </p:stCondLst>
+                                        </p:cTn>
+                                        <p:tgtEl>
+                                          <p:spTgt spid="5"/>
+                                        </p:tgtEl>
+                                        <p:attrNameLst>
+                                          <p:attrName>style.visibility</p:attrName>
+                                        </p:attrNameLst>
+                                      </p:cBhvr>
+                                      <p:to>
+                                        <p:strVal val="visible"/>
+                                      </p:to>
+                                    </p:set>
+                                  </p:childTnLst>
+                                </p:cTn>
+                              </p:par>
+                            </p:childTnLst>
+                          </p:cTn>
+                        </p:par>
+                      </p:childTnLst>
+                    </p:cTn>
+                  </p:par>
+                </p:childTnLst>
+              </p:cTn>
+              <p:prevCondLst>
+                <p:cond evt="onPrev" delay="0">
+                  <p:tgtEl>
+                    <p:sldTgt/>
+                  </p:tgtEl>
+                </p:cond>
+              </p:prevCondLst>
+              <p:nextCondLst>
+                <p:cond evt="onNext" delay="0">
+                  <p:tgtEl>
+                    <p:sldTgt/>
+                  </p:tgtEl>
+                </p:cond>
+              </p:nextCondLst>
+            </p:seq>
+          </p:childTnLst>
+        </p:cTn>
+      </p:par>
+    </p:tnLst>
+    <p:bldLst>
+      <p:bldP spid="6" grpId="0"/>
+    </p:bldLst>
+  </p:timing>
+</p:sld>
+</file>
+
+<file path=ppt/slides/slide4.xml><?xml version="1.0" encoding="utf-8"?>
+<p:sld xmlns:a="http://schemas.openxmlformats.org/drawingml/2006/main" xmlns:r="http://schemas.openxmlformats.org/officeDocument/2006/relationships" xmlns:p="http://schemas.openxmlformats.org/presentationml/2006/main">
+  <p:cSld>
+    <p:spTree>
+      <p:nvGrpSpPr>
+        <p:cNvPr id="1" name=""/>
+        <p:cNvGrpSpPr/>
+        <p:nvPr/>
+      </p:nvGrpSpPr>
+      <p:grpSpPr>
+        <a:xfrm>
+          <a:off x="0" y="0"/>
+          <a:ext cx="0" cy="0"/>
+          <a:chOff x="0" y="0"/>
+          <a:chExt cx="0" cy="0"/>
+        </a:xfrm>
+      </p:grpSpPr>
+      <p:sp>
+        <p:nvSpPr>
+          <p:cNvPr id="4" name="TextBox 3"/>
+          <p:cNvSpPr txBox="1"/>
+          <p:nvPr/>
+        </p:nvSpPr>
+        <p:spPr>
+          <a:xfrm>
+            <a:off x="989658" y="631011"/>
+            <a:ext cx="7409149" cy="523220"/>
+          </a:xfrm>
+          <a:prstGeom prst="rect">
+            <a:avLst/>
+          </a:prstGeom>
+          <a:noFill/>
+        </p:spPr>
+        <p:txBody>
+          <a:bodyPr wrap="square" rtlCol="0">
+            <a:spAutoFit/>
+          </a:bodyPr>
+          <a:lstStyle/>
+          <a:p>
+            <a:r>
+              <a:rPr lang="en-US" sz="2800" b="1" dirty="0" err="1" smtClean="0"/>
+              <a:t>Multilinear</a:t>
+            </a:r>
+            <a:r>
+              <a:rPr lang="en-US" sz="2800" b="1" dirty="0" smtClean="0"/>
+              <a:t> Regression</a:t>
+            </a:r>
+            <a:endParaRPr lang="en-US" sz="2800" b="1" dirty="0" smtClean="0"/>
+          </a:p>
+        </p:txBody>
+      </p:sp>
+      <p:sp>
+        <p:nvSpPr>
+          <p:cNvPr id="5" name="TextBox 4"/>
+          <p:cNvSpPr txBox="1"/>
+          <p:nvPr/>
+        </p:nvSpPr>
+        <p:spPr>
+          <a:xfrm>
+            <a:off x="1254312" y="1406198"/>
+            <a:ext cx="7013885" cy="3477875"/>
+          </a:xfrm>
+          <a:prstGeom prst="rect">
+            <a:avLst/>
+          </a:prstGeom>
+          <a:noFill/>
+        </p:spPr>
+        <p:txBody>
+          <a:bodyPr wrap="square" rtlCol="0">
+            <a:spAutoFit/>
+          </a:bodyPr>
+          <a:lstStyle/>
+          <a:p>
+            <a:pPr marL="342900" indent="-342900">
+              <a:buFont typeface="Wingdings" charset="2"/>
+              <a:buChar char="§"/>
+            </a:pPr>
+            <a:r>
+              <a:rPr lang="en-US" sz="2000" dirty="0" smtClean="0"/>
+              <a:t>Independent variables:</a:t>
+            </a:r>
+          </a:p>
+          <a:p>
+            <a:pPr marL="800100" lvl="1" indent="-342900">
+              <a:buFont typeface="Arial"/>
+              <a:buChar char="•"/>
+            </a:pPr>
+            <a:r>
+              <a:rPr lang="en-US" sz="2000" dirty="0" smtClean="0"/>
+              <a:t>Weekday alcohol </a:t>
+            </a:r>
+            <a:r>
+              <a:rPr lang="en-US" sz="2000" dirty="0"/>
+              <a:t>c</a:t>
+            </a:r>
+            <a:r>
+              <a:rPr lang="en-US" sz="2000" dirty="0" smtClean="0"/>
+              <a:t>onsumption</a:t>
+            </a:r>
+          </a:p>
+          <a:p>
+            <a:pPr marL="800100" lvl="1" indent="-342900">
+              <a:buFont typeface="Arial"/>
+              <a:buChar char="•"/>
+            </a:pPr>
+            <a:r>
+              <a:rPr lang="en-US" sz="2000" dirty="0" smtClean="0"/>
+              <a:t>Frequency of outings</a:t>
+            </a:r>
+          </a:p>
+          <a:p>
+            <a:pPr marL="800100" lvl="1" indent="-342900">
+              <a:buFont typeface="Arial"/>
+              <a:buChar char="•"/>
+            </a:pPr>
+            <a:r>
+              <a:rPr lang="en-US" sz="2000" dirty="0" smtClean="0"/>
+              <a:t>Gender</a:t>
+            </a:r>
+          </a:p>
+          <a:p>
+            <a:pPr marL="800100" lvl="1" indent="-342900">
+              <a:buFont typeface="Arial"/>
+              <a:buChar char="•"/>
+            </a:pPr>
+            <a:r>
+              <a:rPr lang="en-US" sz="2000" dirty="0" smtClean="0"/>
+              <a:t>Frequency of time spent on studying</a:t>
+            </a:r>
+          </a:p>
+          <a:p>
+            <a:pPr lvl="1"/>
+            <a:endParaRPr lang="en-US" sz="2000" dirty="0" smtClean="0"/>
+          </a:p>
+          <a:p>
+            <a:pPr marL="342900" indent="-342900">
+              <a:buFont typeface="Wingdings" charset="2"/>
+              <a:buChar char="§"/>
+            </a:pPr>
+            <a:r>
+              <a:rPr lang="en-US" sz="2000" dirty="0" smtClean="0"/>
+              <a:t>Dependent variable:</a:t>
+            </a:r>
+          </a:p>
+          <a:p>
+            <a:pPr marL="800100" lvl="1" indent="-342900">
+              <a:buFont typeface="Arial"/>
+              <a:buChar char="•"/>
+            </a:pPr>
+            <a:r>
+              <a:rPr lang="en-US" sz="2000" dirty="0" smtClean="0"/>
+              <a:t>Weekend alcohol consumption</a:t>
+            </a:r>
+          </a:p>
+          <a:p>
+            <a:pPr lvl="1"/>
+            <a:endParaRPr lang="en-US" sz="2000" dirty="0" smtClean="0"/>
+          </a:p>
+          <a:p>
+            <a:pPr marL="342900" indent="-342900">
+              <a:buFont typeface="Wingdings" charset="2"/>
+              <a:buChar char="§"/>
+            </a:pPr>
+            <a:r>
+              <a:rPr lang="en-US" sz="2000" dirty="0" smtClean="0"/>
+              <a:t>R</a:t>
+            </a:r>
+            <a:r>
+              <a:rPr lang="en-US" sz="2000" baseline="30000" dirty="0" smtClean="0"/>
+              <a:t>2</a:t>
+            </a:r>
+            <a:r>
+              <a:rPr lang="en-US" sz="2000" dirty="0" smtClean="0"/>
+              <a:t> = 0.484</a:t>
+            </a:r>
+          </a:p>
+          <a:p>
+            <a:pPr marL="342900" indent="-342900">
+              <a:buFont typeface="Wingdings" charset="2"/>
+              <a:buChar char="§"/>
+            </a:pPr>
+            <a:endParaRPr lang="en-US" sz="2000" dirty="0" smtClean="0"/>
+          </a:p>
+        </p:txBody>
+      </p:sp>
+    </p:spTree>
+    <p:extLst>
+      <p:ext uri="{BB962C8B-B14F-4D97-AF65-F5344CB8AC3E}">
+        <p14:creationId xmlns:p14="http://schemas.microsoft.com/office/powerpoint/2010/main" val="2051021162"/>
+      </p:ext>
+    </p:extLst>
+  </p:cSld>
+  <p:clrMapOvr>
+    <a:masterClrMapping/>
+  </p:clrMapOvr>
+  <p:timing>
+    <p:tnLst>
+      <p:par>
+        <p:cTn xmlns:p14="http://schemas.microsoft.com/office/powerpoint/2010/main" id="1" dur="indefinite" restart="never" nodeType="tmRoot"/>
+      </p:par>
+    </p:tnLst>
+  </p:timing>
+</p:sld>
+</file>
+
+<file path=ppt/slides/slide5.xml><?xml version="1.0" encoding="utf-8"?>
+<p:sld xmlns:a="http://schemas.openxmlformats.org/drawingml/2006/main" xmlns:r="http://schemas.openxmlformats.org/officeDocument/2006/relationships" xmlns:p="http://schemas.openxmlformats.org/presentationml/2006/main">
+  <p:cSld>
+    <p:spTree>
+      <p:nvGrpSpPr>
+        <p:cNvPr id="1" name=""/>
+        <p:cNvGrpSpPr/>
+        <p:nvPr/>
+      </p:nvGrpSpPr>
+      <p:grpSpPr>
+        <a:xfrm>
+          <a:off x="0" y="0"/>
+          <a:ext cx="0" cy="0"/>
+          <a:chOff x="0" y="0"/>
+          <a:chExt cx="0" cy="0"/>
+        </a:xfrm>
+      </p:grpSpPr>
       <p:sp>
         <p:nvSpPr>
           <p:cNvPr id="4" name="Title 3"/>
@@ -3509,7 +5740,7 @@
 </p:sld>
 </file>
 
-<file path=ppt/slides/slide4.xml><?xml version="1.0" encoding="utf-8"?>
+<file path=ppt/slides/slide6.xml><?xml version="1.0" encoding="utf-8"?>
 <p:sld xmlns:a="http://schemas.openxmlformats.org/drawingml/2006/main" xmlns:r="http://schemas.openxmlformats.org/officeDocument/2006/relationships" xmlns:p="http://schemas.openxmlformats.org/presentationml/2006/main">
   <p:cSld>
     <p:spTree>
@@ -3664,7 +5895,7 @@
 </p:sld>
 </file>
 
-<file path=ppt/slides/slide5.xml><?xml version="1.0" encoding="utf-8"?>
+<file path=ppt/slides/slide7.xml><?xml version="1.0" encoding="utf-8"?>
 <p:sld xmlns:a="http://schemas.openxmlformats.org/drawingml/2006/main" xmlns:r="http://schemas.openxmlformats.org/officeDocument/2006/relationships" xmlns:p="http://schemas.openxmlformats.org/presentationml/2006/main">
   <p:cSld>
     <p:spTree>
@@ -3807,7 +6038,7 @@
 </p:sld>
 </file>
 
-<file path=ppt/slides/slide6.xml><?xml version="1.0" encoding="utf-8"?>
+<file path=ppt/slides/slide8.xml><?xml version="1.0" encoding="utf-8"?>
 <p:sld xmlns:a="http://schemas.openxmlformats.org/drawingml/2006/main" xmlns:r="http://schemas.openxmlformats.org/officeDocument/2006/relationships" xmlns:p="http://schemas.openxmlformats.org/presentationml/2006/main">
   <p:cSld>
     <p:spTree>
@@ -3878,7 +6109,7 @@
 </p:sld>
 </file>
 
-<file path=ppt/slides/slide7.xml><?xml version="1.0" encoding="utf-8"?>
+<file path=ppt/slides/slide9.xml><?xml version="1.0" encoding="utf-8"?>
 <p:sld xmlns:a="http://schemas.openxmlformats.org/drawingml/2006/main" xmlns:r="http://schemas.openxmlformats.org/officeDocument/2006/relationships" xmlns:p="http://schemas.openxmlformats.org/presentationml/2006/main">
   <p:cSld>
     <p:spTree>
@@ -4020,260 +6251,6 @@
 </p:sld>
 </file>
 
-<file path=ppt/slides/slide8.xml><?xml version="1.0" encoding="utf-8"?>
-<p:sld xmlns:a="http://schemas.openxmlformats.org/drawingml/2006/main" xmlns:r="http://schemas.openxmlformats.org/officeDocument/2006/relationships" xmlns:p="http://schemas.openxmlformats.org/presentationml/2006/main">
-  <p:cSld>
-    <p:spTree>
-      <p:nvGrpSpPr>
-        <p:cNvPr id="1" name=""/>
-        <p:cNvGrpSpPr/>
-        <p:nvPr/>
-      </p:nvGrpSpPr>
-      <p:grpSpPr>
-        <a:xfrm>
-          <a:off x="0" y="0"/>
-          <a:ext cx="0" cy="0"/>
-          <a:chOff x="0" y="0"/>
-          <a:chExt cx="0" cy="0"/>
-        </a:xfrm>
-      </p:grpSpPr>
-      <p:sp>
-        <p:nvSpPr>
-          <p:cNvPr id="2" name="Title 1"/>
-          <p:cNvSpPr>
-            <a:spLocks noGrp="1"/>
-          </p:cNvSpPr>
-          <p:nvPr>
-            <p:ph type="title"/>
-          </p:nvPr>
-        </p:nvSpPr>
-        <p:spPr/>
-        <p:txBody>
-          <a:bodyPr/>
-          <a:lstStyle/>
-          <a:p>
-            <a:r>
-              <a:rPr lang="en-US" dirty="0"/>
-              <a:t>DBSCAN</a:t>
-            </a:r>
-          </a:p>
-        </p:txBody>
-      </p:sp>
-      <p:sp>
-        <p:nvSpPr>
-          <p:cNvPr id="3" name="Content Placeholder 2"/>
-          <p:cNvSpPr>
-            <a:spLocks noGrp="1"/>
-          </p:cNvSpPr>
-          <p:nvPr>
-            <p:ph idx="1"/>
-          </p:nvPr>
-        </p:nvSpPr>
-        <p:spPr/>
-        <p:txBody>
-          <a:bodyPr/>
-          <a:lstStyle/>
-          <a:p>
-            <a:r>
-              <a:rPr lang="en-US" dirty="0"/>
-              <a:t>Tried one last algorithm, DBSCAN</a:t>
-            </a:r>
-          </a:p>
-          <a:p>
-            <a:r>
-              <a:rPr lang="en-US" dirty="0"/>
-              <a:t>DBSCAN determines the number of clusters for you</a:t>
-            </a:r>
-          </a:p>
-          <a:p>
-            <a:r>
-              <a:rPr lang="en-US" dirty="0"/>
-              <a:t>DBSCAN classified all points as noise</a:t>
-            </a:r>
-          </a:p>
-          <a:p>
-            <a:pPr lvl="1"/>
-            <a:r>
-              <a:rPr lang="en-US" dirty="0"/>
-              <a:t>This may imply that there are no real clusters, or one large cluster</a:t>
-            </a:r>
-            <a:br>
-              <a:rPr lang="en-US" dirty="0"/>
-            </a:br>
-            <a:endParaRPr lang="en-US" dirty="0"/>
-          </a:p>
-          <a:p>
-            <a:endParaRPr lang="en-US" dirty="0"/>
-          </a:p>
-        </p:txBody>
-      </p:sp>
-    </p:spTree>
-    <p:extLst>
-      <p:ext uri="{BB962C8B-B14F-4D97-AF65-F5344CB8AC3E}">
-        <p14:creationId xmlns:p14="http://schemas.microsoft.com/office/powerpoint/2010/main" val="2095985933"/>
-      </p:ext>
-    </p:extLst>
-  </p:cSld>
-  <p:clrMapOvr>
-    <a:masterClrMapping/>
-  </p:clrMapOvr>
-</p:sld>
-</file>
-
-<file path=ppt/slides/slide9.xml><?xml version="1.0" encoding="utf-8"?>
-<p:sld xmlns:a="http://schemas.openxmlformats.org/drawingml/2006/main" xmlns:r="http://schemas.openxmlformats.org/officeDocument/2006/relationships" xmlns:p="http://schemas.openxmlformats.org/presentationml/2006/main">
-  <p:cSld>
-    <p:spTree>
-      <p:nvGrpSpPr>
-        <p:cNvPr id="1" name=""/>
-        <p:cNvGrpSpPr/>
-        <p:nvPr/>
-      </p:nvGrpSpPr>
-      <p:grpSpPr>
-        <a:xfrm>
-          <a:off x="0" y="0"/>
-          <a:ext cx="0" cy="0"/>
-          <a:chOff x="0" y="0"/>
-          <a:chExt cx="0" cy="0"/>
-        </a:xfrm>
-      </p:grpSpPr>
-      <p:sp>
-        <p:nvSpPr>
-          <p:cNvPr id="2" name="Title 1"/>
-          <p:cNvSpPr>
-            <a:spLocks noGrp="1"/>
-          </p:cNvSpPr>
-          <p:nvPr>
-            <p:ph type="title"/>
-          </p:nvPr>
-        </p:nvSpPr>
-        <p:spPr/>
-        <p:txBody>
-          <a:bodyPr/>
-          <a:lstStyle/>
-          <a:p>
-            <a:r>
-              <a:rPr lang="en-US" dirty="0"/>
-              <a:t>Dimensionality Reduction - Visualization</a:t>
-            </a:r>
-          </a:p>
-        </p:txBody>
-      </p:sp>
-      <p:sp>
-        <p:nvSpPr>
-          <p:cNvPr id="8" name="Text Placeholder 7"/>
-          <p:cNvSpPr>
-            <a:spLocks noGrp="1"/>
-          </p:cNvSpPr>
-          <p:nvPr>
-            <p:ph type="body" idx="1"/>
-          </p:nvPr>
-        </p:nvSpPr>
-        <p:spPr/>
-        <p:txBody>
-          <a:bodyPr/>
-          <a:lstStyle/>
-          <a:p>
-            <a:r>
-              <a:rPr lang="en-US" dirty="0"/>
-              <a:t>t-SNE</a:t>
-            </a:r>
-          </a:p>
-        </p:txBody>
-      </p:sp>
-      <p:pic>
-        <p:nvPicPr>
-          <p:cNvPr id="6" name="Content Placeholder 5"/>
-          <p:cNvPicPr>
-            <a:picLocks noGrp="1" noChangeAspect="1"/>
-          </p:cNvPicPr>
-          <p:nvPr>
-            <p:ph sz="half" idx="2"/>
-          </p:nvPr>
-        </p:nvPicPr>
-        <p:blipFill>
-          <a:blip r:embed="rId2">
-            <a:extLst>
-              <a:ext uri="{28A0092B-C50C-407E-A947-70E740481C1C}">
-                <a14:useLocalDpi xmlns:a14="http://schemas.microsoft.com/office/drawing/2010/main" val="0"/>
-              </a:ext>
-            </a:extLst>
-          </a:blip>
-          <a:stretch>
-            <a:fillRect/>
-          </a:stretch>
-        </p:blipFill>
-        <p:spPr>
-          <a:xfrm>
-            <a:off x="839788" y="2642107"/>
-            <a:ext cx="5157787" cy="3410523"/>
-          </a:xfrm>
-        </p:spPr>
-      </p:pic>
-      <p:sp>
-        <p:nvSpPr>
-          <p:cNvPr id="9" name="Text Placeholder 8"/>
-          <p:cNvSpPr>
-            <a:spLocks noGrp="1"/>
-          </p:cNvSpPr>
-          <p:nvPr>
-            <p:ph type="body" sz="quarter" idx="3"/>
-          </p:nvPr>
-        </p:nvSpPr>
-        <p:spPr/>
-        <p:txBody>
-          <a:bodyPr/>
-          <a:lstStyle/>
-          <a:p>
-            <a:r>
-              <a:rPr lang="en-US" dirty="0"/>
-              <a:t>PCA</a:t>
-            </a:r>
-          </a:p>
-        </p:txBody>
-      </p:sp>
-      <p:pic>
-        <p:nvPicPr>
-          <p:cNvPr id="7" name="Content Placeholder 6"/>
-          <p:cNvPicPr>
-            <a:picLocks noGrp="1" noChangeAspect="1"/>
-          </p:cNvPicPr>
-          <p:nvPr>
-            <p:ph sz="quarter" idx="4"/>
-          </p:nvPr>
-        </p:nvPicPr>
-        <p:blipFill>
-          <a:blip r:embed="rId3">
-            <a:extLst>
-              <a:ext uri="{28A0092B-C50C-407E-A947-70E740481C1C}">
-                <a14:useLocalDpi xmlns:a14="http://schemas.microsoft.com/office/drawing/2010/main" val="0"/>
-              </a:ext>
-            </a:extLst>
-          </a:blip>
-          <a:stretch>
-            <a:fillRect/>
-          </a:stretch>
-        </p:blipFill>
-        <p:spPr>
-          <a:xfrm>
-            <a:off x="6172200" y="2950142"/>
-            <a:ext cx="5183188" cy="2794454"/>
-          </a:xfrm>
-        </p:spPr>
-      </p:pic>
-    </p:spTree>
-    <p:extLst>
-      <p:ext uri="{BB962C8B-B14F-4D97-AF65-F5344CB8AC3E}">
-        <p14:creationId xmlns:p14="http://schemas.microsoft.com/office/powerpoint/2010/main" val="1492547047"/>
-      </p:ext>
-    </p:extLst>
-  </p:cSld>
-  <p:clrMapOvr>
-    <a:masterClrMapping/>
-  </p:clrMapOvr>
-</p:sld>
-</file>
-
 <file path=ppt/theme/theme1.xml><?xml version="1.0" encoding="utf-8"?>
 <a:theme xmlns:a="http://schemas.openxmlformats.org/drawingml/2006/main" name="Office Theme">
   <a:themeElements>
@@ -4317,7 +6294,7 @@
     </a:clrScheme>
     <a:fontScheme name="Office">
       <a:majorFont>
-        <a:latin typeface="Calibri Light" panose="020F0302020204030204"/>
+        <a:latin typeface="Calibri Light"/>
         <a:ea typeface=""/>
         <a:cs typeface=""/>
         <a:font script="Jpan" typeface="Yu Gothic Light"/>
@@ -4352,7 +6329,7 @@
         <a:font script="Geor" typeface="Sylfaen"/>
       </a:majorFont>
       <a:minorFont>
-        <a:latin typeface="Calibri" panose="020F0502020204030204"/>
+        <a:latin typeface="Calibri"/>
         <a:ea typeface=""/>
         <a:cs typeface=""/>
         <a:font script="Jpan" typeface="Yu Gothic"/>
@@ -4529,8 +6506,328 @@
   <a:extraClrSchemeLst/>
   <a:extLst>
     <a:ext uri="{05A4C25C-085E-4340-85A3-A5531E510DB2}">
-      <thm15:themeFamily xmlns:thm15="http://schemas.microsoft.com/office/thememl/2012/main" name="Office Theme" id="{62F939B6-93AF-4DB8-9C6B-D6C7DFDC589F}" vid="{4A3C46E8-61CC-4603-A589-7422A47A8E4A}"/>
+      <thm15:themeFamily xmlns:thm15="http://schemas.microsoft.com/office/thememl/2012/main" xmlns="" name="Office Theme" id="{62F939B6-93AF-4DB8-9C6B-D6C7DFDC589F}" vid="{4A3C46E8-61CC-4603-A589-7422A47A8E4A}"/>
     </a:ext>
   </a:extLst>
 </a:theme>
+</file>
+
+<file path=ppt/theme/theme2.xml><?xml version="1.0" encoding="utf-8"?>
+<a:theme xmlns:a="http://schemas.openxmlformats.org/drawingml/2006/main" name="Office Theme">
+  <a:themeElements>
+    <a:clrScheme name="Office">
+      <a:dk1>
+        <a:sysClr val="windowText" lastClr="000000"/>
+      </a:dk1>
+      <a:lt1>
+        <a:sysClr val="window" lastClr="FFFFFF"/>
+      </a:lt1>
+      <a:dk2>
+        <a:srgbClr val="1F497D"/>
+      </a:dk2>
+      <a:lt2>
+        <a:srgbClr val="EEECE1"/>
+      </a:lt2>
+      <a:accent1>
+        <a:srgbClr val="4F81BD"/>
+      </a:accent1>
+      <a:accent2>
+        <a:srgbClr val="C0504D"/>
+      </a:accent2>
+      <a:accent3>
+        <a:srgbClr val="9BBB59"/>
+      </a:accent3>
+      <a:accent4>
+        <a:srgbClr val="8064A2"/>
+      </a:accent4>
+      <a:accent5>
+        <a:srgbClr val="4BACC6"/>
+      </a:accent5>
+      <a:accent6>
+        <a:srgbClr val="F79646"/>
+      </a:accent6>
+      <a:hlink>
+        <a:srgbClr val="0000FF"/>
+      </a:hlink>
+      <a:folHlink>
+        <a:srgbClr val="800080"/>
+      </a:folHlink>
+    </a:clrScheme>
+    <a:fontScheme name="Office">
+      <a:majorFont>
+        <a:latin typeface="Calibri"/>
+        <a:ea typeface=""/>
+        <a:cs typeface=""/>
+        <a:font script="Jpan" typeface="ＭＳ Ｐゴシック"/>
+        <a:font script="Hang" typeface="맑은 고딕"/>
+        <a:font script="Hans" typeface="宋体"/>
+        <a:font script="Hant" typeface="新細明體"/>
+        <a:font script="Arab" typeface="Times New Roman"/>
+        <a:font script="Hebr" typeface="Times New Roman"/>
+        <a:font script="Thai" typeface="Angsana New"/>
+        <a:font script="Ethi" typeface="Nyala"/>
+        <a:font script="Beng" typeface="Vrinda"/>
+        <a:font script="Gujr" typeface="Shruti"/>
+        <a:font script="Khmr" typeface="MoolBoran"/>
+        <a:font script="Knda" typeface="Tunga"/>
+        <a:font script="Guru" typeface="Raavi"/>
+        <a:font script="Cans" typeface="Euphemia"/>
+        <a:font script="Cher" typeface="Plantagenet Cherokee"/>
+        <a:font script="Yiii" typeface="Microsoft Yi Baiti"/>
+        <a:font script="Tibt" typeface="Microsoft Himalaya"/>
+        <a:font script="Thaa" typeface="MV Boli"/>
+        <a:font script="Deva" typeface="Mangal"/>
+        <a:font script="Telu" typeface="Gautami"/>
+        <a:font script="Taml" typeface="Latha"/>
+        <a:font script="Syrc" typeface="Estrangelo Edessa"/>
+        <a:font script="Orya" typeface="Kalinga"/>
+        <a:font script="Mlym" typeface="Kartika"/>
+        <a:font script="Laoo" typeface="DokChampa"/>
+        <a:font script="Sinh" typeface="Iskoola Pota"/>
+        <a:font script="Mong" typeface="Mongolian Baiti"/>
+        <a:font script="Viet" typeface="Times New Roman"/>
+        <a:font script="Uigh" typeface="Microsoft Uighur"/>
+        <a:font script="Geor" typeface="Sylfaen"/>
+      </a:majorFont>
+      <a:minorFont>
+        <a:latin typeface="Calibri"/>
+        <a:ea typeface=""/>
+        <a:cs typeface=""/>
+        <a:font script="Jpan" typeface="ＭＳ Ｐゴシック"/>
+        <a:font script="Hang" typeface="맑은 고딕"/>
+        <a:font script="Hans" typeface="宋体"/>
+        <a:font script="Hant" typeface="新細明體"/>
+        <a:font script="Arab" typeface="Arial"/>
+        <a:font script="Hebr" typeface="Arial"/>
+        <a:font script="Thai" typeface="Cordia New"/>
+        <a:font script="Ethi" typeface="Nyala"/>
+        <a:font script="Beng" typeface="Vrinda"/>
+        <a:font script="Gujr" typeface="Shruti"/>
+        <a:font script="Khmr" typeface="DaunPenh"/>
+        <a:font script="Knda" typeface="Tunga"/>
+        <a:font script="Guru" typeface="Raavi"/>
+        <a:font script="Cans" typeface="Euphemia"/>
+        <a:font script="Cher" typeface="Plantagenet Cherokee"/>
+        <a:font script="Yiii" typeface="Microsoft Yi Baiti"/>
+        <a:font script="Tibt" typeface="Microsoft Himalaya"/>
+        <a:font script="Thaa" typeface="MV Boli"/>
+        <a:font script="Deva" typeface="Mangal"/>
+        <a:font script="Telu" typeface="Gautami"/>
+        <a:font script="Taml" typeface="Latha"/>
+        <a:font script="Syrc" typeface="Estrangelo Edessa"/>
+        <a:font script="Orya" typeface="Kalinga"/>
+        <a:font script="Mlym" typeface="Kartika"/>
+        <a:font script="Laoo" typeface="DokChampa"/>
+        <a:font script="Sinh" typeface="Iskoola Pota"/>
+        <a:font script="Mong" typeface="Mongolian Baiti"/>
+        <a:font script="Viet" typeface="Arial"/>
+        <a:font script="Uigh" typeface="Microsoft Uighur"/>
+        <a:font script="Geor" typeface="Sylfaen"/>
+      </a:minorFont>
+    </a:fontScheme>
+    <a:fmtScheme name="Office">
+      <a:fillStyleLst>
+        <a:solidFill>
+          <a:schemeClr val="phClr"/>
+        </a:solidFill>
+        <a:gradFill rotWithShape="1">
+          <a:gsLst>
+            <a:gs pos="0">
+              <a:schemeClr val="phClr">
+                <a:tint val="50000"/>
+                <a:satMod val="300000"/>
+              </a:schemeClr>
+            </a:gs>
+            <a:gs pos="35000">
+              <a:schemeClr val="phClr">
+                <a:tint val="37000"/>
+                <a:satMod val="300000"/>
+              </a:schemeClr>
+            </a:gs>
+            <a:gs pos="100000">
+              <a:schemeClr val="phClr">
+                <a:tint val="15000"/>
+                <a:satMod val="350000"/>
+              </a:schemeClr>
+            </a:gs>
+          </a:gsLst>
+          <a:lin ang="16200000" scaled="1"/>
+        </a:gradFill>
+        <a:gradFill rotWithShape="1">
+          <a:gsLst>
+            <a:gs pos="0">
+              <a:schemeClr val="phClr">
+                <a:tint val="100000"/>
+                <a:shade val="100000"/>
+                <a:satMod val="130000"/>
+              </a:schemeClr>
+            </a:gs>
+            <a:gs pos="100000">
+              <a:schemeClr val="phClr">
+                <a:tint val="50000"/>
+                <a:shade val="100000"/>
+                <a:satMod val="350000"/>
+              </a:schemeClr>
+            </a:gs>
+          </a:gsLst>
+          <a:lin ang="16200000" scaled="0"/>
+        </a:gradFill>
+      </a:fillStyleLst>
+      <a:lnStyleLst>
+        <a:ln w="9525" cap="flat" cmpd="sng" algn="ctr">
+          <a:solidFill>
+            <a:schemeClr val="phClr">
+              <a:shade val="95000"/>
+              <a:satMod val="105000"/>
+            </a:schemeClr>
+          </a:solidFill>
+          <a:prstDash val="solid"/>
+        </a:ln>
+        <a:ln w="25400" cap="flat" cmpd="sng" algn="ctr">
+          <a:solidFill>
+            <a:schemeClr val="phClr"/>
+          </a:solidFill>
+          <a:prstDash val="solid"/>
+        </a:ln>
+        <a:ln w="38100" cap="flat" cmpd="sng" algn="ctr">
+          <a:solidFill>
+            <a:schemeClr val="phClr"/>
+          </a:solidFill>
+          <a:prstDash val="solid"/>
+        </a:ln>
+      </a:lnStyleLst>
+      <a:effectStyleLst>
+        <a:effectStyle>
+          <a:effectLst>
+            <a:outerShdw blurRad="40000" dist="20000" dir="5400000" rotWithShape="0">
+              <a:srgbClr val="000000">
+                <a:alpha val="38000"/>
+              </a:srgbClr>
+            </a:outerShdw>
+          </a:effectLst>
+        </a:effectStyle>
+        <a:effectStyle>
+          <a:effectLst>
+            <a:outerShdw blurRad="40000" dist="23000" dir="5400000" rotWithShape="0">
+              <a:srgbClr val="000000">
+                <a:alpha val="35000"/>
+              </a:srgbClr>
+            </a:outerShdw>
+          </a:effectLst>
+        </a:effectStyle>
+        <a:effectStyle>
+          <a:effectLst>
+            <a:outerShdw blurRad="40000" dist="23000" dir="5400000" rotWithShape="0">
+              <a:srgbClr val="000000">
+                <a:alpha val="35000"/>
+              </a:srgbClr>
+            </a:outerShdw>
+          </a:effectLst>
+          <a:scene3d>
+            <a:camera prst="orthographicFront">
+              <a:rot lat="0" lon="0" rev="0"/>
+            </a:camera>
+            <a:lightRig rig="threePt" dir="t">
+              <a:rot lat="0" lon="0" rev="1200000"/>
+            </a:lightRig>
+          </a:scene3d>
+          <a:sp3d>
+            <a:bevelT w="63500" h="25400"/>
+          </a:sp3d>
+        </a:effectStyle>
+      </a:effectStyleLst>
+      <a:bgFillStyleLst>
+        <a:solidFill>
+          <a:schemeClr val="phClr"/>
+        </a:solidFill>
+        <a:gradFill rotWithShape="1">
+          <a:gsLst>
+            <a:gs pos="0">
+              <a:schemeClr val="phClr">
+                <a:tint val="40000"/>
+                <a:satMod val="350000"/>
+              </a:schemeClr>
+            </a:gs>
+            <a:gs pos="40000">
+              <a:schemeClr val="phClr">
+                <a:tint val="45000"/>
+                <a:shade val="99000"/>
+                <a:satMod val="350000"/>
+              </a:schemeClr>
+            </a:gs>
+            <a:gs pos="100000">
+              <a:schemeClr val="phClr">
+                <a:shade val="20000"/>
+                <a:satMod val="255000"/>
+              </a:schemeClr>
+            </a:gs>
+          </a:gsLst>
+          <a:path path="circle">
+            <a:fillToRect l="50000" t="-80000" r="50000" b="180000"/>
+          </a:path>
+        </a:gradFill>
+        <a:gradFill rotWithShape="1">
+          <a:gsLst>
+            <a:gs pos="0">
+              <a:schemeClr val="phClr">
+                <a:tint val="80000"/>
+                <a:satMod val="300000"/>
+              </a:schemeClr>
+            </a:gs>
+            <a:gs pos="100000">
+              <a:schemeClr val="phClr">
+                <a:shade val="30000"/>
+                <a:satMod val="200000"/>
+              </a:schemeClr>
+            </a:gs>
+          </a:gsLst>
+          <a:path path="circle">
+            <a:fillToRect l="50000" t="50000" r="50000" b="50000"/>
+          </a:path>
+        </a:gradFill>
+      </a:bgFillStyleLst>
+    </a:fmtScheme>
+  </a:themeElements>
+  <a:objectDefaults>
+    <a:spDef>
+      <a:spPr/>
+      <a:bodyPr/>
+      <a:lstStyle/>
+      <a:style>
+        <a:lnRef idx="1">
+          <a:schemeClr val="accent1"/>
+        </a:lnRef>
+        <a:fillRef idx="3">
+          <a:schemeClr val="accent1"/>
+        </a:fillRef>
+        <a:effectRef idx="2">
+          <a:schemeClr val="accent1"/>
+        </a:effectRef>
+        <a:fontRef idx="minor">
+          <a:schemeClr val="lt1"/>
+        </a:fontRef>
+      </a:style>
+    </a:spDef>
+    <a:lnDef>
+      <a:spPr/>
+      <a:bodyPr/>
+      <a:lstStyle/>
+      <a:style>
+        <a:lnRef idx="2">
+          <a:schemeClr val="accent1"/>
+        </a:lnRef>
+        <a:fillRef idx="0">
+          <a:schemeClr val="accent1"/>
+        </a:fillRef>
+        <a:effectRef idx="1">
+          <a:schemeClr val="accent1"/>
+        </a:effectRef>
+        <a:fontRef idx="minor">
+          <a:schemeClr val="tx1"/>
+        </a:fontRef>
+      </a:style>
+    </a:lnDef>
+  </a:objectDefaults>
+  <a:extraClrSchemeLst/>
+</a:theme>
 </file>
--- a/Slides/Nipun Slides.pptx
+++ b/Slides/Nipun Slides.pptx
@@ -122,7 +122,18 @@
   </p:defaultTextStyle>
   <p:extLst>
     <p:ext uri="{EFAFB233-063F-42B5-8137-9DF3F51BA10A}">
-      <p15:sldGuideLst xmlns:p15="http://schemas.microsoft.com/office/powerpoint/2012/main" xmlns=""/>
+      <p15:sldGuideLst xmlns:p15="http://schemas.microsoft.com/office/powerpoint/2012/main">
+        <p15:guide id="1" orient="horz" pos="2160">
+          <p15:clr>
+            <a:srgbClr val="A4A3A4"/>
+          </p15:clr>
+        </p15:guide>
+        <p15:guide id="2" pos="3840">
+          <p15:clr>
+            <a:srgbClr val="A4A3A4"/>
+          </p15:clr>
+        </p15:guide>
+      </p15:sldGuideLst>
     </p:ext>
   </p:extLst>
 </p:presentation>
@@ -210,7 +221,7 @@
           <a:p>
             <a:fld id="{1F610506-66FC-CF4B-A9AD-E95B9DFBCF86}" type="datetimeFigureOut">
               <a:rPr lang="en-US" smtClean="0"/>
-              <a:t>12/2/16</a:t>
+              <a:t>12/2/2016</a:t>
             </a:fld>
             <a:endParaRPr lang="en-US"/>
           </a:p>
@@ -274,38 +285,37 @@
           <a:p>
             <a:pPr lvl="0"/>
             <a:r>
-              <a:rPr lang="en-US" smtClean="0"/>
+              <a:rPr lang="en-US"/>
               <a:t>Click to edit Master text styles</a:t>
             </a:r>
           </a:p>
           <a:p>
             <a:pPr lvl="1"/>
             <a:r>
-              <a:rPr lang="en-US" smtClean="0"/>
+              <a:rPr lang="en-US"/>
               <a:t>Second level</a:t>
             </a:r>
           </a:p>
           <a:p>
             <a:pPr lvl="2"/>
             <a:r>
-              <a:rPr lang="en-US" smtClean="0"/>
+              <a:rPr lang="en-US"/>
               <a:t>Third level</a:t>
             </a:r>
           </a:p>
           <a:p>
             <a:pPr lvl="3"/>
             <a:r>
-              <a:rPr lang="en-US" smtClean="0"/>
+              <a:rPr lang="en-US"/>
               <a:t>Fourth level</a:t>
             </a:r>
           </a:p>
           <a:p>
             <a:pPr lvl="4"/>
             <a:r>
-              <a:rPr lang="en-US" smtClean="0"/>
+              <a:rPr lang="en-US"/>
               <a:t>Fifth level</a:t>
             </a:r>
-            <a:endParaRPr lang="en-US"/>
           </a:p>
         </p:txBody>
       </p:sp>
@@ -523,341 +533,14 @@
           <a:lstStyle/>
           <a:p>
             <a:r>
-              <a:rPr lang="en-US" dirty="0" smtClean="0"/>
-              <a:t>In order to classify this data, we grouped the alcohol consumption ratings</a:t>
-            </a:r>
-            <a:r>
-              <a:rPr lang="en-US" baseline="0" dirty="0" smtClean="0"/>
-              <a:t> into a “low” group with ratings 1-3 and a “high” group with ratings 4-5.</a:t>
-            </a:r>
-            <a:endParaRPr lang="en-US" dirty="0" smtClean="0"/>
-          </a:p>
-          <a:p>
-            <a:endParaRPr lang="en-US" dirty="0" smtClean="0"/>
-          </a:p>
-          <a:p>
-            <a:r>
-              <a:rPr lang="en-US" dirty="0" smtClean="0"/>
-              <a:t>To test accuracy of models, the </a:t>
-            </a:r>
-            <a:r>
-              <a:rPr lang="en-US" dirty="0" err="1" smtClean="0"/>
-              <a:t>cross_val_predict</a:t>
-            </a:r>
-            <a:r>
-              <a:rPr lang="en-US" dirty="0" smtClean="0"/>
-              <a:t> function was used, splitting the dataset into 2 for training and testing.</a:t>
-            </a:r>
-          </a:p>
-          <a:p>
-            <a:endParaRPr lang="en-US" dirty="0" smtClean="0"/>
-          </a:p>
-          <a:p>
-            <a:r>
-              <a:rPr lang="en-US" dirty="0" smtClean="0"/>
-              <a:t>Tried</a:t>
-            </a:r>
-            <a:r>
-              <a:rPr lang="en-US" baseline="0" dirty="0" smtClean="0"/>
-              <a:t> to classify weekday and weekend alcohol consumption separately using all the variables in the dataset</a:t>
-            </a:r>
-            <a:endParaRPr lang="en-US" dirty="0" smtClean="0"/>
-          </a:p>
-          <a:p>
-            <a:endParaRPr lang="en-US" dirty="0" smtClean="0"/>
-          </a:p>
-          <a:p>
-            <a:r>
-              <a:rPr lang="en-US" dirty="0" smtClean="0"/>
-              <a:t>Considered SVM, Decision Trees, and k-Nearest</a:t>
-            </a:r>
-            <a:r>
-              <a:rPr lang="en-US" baseline="0" dirty="0" smtClean="0"/>
-              <a:t> Neighbors</a:t>
-            </a:r>
-            <a:endParaRPr lang="en-US" dirty="0" smtClean="0"/>
-          </a:p>
-          <a:p>
-            <a:endParaRPr lang="en-US" dirty="0" smtClean="0"/>
-          </a:p>
-          <a:p>
-            <a:r>
-              <a:rPr lang="en-US" dirty="0" smtClean="0"/>
-              <a:t>These are the parameters that resulted in the highest accuracies</a:t>
-            </a:r>
-          </a:p>
-          <a:p>
-            <a:endParaRPr lang="en-US" dirty="0" smtClean="0"/>
-          </a:p>
-          <a:p>
-            <a:r>
-              <a:rPr lang="en-US" dirty="0" smtClean="0"/>
-              <a:t>If the independent</a:t>
-            </a:r>
-            <a:r>
-              <a:rPr lang="en-US" baseline="0" dirty="0" smtClean="0"/>
-              <a:t> variables were limited, accuracies went down.</a:t>
-            </a:r>
-          </a:p>
-          <a:p>
-            <a:endParaRPr lang="en-US" baseline="0" dirty="0" smtClean="0"/>
-          </a:p>
-          <a:p>
-            <a:pPr marL="0" marR="0" indent="0" algn="l" defTabSz="457200" rtl="0" eaLnBrk="1" fontAlgn="auto" latinLnBrk="0" hangingPunct="1">
-              <a:lnSpc>
-                <a:spcPct val="100000"/>
-              </a:lnSpc>
-              <a:spcBef>
-                <a:spcPts val="0"/>
-              </a:spcBef>
-              <a:spcAft>
-                <a:spcPts val="0"/>
-              </a:spcAft>
-              <a:buClrTx/>
-              <a:buSzTx/>
-              <a:buFontTx/>
-              <a:buNone/>
-              <a:tabLst/>
-              <a:defRPr/>
-            </a:pPr>
-            <a:r>
-              <a:rPr lang="en-US" baseline="0" dirty="0" smtClean="0"/>
-              <a:t>We also tried using neural networks</a:t>
-            </a:r>
-          </a:p>
-          <a:p>
-            <a:pPr marL="0" marR="0" indent="0" algn="l" defTabSz="457200" rtl="0" eaLnBrk="1" fontAlgn="auto" latinLnBrk="0" hangingPunct="1">
-              <a:lnSpc>
-                <a:spcPct val="100000"/>
-              </a:lnSpc>
-              <a:spcBef>
-                <a:spcPts val="0"/>
-              </a:spcBef>
-              <a:spcAft>
-                <a:spcPts val="0"/>
-              </a:spcAft>
-              <a:buClrTx/>
-              <a:buSzTx/>
-              <a:buFontTx/>
-              <a:buNone/>
-              <a:tabLst/>
-              <a:defRPr/>
-            </a:pPr>
-            <a:r>
-              <a:rPr lang="en-US" baseline="0" dirty="0" smtClean="0"/>
-              <a:t>	[and found 125 nodes consistently produced the best results, despite random initialization]</a:t>
-            </a:r>
-          </a:p>
-          <a:p>
-            <a:pPr marL="0" marR="0" indent="0" algn="l" defTabSz="457200" rtl="0" eaLnBrk="1" fontAlgn="auto" latinLnBrk="0" hangingPunct="1">
-              <a:lnSpc>
-                <a:spcPct val="100000"/>
-              </a:lnSpc>
-              <a:spcBef>
-                <a:spcPts val="0"/>
-              </a:spcBef>
-              <a:spcAft>
-                <a:spcPts val="0"/>
-              </a:spcAft>
-              <a:buClrTx/>
-              <a:buSzTx/>
-              <a:buFontTx/>
-              <a:buNone/>
-              <a:tabLst/>
-              <a:defRPr/>
-            </a:pPr>
-            <a:r>
-              <a:rPr lang="en-US" baseline="0" dirty="0" smtClean="0"/>
-              <a:t>	[However, behavior was similar to SVM, and even did a little worse on weekend alcohol consumption]</a:t>
-            </a:r>
-            <a:endParaRPr lang="en-US" baseline="0" dirty="0" smtClean="0"/>
-          </a:p>
-          <a:p>
-            <a:endParaRPr lang="en-US" baseline="0" dirty="0" smtClean="0"/>
-          </a:p>
-          <a:p>
-            <a:pPr marL="0" marR="0" indent="0" algn="l" defTabSz="457200" rtl="0" eaLnBrk="1" fontAlgn="auto" latinLnBrk="0" hangingPunct="1">
-              <a:lnSpc>
-                <a:spcPct val="100000"/>
-              </a:lnSpc>
-              <a:spcBef>
-                <a:spcPts val="0"/>
-              </a:spcBef>
-              <a:spcAft>
-                <a:spcPts val="0"/>
-              </a:spcAft>
-              <a:buClrTx/>
-              <a:buSzTx/>
-              <a:buFontTx/>
-              <a:buNone/>
-              <a:tabLst/>
-              <a:defRPr/>
-            </a:pPr>
-            <a:r>
-              <a:rPr lang="en-US" dirty="0" smtClean="0"/>
-              <a:t>Had</a:t>
-            </a:r>
-            <a:r>
-              <a:rPr lang="en-US" baseline="0" dirty="0" smtClean="0"/>
-              <a:t> h</a:t>
-            </a:r>
-            <a:r>
-              <a:rPr lang="en-US" dirty="0" smtClean="0"/>
-              <a:t>igher accuracies for weekday models – however highest accuracies for those models arise from assuming low alcohol consumption regardless of input</a:t>
-            </a:r>
-            <a:r>
-              <a:rPr lang="en-US" baseline="0" dirty="0" smtClean="0"/>
-              <a:t> variables since the majority of the training data had low ratings (94.9%), seen in the confusion matrix here</a:t>
-            </a:r>
-          </a:p>
-          <a:p>
-            <a:pPr marL="0" marR="0" indent="0" algn="l" defTabSz="457200" rtl="0" eaLnBrk="1" fontAlgn="auto" latinLnBrk="0" hangingPunct="1">
-              <a:lnSpc>
-                <a:spcPct val="100000"/>
-              </a:lnSpc>
-              <a:spcBef>
-                <a:spcPts val="0"/>
-              </a:spcBef>
-              <a:spcAft>
-                <a:spcPts val="0"/>
-              </a:spcAft>
-              <a:buClrTx/>
-              <a:buSzTx/>
-              <a:buFontTx/>
-              <a:buNone/>
-              <a:tabLst/>
-              <a:defRPr/>
-            </a:pPr>
-            <a:endParaRPr lang="en-US" baseline="0" dirty="0" smtClean="0"/>
-          </a:p>
-          <a:p>
-            <a:pPr marL="0" marR="0" indent="0" algn="l" defTabSz="457200" rtl="0" eaLnBrk="1" fontAlgn="auto" latinLnBrk="0" hangingPunct="1">
-              <a:lnSpc>
-                <a:spcPct val="100000"/>
-              </a:lnSpc>
-              <a:spcBef>
-                <a:spcPts val="0"/>
-              </a:spcBef>
-              <a:spcAft>
-                <a:spcPts val="0"/>
-              </a:spcAft>
-              <a:buClrTx/>
-              <a:buSzTx/>
-              <a:buFontTx/>
-              <a:buNone/>
-              <a:tabLst/>
-              <a:defRPr/>
-            </a:pPr>
-            <a:r>
-              <a:rPr lang="en-US" baseline="0" dirty="0" smtClean="0"/>
-              <a:t>Weekend models did a better job at trying to predict high alcohol consumption, even though they had lower accuracies : Decision Trees ended up with the highest accuracy of 84.2%</a:t>
-            </a:r>
-          </a:p>
-          <a:p>
-            <a:pPr marL="0" marR="0" indent="0" algn="l" defTabSz="457200" rtl="0" eaLnBrk="1" fontAlgn="auto" latinLnBrk="0" hangingPunct="1">
-              <a:lnSpc>
-                <a:spcPct val="100000"/>
-              </a:lnSpc>
-              <a:spcBef>
-                <a:spcPts val="0"/>
-              </a:spcBef>
-              <a:spcAft>
-                <a:spcPts val="0"/>
-              </a:spcAft>
-              <a:buClrTx/>
-              <a:buSzTx/>
-              <a:buFontTx/>
-              <a:buNone/>
-              <a:tabLst/>
-              <a:defRPr/>
-            </a:pPr>
-            <a:endParaRPr lang="en-US" baseline="0" dirty="0" smtClean="0"/>
-          </a:p>
-          <a:p>
-            <a:pPr marL="0" marR="0" indent="0" algn="l" defTabSz="457200" rtl="0" eaLnBrk="1" fontAlgn="auto" latinLnBrk="0" hangingPunct="1">
-              <a:lnSpc>
-                <a:spcPct val="100000"/>
-              </a:lnSpc>
-              <a:spcBef>
-                <a:spcPts val="0"/>
-              </a:spcBef>
-              <a:spcAft>
-                <a:spcPts val="0"/>
-              </a:spcAft>
-              <a:buClrTx/>
-              <a:buSzTx/>
-              <a:buFontTx/>
-              <a:buNone/>
-              <a:tabLst/>
-              <a:defRPr/>
-            </a:pPr>
-            <a:r>
-              <a:rPr lang="en-US" baseline="0" dirty="0" smtClean="0"/>
-              <a:t>	[Decision Tree Primary splits: Father’s job]</a:t>
-            </a:r>
-          </a:p>
-          <a:p>
-            <a:pPr marL="0" marR="0" indent="0" algn="l" defTabSz="457200" rtl="0" eaLnBrk="1" fontAlgn="auto" latinLnBrk="0" hangingPunct="1">
-              <a:lnSpc>
-                <a:spcPct val="100000"/>
-              </a:lnSpc>
-              <a:spcBef>
-                <a:spcPts val="0"/>
-              </a:spcBef>
-              <a:spcAft>
-                <a:spcPts val="0"/>
-              </a:spcAft>
-              <a:buClrTx/>
-              <a:buSzTx/>
-              <a:buFontTx/>
-              <a:buNone/>
-              <a:tabLst/>
-              <a:defRPr/>
-            </a:pPr>
-            <a:endParaRPr lang="en-US" baseline="0" dirty="0" smtClean="0"/>
-          </a:p>
-          <a:p>
-            <a:pPr marL="0" marR="0" indent="0" algn="l" defTabSz="457200" rtl="0" eaLnBrk="1" fontAlgn="auto" latinLnBrk="0" hangingPunct="1">
-              <a:lnSpc>
-                <a:spcPct val="100000"/>
-              </a:lnSpc>
-              <a:spcBef>
-                <a:spcPts val="0"/>
-              </a:spcBef>
-              <a:spcAft>
-                <a:spcPts val="0"/>
-              </a:spcAft>
-              <a:buClrTx/>
-              <a:buSzTx/>
-              <a:buFontTx/>
-              <a:buNone/>
-              <a:tabLst/>
-              <a:defRPr/>
-            </a:pPr>
-            <a:r>
-              <a:rPr lang="en-US" baseline="0" dirty="0" smtClean="0"/>
-              <a:t>	[If a rating of 3 was considered high instead of low, accuracies also went down, but the models did better at trying to predict high alcohol 	consumption. However, we stuck with keeping 3 in the low category due to wording in the survey.]</a:t>
-            </a:r>
-          </a:p>
-          <a:p>
-            <a:pPr marL="0" marR="0" indent="0" algn="l" defTabSz="457200" rtl="0" eaLnBrk="1" fontAlgn="auto" latinLnBrk="0" hangingPunct="1">
-              <a:lnSpc>
-                <a:spcPct val="100000"/>
-              </a:lnSpc>
-              <a:spcBef>
-                <a:spcPts val="0"/>
-              </a:spcBef>
-              <a:spcAft>
-                <a:spcPts val="0"/>
-              </a:spcAft>
-              <a:buClrTx/>
-              <a:buSzTx/>
-              <a:buFontTx/>
-              <a:buNone/>
-              <a:tabLst/>
-              <a:defRPr/>
-            </a:pPr>
-            <a:endParaRPr lang="en-US" baseline="0" dirty="0" smtClean="0"/>
+              <a:rPr lang="en-US" dirty="0"/>
+              <a:t>We</a:t>
+            </a:r>
+            <a:r>
+              <a:rPr lang="en-US" baseline="0" dirty="0"/>
+              <a:t> used data gathered from 2 Portuguese secondary schools.  Alcohol consumption was rated from 1-very low to 5-very high.  We also gathered data from University of Utah students through a survey.  Our major data cleaning challenge involved merging data for students who were surveyed twice.</a:t>
+            </a:r>
+            <a:endParaRPr lang="en-US" dirty="0"/>
           </a:p>
         </p:txBody>
       </p:sp>
@@ -876,9 +559,9 @@
           <a:bodyPr/>
           <a:lstStyle/>
           <a:p>
-            <a:fld id="{74676316-F0E1-404C-9137-82F8B80F0ABA}" type="slidenum">
+            <a:fld id="{F45F298B-74C0-B045-BDBE-1A2F42CC094F}" type="slidenum">
               <a:rPr lang="en-US" smtClean="0"/>
-              <a:t>3</a:t>
+              <a:t>1</a:t>
             </a:fld>
             <a:endParaRPr lang="en-US"/>
           </a:p>
@@ -887,7 +570,7 @@
     </p:spTree>
     <p:extLst>
       <p:ext uri="{BB962C8B-B14F-4D97-AF65-F5344CB8AC3E}">
-        <p14:creationId xmlns:p14="http://schemas.microsoft.com/office/powerpoint/2010/main" val="1352575294"/>
+        <p14:creationId xmlns:p14="http://schemas.microsoft.com/office/powerpoint/2010/main" val="3125152023"/>
       </p:ext>
     </p:extLst>
   </p:cSld>
@@ -942,73 +625,491 @@
           <a:lstStyle/>
           <a:p>
             <a:r>
-              <a:rPr lang="en-US" dirty="0" smtClean="0"/>
+              <a:rPr lang="en-US" dirty="0"/>
+              <a:t>In order to classify this data, we grouped the alcohol consumption ratings</a:t>
+            </a:r>
+            <a:r>
+              <a:rPr lang="en-US" baseline="0" dirty="0"/>
+              <a:t> into a “low” group with ratings 1-3 and a “high” group with ratings 4-5.</a:t>
+            </a:r>
+            <a:endParaRPr lang="en-US" dirty="0"/>
+          </a:p>
+          <a:p>
+            <a:endParaRPr lang="en-US" dirty="0"/>
+          </a:p>
+          <a:p>
+            <a:r>
+              <a:rPr lang="en-US" dirty="0"/>
+              <a:t>To test accuracy of models, the </a:t>
+            </a:r>
+            <a:r>
+              <a:rPr lang="en-US" dirty="0" err="1"/>
+              <a:t>cross_val_predict</a:t>
+            </a:r>
+            <a:r>
+              <a:rPr lang="en-US" dirty="0"/>
+              <a:t> function was used, splitting the dataset into 2 for training and testing.</a:t>
+            </a:r>
+          </a:p>
+          <a:p>
+            <a:endParaRPr lang="en-US" dirty="0"/>
+          </a:p>
+          <a:p>
+            <a:r>
+              <a:rPr lang="en-US" dirty="0"/>
+              <a:t>Tried</a:t>
+            </a:r>
+            <a:r>
+              <a:rPr lang="en-US" baseline="0" dirty="0"/>
+              <a:t> to classify weekday and weekend alcohol consumption separately using all the variables in the dataset</a:t>
+            </a:r>
+            <a:endParaRPr lang="en-US" dirty="0"/>
+          </a:p>
+          <a:p>
+            <a:endParaRPr lang="en-US" dirty="0"/>
+          </a:p>
+          <a:p>
+            <a:r>
+              <a:rPr lang="en-US" dirty="0"/>
+              <a:t>Considered SVM, Decision Trees, and k-Nearest</a:t>
+            </a:r>
+            <a:r>
+              <a:rPr lang="en-US" baseline="0" dirty="0"/>
+              <a:t> Neighbors</a:t>
+            </a:r>
+            <a:endParaRPr lang="en-US" dirty="0"/>
+          </a:p>
+          <a:p>
+            <a:endParaRPr lang="en-US" dirty="0"/>
+          </a:p>
+          <a:p>
+            <a:r>
+              <a:rPr lang="en-US" dirty="0"/>
+              <a:t>These are the parameters that resulted in the highest accuracies</a:t>
+            </a:r>
+          </a:p>
+          <a:p>
+            <a:endParaRPr lang="en-US" dirty="0"/>
+          </a:p>
+          <a:p>
+            <a:r>
+              <a:rPr lang="en-US" dirty="0"/>
+              <a:t>If the independent</a:t>
+            </a:r>
+            <a:r>
+              <a:rPr lang="en-US" baseline="0" dirty="0"/>
+              <a:t> variables were limited, accuracies went down.</a:t>
+            </a:r>
+          </a:p>
+          <a:p>
+            <a:endParaRPr lang="en-US" baseline="0" dirty="0"/>
+          </a:p>
+          <a:p>
+            <a:pPr marL="0" marR="0" indent="0" algn="l" defTabSz="457200" rtl="0" eaLnBrk="1" fontAlgn="auto" latinLnBrk="0" hangingPunct="1">
+              <a:lnSpc>
+                <a:spcPct val="100000"/>
+              </a:lnSpc>
+              <a:spcBef>
+                <a:spcPts val="0"/>
+              </a:spcBef>
+              <a:spcAft>
+                <a:spcPts val="0"/>
+              </a:spcAft>
+              <a:buClrTx/>
+              <a:buSzTx/>
+              <a:buFontTx/>
+              <a:buNone/>
+              <a:tabLst/>
+              <a:defRPr/>
+            </a:pPr>
+            <a:r>
+              <a:rPr lang="en-US" baseline="0" dirty="0"/>
+              <a:t>We also tried using neural networks</a:t>
+            </a:r>
+          </a:p>
+          <a:p>
+            <a:pPr marL="0" marR="0" indent="0" algn="l" defTabSz="457200" rtl="0" eaLnBrk="1" fontAlgn="auto" latinLnBrk="0" hangingPunct="1">
+              <a:lnSpc>
+                <a:spcPct val="100000"/>
+              </a:lnSpc>
+              <a:spcBef>
+                <a:spcPts val="0"/>
+              </a:spcBef>
+              <a:spcAft>
+                <a:spcPts val="0"/>
+              </a:spcAft>
+              <a:buClrTx/>
+              <a:buSzTx/>
+              <a:buFontTx/>
+              <a:buNone/>
+              <a:tabLst/>
+              <a:defRPr/>
+            </a:pPr>
+            <a:r>
+              <a:rPr lang="en-US" baseline="0" dirty="0"/>
+              <a:t>	[and found 125 nodes consistently produced the best results, despite random initialization]</a:t>
+            </a:r>
+          </a:p>
+          <a:p>
+            <a:pPr marL="0" marR="0" indent="0" algn="l" defTabSz="457200" rtl="0" eaLnBrk="1" fontAlgn="auto" latinLnBrk="0" hangingPunct="1">
+              <a:lnSpc>
+                <a:spcPct val="100000"/>
+              </a:lnSpc>
+              <a:spcBef>
+                <a:spcPts val="0"/>
+              </a:spcBef>
+              <a:spcAft>
+                <a:spcPts val="0"/>
+              </a:spcAft>
+              <a:buClrTx/>
+              <a:buSzTx/>
+              <a:buFontTx/>
+              <a:buNone/>
+              <a:tabLst/>
+              <a:defRPr/>
+            </a:pPr>
+            <a:r>
+              <a:rPr lang="en-US" baseline="0" dirty="0"/>
+              <a:t>	[However, behavior was similar to SVM, and even did a little worse on weekend alcohol consumption]</a:t>
+            </a:r>
+          </a:p>
+          <a:p>
+            <a:endParaRPr lang="en-US" baseline="0" dirty="0"/>
+          </a:p>
+          <a:p>
+            <a:pPr marL="0" marR="0" indent="0" algn="l" defTabSz="457200" rtl="0" eaLnBrk="1" fontAlgn="auto" latinLnBrk="0" hangingPunct="1">
+              <a:lnSpc>
+                <a:spcPct val="100000"/>
+              </a:lnSpc>
+              <a:spcBef>
+                <a:spcPts val="0"/>
+              </a:spcBef>
+              <a:spcAft>
+                <a:spcPts val="0"/>
+              </a:spcAft>
+              <a:buClrTx/>
+              <a:buSzTx/>
+              <a:buFontTx/>
+              <a:buNone/>
+              <a:tabLst/>
+              <a:defRPr/>
+            </a:pPr>
+            <a:r>
+              <a:rPr lang="en-US" dirty="0"/>
+              <a:t>Had</a:t>
+            </a:r>
+            <a:r>
+              <a:rPr lang="en-US" baseline="0" dirty="0"/>
+              <a:t> h</a:t>
+            </a:r>
+            <a:r>
+              <a:rPr lang="en-US" dirty="0"/>
+              <a:t>igher accuracies for weekday models – however highest accuracies for those models arise from assuming low alcohol consumption regardless of input</a:t>
+            </a:r>
+            <a:r>
+              <a:rPr lang="en-US" baseline="0" dirty="0"/>
+              <a:t> variables since the majority of the training data had low ratings (94.9%), seen in the confusion matrix here</a:t>
+            </a:r>
+          </a:p>
+          <a:p>
+            <a:pPr marL="0" marR="0" indent="0" algn="l" defTabSz="457200" rtl="0" eaLnBrk="1" fontAlgn="auto" latinLnBrk="0" hangingPunct="1">
+              <a:lnSpc>
+                <a:spcPct val="100000"/>
+              </a:lnSpc>
+              <a:spcBef>
+                <a:spcPts val="0"/>
+              </a:spcBef>
+              <a:spcAft>
+                <a:spcPts val="0"/>
+              </a:spcAft>
+              <a:buClrTx/>
+              <a:buSzTx/>
+              <a:buFontTx/>
+              <a:buNone/>
+              <a:tabLst/>
+              <a:defRPr/>
+            </a:pPr>
+            <a:endParaRPr lang="en-US" baseline="0" dirty="0"/>
+          </a:p>
+          <a:p>
+            <a:pPr marL="0" marR="0" indent="0" algn="l" defTabSz="457200" rtl="0" eaLnBrk="1" fontAlgn="auto" latinLnBrk="0" hangingPunct="1">
+              <a:lnSpc>
+                <a:spcPct val="100000"/>
+              </a:lnSpc>
+              <a:spcBef>
+                <a:spcPts val="0"/>
+              </a:spcBef>
+              <a:spcAft>
+                <a:spcPts val="0"/>
+              </a:spcAft>
+              <a:buClrTx/>
+              <a:buSzTx/>
+              <a:buFontTx/>
+              <a:buNone/>
+              <a:tabLst/>
+              <a:defRPr/>
+            </a:pPr>
+            <a:r>
+              <a:rPr lang="en-US" baseline="0" dirty="0"/>
+              <a:t>Weekend models did a better job at trying to predict high alcohol consumption, even though they had lower accuracies : Decision Trees ended up with the highest accuracy of 84.2%</a:t>
+            </a:r>
+          </a:p>
+          <a:p>
+            <a:pPr marL="0" marR="0" indent="0" algn="l" defTabSz="457200" rtl="0" eaLnBrk="1" fontAlgn="auto" latinLnBrk="0" hangingPunct="1">
+              <a:lnSpc>
+                <a:spcPct val="100000"/>
+              </a:lnSpc>
+              <a:spcBef>
+                <a:spcPts val="0"/>
+              </a:spcBef>
+              <a:spcAft>
+                <a:spcPts val="0"/>
+              </a:spcAft>
+              <a:buClrTx/>
+              <a:buSzTx/>
+              <a:buFontTx/>
+              <a:buNone/>
+              <a:tabLst/>
+              <a:defRPr/>
+            </a:pPr>
+            <a:endParaRPr lang="en-US" baseline="0" dirty="0"/>
+          </a:p>
+          <a:p>
+            <a:pPr marL="0" marR="0" indent="0" algn="l" defTabSz="457200" rtl="0" eaLnBrk="1" fontAlgn="auto" latinLnBrk="0" hangingPunct="1">
+              <a:lnSpc>
+                <a:spcPct val="100000"/>
+              </a:lnSpc>
+              <a:spcBef>
+                <a:spcPts val="0"/>
+              </a:spcBef>
+              <a:spcAft>
+                <a:spcPts val="0"/>
+              </a:spcAft>
+              <a:buClrTx/>
+              <a:buSzTx/>
+              <a:buFontTx/>
+              <a:buNone/>
+              <a:tabLst/>
+              <a:defRPr/>
+            </a:pPr>
+            <a:r>
+              <a:rPr lang="en-US" baseline="0" dirty="0"/>
+              <a:t>	[Decision Tree Primary splits: Father’s job]</a:t>
+            </a:r>
+          </a:p>
+          <a:p>
+            <a:pPr marL="0" marR="0" indent="0" algn="l" defTabSz="457200" rtl="0" eaLnBrk="1" fontAlgn="auto" latinLnBrk="0" hangingPunct="1">
+              <a:lnSpc>
+                <a:spcPct val="100000"/>
+              </a:lnSpc>
+              <a:spcBef>
+                <a:spcPts val="0"/>
+              </a:spcBef>
+              <a:spcAft>
+                <a:spcPts val="0"/>
+              </a:spcAft>
+              <a:buClrTx/>
+              <a:buSzTx/>
+              <a:buFontTx/>
+              <a:buNone/>
+              <a:tabLst/>
+              <a:defRPr/>
+            </a:pPr>
+            <a:endParaRPr lang="en-US" baseline="0" dirty="0"/>
+          </a:p>
+          <a:p>
+            <a:pPr marL="0" marR="0" indent="0" algn="l" defTabSz="457200" rtl="0" eaLnBrk="1" fontAlgn="auto" latinLnBrk="0" hangingPunct="1">
+              <a:lnSpc>
+                <a:spcPct val="100000"/>
+              </a:lnSpc>
+              <a:spcBef>
+                <a:spcPts val="0"/>
+              </a:spcBef>
+              <a:spcAft>
+                <a:spcPts val="0"/>
+              </a:spcAft>
+              <a:buClrTx/>
+              <a:buSzTx/>
+              <a:buFontTx/>
+              <a:buNone/>
+              <a:tabLst/>
+              <a:defRPr/>
+            </a:pPr>
+            <a:r>
+              <a:rPr lang="en-US" baseline="0" dirty="0"/>
+              <a:t>	[If a rating of 3 was considered high instead of low, accuracies also went down, but the models did better at trying to predict high alcohol 	consumption. However, we stuck with keeping 3 in the low category due to wording in the survey.]</a:t>
+            </a:r>
+          </a:p>
+          <a:p>
+            <a:pPr marL="0" marR="0" indent="0" algn="l" defTabSz="457200" rtl="0" eaLnBrk="1" fontAlgn="auto" latinLnBrk="0" hangingPunct="1">
+              <a:lnSpc>
+                <a:spcPct val="100000"/>
+              </a:lnSpc>
+              <a:spcBef>
+                <a:spcPts val="0"/>
+              </a:spcBef>
+              <a:spcAft>
+                <a:spcPts val="0"/>
+              </a:spcAft>
+              <a:buClrTx/>
+              <a:buSzTx/>
+              <a:buFontTx/>
+              <a:buNone/>
+              <a:tabLst/>
+              <a:defRPr/>
+            </a:pPr>
+            <a:endParaRPr lang="en-US" baseline="0" dirty="0"/>
+          </a:p>
+        </p:txBody>
+      </p:sp>
+      <p:sp>
+        <p:nvSpPr>
+          <p:cNvPr id="4" name="Slide Number Placeholder 3"/>
+          <p:cNvSpPr>
+            <a:spLocks noGrp="1"/>
+          </p:cNvSpPr>
+          <p:nvPr>
+            <p:ph type="sldNum" sz="quarter" idx="10"/>
+          </p:nvPr>
+        </p:nvSpPr>
+        <p:spPr/>
+        <p:txBody>
+          <a:bodyPr/>
+          <a:lstStyle/>
+          <a:p>
+            <a:fld id="{74676316-F0E1-404C-9137-82F8B80F0ABA}" type="slidenum">
+              <a:rPr lang="en-US" smtClean="0"/>
+              <a:t>3</a:t>
+            </a:fld>
+            <a:endParaRPr lang="en-US"/>
+          </a:p>
+        </p:txBody>
+      </p:sp>
+    </p:spTree>
+    <p:extLst>
+      <p:ext uri="{BB962C8B-B14F-4D97-AF65-F5344CB8AC3E}">
+        <p14:creationId xmlns:p14="http://schemas.microsoft.com/office/powerpoint/2010/main" val="1352575294"/>
+      </p:ext>
+    </p:extLst>
+  </p:cSld>
+  <p:clrMapOvr>
+    <a:masterClrMapping/>
+  </p:clrMapOvr>
+</p:notes>
+</file>
+
+<file path=ppt/notesSlides/notesSlide3.xml><?xml version="1.0" encoding="utf-8"?>
+<p:notes xmlns:a="http://schemas.openxmlformats.org/drawingml/2006/main" xmlns:r="http://schemas.openxmlformats.org/officeDocument/2006/relationships" xmlns:p="http://schemas.openxmlformats.org/presentationml/2006/main">
+  <p:cSld>
+    <p:spTree>
+      <p:nvGrpSpPr>
+        <p:cNvPr id="1" name=""/>
+        <p:cNvGrpSpPr/>
+        <p:nvPr/>
+      </p:nvGrpSpPr>
+      <p:grpSpPr>
+        <a:xfrm>
+          <a:off x="0" y="0"/>
+          <a:ext cx="0" cy="0"/>
+          <a:chOff x="0" y="0"/>
+          <a:chExt cx="0" cy="0"/>
+        </a:xfrm>
+      </p:grpSpPr>
+      <p:sp>
+        <p:nvSpPr>
+          <p:cNvPr id="2" name="Slide Image Placeholder 1"/>
+          <p:cNvSpPr>
+            <a:spLocks noGrp="1" noRot="1" noChangeAspect="1"/>
+          </p:cNvSpPr>
+          <p:nvPr>
+            <p:ph type="sldImg"/>
+          </p:nvPr>
+        </p:nvSpPr>
+        <p:spPr/>
+      </p:sp>
+      <p:sp>
+        <p:nvSpPr>
+          <p:cNvPr id="3" name="Notes Placeholder 2"/>
+          <p:cNvSpPr>
+            <a:spLocks noGrp="1"/>
+          </p:cNvSpPr>
+          <p:nvPr>
+            <p:ph type="body" idx="1"/>
+          </p:nvPr>
+        </p:nvSpPr>
+        <p:spPr/>
+        <p:txBody>
+          <a:bodyPr/>
+          <a:lstStyle/>
+          <a:p>
+            <a:r>
+              <a:rPr lang="en-US" dirty="0"/>
               <a:t>Also tried using regression to potentially be able to predict</a:t>
             </a:r>
             <a:r>
-              <a:rPr lang="en-US" baseline="0" dirty="0" smtClean="0"/>
+              <a:rPr lang="en-US" baseline="0" dirty="0"/>
               <a:t> an alcohol consumption rating 1 – 5 from inputs</a:t>
             </a:r>
-            <a:endParaRPr lang="en-US" dirty="0" smtClean="0"/>
-          </a:p>
-          <a:p>
-            <a:endParaRPr lang="en-US" dirty="0" smtClean="0"/>
-          </a:p>
-          <a:p>
-            <a:r>
-              <a:rPr lang="en-US" dirty="0" smtClean="0"/>
+            <a:endParaRPr lang="en-US" dirty="0"/>
+          </a:p>
+          <a:p>
+            <a:endParaRPr lang="en-US" dirty="0"/>
+          </a:p>
+          <a:p>
+            <a:r>
+              <a:rPr lang="en-US" dirty="0"/>
               <a:t>Best results came from</a:t>
             </a:r>
             <a:r>
-              <a:rPr lang="en-US" baseline="0" dirty="0" smtClean="0"/>
+              <a:rPr lang="en-US" baseline="0" dirty="0"/>
               <a:t> using these variables</a:t>
             </a:r>
           </a:p>
           <a:p>
             <a:r>
-              <a:rPr lang="en-US" baseline="0" dirty="0" smtClean="0"/>
+              <a:rPr lang="en-US" baseline="0" dirty="0"/>
               <a:t>	[, which had the highest correlation with weekday and weekend alcohol consumption ratings</a:t>
             </a:r>
           </a:p>
           <a:p>
             <a:r>
-              <a:rPr lang="en-US" baseline="0" dirty="0" smtClean="0"/>
+              <a:rPr lang="en-US" baseline="0" dirty="0"/>
               <a:t>	though the highest was between the weekday and weekend ratings themselves with only 62%]</a:t>
             </a:r>
-            <a:endParaRPr lang="en-US" dirty="0" smtClean="0"/>
-          </a:p>
-          <a:p>
-            <a:endParaRPr lang="en-US" dirty="0" smtClean="0"/>
-          </a:p>
-          <a:p>
-            <a:r>
-              <a:rPr lang="en-US" dirty="0" smtClean="0"/>
+            <a:endParaRPr lang="en-US" dirty="0"/>
+          </a:p>
+          <a:p>
+            <a:endParaRPr lang="en-US" dirty="0"/>
+          </a:p>
+          <a:p>
+            <a:r>
+              <a:rPr lang="en-US" dirty="0"/>
               <a:t>This model only explains 48% of the variance in weekend</a:t>
             </a:r>
             <a:r>
-              <a:rPr lang="en-US" baseline="0" dirty="0" smtClean="0"/>
+              <a:rPr lang="en-US" baseline="0" dirty="0"/>
               <a:t> alcohol consumption rating with the independent variables considered</a:t>
             </a:r>
           </a:p>
           <a:p>
-            <a:endParaRPr lang="en-US" baseline="0" dirty="0" smtClean="0"/>
-          </a:p>
-          <a:p>
-            <a:r>
-              <a:rPr lang="en-US" dirty="0" smtClean="0"/>
+            <a:endParaRPr lang="en-US" baseline="0" dirty="0"/>
+          </a:p>
+          <a:p>
+            <a:r>
+              <a:rPr lang="en-US" dirty="0"/>
               <a:t>And it’s</a:t>
             </a:r>
             <a:r>
-              <a:rPr lang="en-US" baseline="0" dirty="0" smtClean="0"/>
+              <a:rPr lang="en-US" baseline="0" dirty="0"/>
               <a:t> not necessarily a useful model as it requires knowing the weekday rating to guess the weekend rating</a:t>
             </a:r>
           </a:p>
           <a:p>
-            <a:endParaRPr lang="en-US" baseline="0" dirty="0" smtClean="0"/>
-          </a:p>
-          <a:p>
-            <a:r>
-              <a:rPr lang="en-US" baseline="0" dirty="0" smtClean="0"/>
+            <a:endParaRPr lang="en-US" baseline="0" dirty="0"/>
+          </a:p>
+          <a:p>
+            <a:r>
+              <a:rPr lang="en-US" baseline="0" dirty="0"/>
               <a:t>	[However, if we remove the weekday rating from the independent variables, the R-squared goes down to 27%]</a:t>
             </a:r>
             <a:endParaRPr lang="en-US" dirty="0"/>
@@ -1180,7 +1281,7 @@
           <a:p>
             <a:fld id="{C6726D26-662B-144D-9DCE-CC9459C07D55}" type="datetimeFigureOut">
               <a:rPr lang="en-US" smtClean="0"/>
-              <a:t>12/2/16</a:t>
+              <a:t>12/2/2016</a:t>
             </a:fld>
             <a:endParaRPr lang="en-US"/>
           </a:p>
@@ -1348,7 +1449,7 @@
           <a:p>
             <a:fld id="{C6726D26-662B-144D-9DCE-CC9459C07D55}" type="datetimeFigureOut">
               <a:rPr lang="en-US" smtClean="0"/>
-              <a:t>12/2/16</a:t>
+              <a:t>12/2/2016</a:t>
             </a:fld>
             <a:endParaRPr lang="en-US"/>
           </a:p>
@@ -1526,7 +1627,7 @@
           <a:p>
             <a:fld id="{C6726D26-662B-144D-9DCE-CC9459C07D55}" type="datetimeFigureOut">
               <a:rPr lang="en-US" smtClean="0"/>
-              <a:t>12/2/16</a:t>
+              <a:t>12/2/2016</a:t>
             </a:fld>
             <a:endParaRPr lang="en-US"/>
           </a:p>
@@ -1694,7 +1795,7 @@
           <a:p>
             <a:fld id="{C6726D26-662B-144D-9DCE-CC9459C07D55}" type="datetimeFigureOut">
               <a:rPr lang="en-US" smtClean="0"/>
-              <a:t>12/2/16</a:t>
+              <a:t>12/2/2016</a:t>
             </a:fld>
             <a:endParaRPr lang="en-US"/>
           </a:p>
@@ -1939,7 +2040,7 @@
           <a:p>
             <a:fld id="{C6726D26-662B-144D-9DCE-CC9459C07D55}" type="datetimeFigureOut">
               <a:rPr lang="en-US" smtClean="0"/>
-              <a:t>12/2/16</a:t>
+              <a:t>12/2/2016</a:t>
             </a:fld>
             <a:endParaRPr lang="en-US"/>
           </a:p>
@@ -2168,7 +2269,7 @@
           <a:p>
             <a:fld id="{C6726D26-662B-144D-9DCE-CC9459C07D55}" type="datetimeFigureOut">
               <a:rPr lang="en-US" smtClean="0"/>
-              <a:t>12/2/16</a:t>
+              <a:t>12/2/2016</a:t>
             </a:fld>
             <a:endParaRPr lang="en-US"/>
           </a:p>
@@ -2532,7 +2633,7 @@
           <a:p>
             <a:fld id="{C6726D26-662B-144D-9DCE-CC9459C07D55}" type="datetimeFigureOut">
               <a:rPr lang="en-US" smtClean="0"/>
-              <a:t>12/2/16</a:t>
+              <a:t>12/2/2016</a:t>
             </a:fld>
             <a:endParaRPr lang="en-US"/>
           </a:p>
@@ -2649,7 +2750,7 @@
           <a:p>
             <a:fld id="{C6726D26-662B-144D-9DCE-CC9459C07D55}" type="datetimeFigureOut">
               <a:rPr lang="en-US" smtClean="0"/>
-              <a:t>12/2/16</a:t>
+              <a:t>12/2/2016</a:t>
             </a:fld>
             <a:endParaRPr lang="en-US"/>
           </a:p>
@@ -2744,7 +2845,7 @@
           <a:p>
             <a:fld id="{C6726D26-662B-144D-9DCE-CC9459C07D55}" type="datetimeFigureOut">
               <a:rPr lang="en-US" smtClean="0"/>
-              <a:t>12/2/16</a:t>
+              <a:t>12/2/2016</a:t>
             </a:fld>
             <a:endParaRPr lang="en-US"/>
           </a:p>
@@ -3019,7 +3120,7 @@
           <a:p>
             <a:fld id="{C6726D26-662B-144D-9DCE-CC9459C07D55}" type="datetimeFigureOut">
               <a:rPr lang="en-US" smtClean="0"/>
-              <a:t>12/2/16</a:t>
+              <a:t>12/2/2016</a:t>
             </a:fld>
             <a:endParaRPr lang="en-US"/>
           </a:p>
@@ -3271,7 +3372,7 @@
           <a:p>
             <a:fld id="{C6726D26-662B-144D-9DCE-CC9459C07D55}" type="datetimeFigureOut">
               <a:rPr lang="en-US" smtClean="0"/>
-              <a:t>12/2/16</a:t>
+              <a:t>12/2/2016</a:t>
             </a:fld>
             <a:endParaRPr lang="en-US"/>
           </a:p>
@@ -3482,7 +3583,7 @@
           <a:p>
             <a:fld id="{C6726D26-662B-144D-9DCE-CC9459C07D55}" type="datetimeFigureOut">
               <a:rPr lang="en-US" smtClean="0"/>
-              <a:t>12/2/16</a:t>
+              <a:t>12/2/2016</a:t>
             </a:fld>
             <a:endParaRPr lang="en-US"/>
           </a:p>
@@ -3919,10 +4020,15 @@
             <p:ph idx="1"/>
           </p:nvPr>
         </p:nvSpPr>
-        <p:spPr/>
+        <p:spPr>
+          <a:xfrm>
+            <a:off x="838200" y="1549854"/>
+            <a:ext cx="10515600" cy="4351338"/>
+          </a:xfrm>
+        </p:spPr>
         <p:txBody>
           <a:bodyPr>
-            <a:normAutofit fontScale="92500" lnSpcReduction="10000"/>
+            <a:normAutofit/>
           </a:bodyPr>
           <a:lstStyle/>
           <a:p>
@@ -3935,28 +4041,7 @@
             <a:pPr lvl="1"/>
             <a:r>
               <a:rPr lang="en-US" dirty="0"/>
-              <a:t>Students were surveyed in either a math class or Portuguese language class</a:t>
-            </a:r>
-          </a:p>
-          <a:p>
-            <a:pPr lvl="1"/>
-            <a:r>
-              <a:rPr lang="en-US" dirty="0"/>
-              <a:t>Ages ranged from 15 to 22</a:t>
-            </a:r>
-          </a:p>
-          <a:p>
-            <a:pPr lvl="1"/>
-            <a:r>
-              <a:rPr lang="en-US" dirty="0"/>
               <a:t>Alcohol consumption was reported in terms of a 1 (very low) to 5 (very high) rating on weekdays and weekends</a:t>
-            </a:r>
-          </a:p>
-          <a:p>
-            <a:pPr lvl="1"/>
-            <a:r>
-              <a:rPr lang="en-US" dirty="0"/>
-              <a:t>31 other variables included family demographics, school performance, and social activities</a:t>
             </a:r>
           </a:p>
           <a:p>
@@ -3973,21 +4058,14 @@
             </a:r>
           </a:p>
           <a:p>
-            <a:pPr lvl="1"/>
             <a:r>
               <a:rPr lang="en-US" dirty="0"/>
-              <a:t>Students were from chemical engineering department and data science course</a:t>
-            </a:r>
-          </a:p>
-          <a:p>
-            <a:pPr lvl="1"/>
-            <a:r>
-              <a:rPr lang="en-US" dirty="0"/>
-              <a:t>Subset of variables from main data were included</a:t>
-            </a:r>
-          </a:p>
-          <a:p>
-            <a:pPr lvl="1"/>
+              <a:t>Duplicates were present in the data, so a merge </a:t>
+            </a:r>
+            <a:r>
+              <a:rPr lang="en-US"/>
+              <a:t>was performed</a:t>
+            </a:r>
             <a:endParaRPr lang="en-US" dirty="0"/>
           </a:p>
         </p:txBody>
@@ -4513,13 +4591,13 @@
               <a:buChar char="§"/>
             </a:pPr>
             <a:r>
-              <a:rPr lang="en-US" sz="2000" dirty="0" smtClean="0"/>
+              <a:rPr lang="en-US" sz="2000" dirty="0"/>
               <a:t>Clustering and dimensionality reduction visualization showed the dataset is really one big cluster</a:t>
             </a:r>
           </a:p>
           <a:p>
             <a:pPr lvl="1"/>
-            <a:endParaRPr lang="en-US" sz="2000" dirty="0" smtClean="0"/>
+            <a:endParaRPr lang="en-US" sz="2000" dirty="0"/>
           </a:p>
           <a:p>
             <a:pPr marL="342900" lvl="1" indent="-342900">
@@ -4527,16 +4605,8 @@
               <a:buChar char="§"/>
             </a:pPr>
             <a:r>
-              <a:rPr lang="en-US" sz="2000" dirty="0" smtClean="0"/>
-              <a:t>The best model for predicting high vs. low alcohol consumption came from a decision tree</a:t>
-            </a:r>
-            <a:r>
               <a:rPr lang="en-US" sz="2000" dirty="0"/>
-              <a:t> </a:t>
-            </a:r>
-            <a:r>
-              <a:rPr lang="en-US" sz="2000" dirty="0" smtClean="0"/>
-              <a:t>model on weekends </a:t>
+              <a:t>The best model for predicting high vs. low alcohol consumption came from a decision tree model on weekends </a:t>
             </a:r>
           </a:p>
           <a:p>
@@ -4545,7 +4615,7 @@
               <a:buChar char="§"/>
             </a:pPr>
             <a:r>
-              <a:rPr lang="en-US" sz="2000" dirty="0" smtClean="0"/>
+              <a:rPr lang="en-US" sz="2000" dirty="0"/>
               <a:t>max depth 5</a:t>
             </a:r>
           </a:p>
@@ -4555,7 +4625,7 @@
               <a:buChar char="§"/>
             </a:pPr>
             <a:r>
-              <a:rPr lang="en-US" sz="2000" dirty="0" smtClean="0"/>
+              <a:rPr lang="en-US" sz="2000" dirty="0"/>
               <a:t>min split 100 </a:t>
             </a:r>
           </a:p>
@@ -4565,7 +4635,7 @@
               <a:buChar char="§"/>
             </a:pPr>
             <a:r>
-              <a:rPr lang="en-US" sz="2000" dirty="0" smtClean="0"/>
+              <a:rPr lang="en-US" sz="2000" dirty="0"/>
               <a:t>84.2% accuracy</a:t>
             </a:r>
           </a:p>
@@ -4574,7 +4644,7 @@
               <a:buFont typeface="Wingdings" charset="2"/>
               <a:buChar char="§"/>
             </a:pPr>
-            <a:endParaRPr lang="en-US" sz="2000" dirty="0" smtClean="0"/>
+            <a:endParaRPr lang="en-US" sz="2000" dirty="0"/>
           </a:p>
           <a:p>
             <a:pPr marL="342900" indent="-342900">
@@ -4582,7 +4652,7 @@
               <a:buChar char="§"/>
             </a:pPr>
             <a:r>
-              <a:rPr lang="en-US" sz="2000" dirty="0" smtClean="0"/>
+              <a:rPr lang="en-US" sz="2000" dirty="0"/>
               <a:t>This dataset was not good enough for predicting alcohol consumption</a:t>
             </a:r>
           </a:p>
@@ -4592,7 +4662,7 @@
               <a:buChar char="§"/>
             </a:pPr>
             <a:r>
-              <a:rPr lang="en-US" sz="2000" dirty="0" smtClean="0"/>
+              <a:rPr lang="en-US" sz="2000" dirty="0"/>
               <a:t>Not large enough</a:t>
             </a:r>
           </a:p>
@@ -4602,7 +4672,7 @@
               <a:buChar char="§"/>
             </a:pPr>
             <a:r>
-              <a:rPr lang="en-US" sz="2000" dirty="0" smtClean="0"/>
+              <a:rPr lang="en-US" sz="2000" dirty="0"/>
               <a:t>Doesn’t contain the best features</a:t>
             </a:r>
           </a:p>
@@ -4612,7 +4682,7 @@
               <a:buChar char="§"/>
             </a:pPr>
             <a:r>
-              <a:rPr lang="en-US" sz="2000" dirty="0" smtClean="0"/>
+              <a:rPr lang="en-US" sz="2000" dirty="0"/>
               <a:t>Subjective and incomplete data</a:t>
             </a:r>
           </a:p>
@@ -4641,10 +4711,9 @@
           <a:lstStyle/>
           <a:p>
             <a:r>
-              <a:rPr lang="en-US" sz="2800" b="1" dirty="0" smtClean="0"/>
+              <a:rPr lang="en-US" sz="2800" b="1" dirty="0"/>
               <a:t>Conclusion</a:t>
             </a:r>
-            <a:endParaRPr lang="en-US" sz="2800" b="1" dirty="0" smtClean="0"/>
           </a:p>
         </p:txBody>
       </p:sp>
@@ -4658,13 +4727,6 @@
   <p:clrMapOvr>
     <a:masterClrMapping/>
   </p:clrMapOvr>
-  <p:timing>
-    <p:tnLst>
-      <p:par>
-        <p:cTn xmlns:p14="http://schemas.microsoft.com/office/powerpoint/2010/main" id="1" dur="indefinite" restart="never" nodeType="tmRoot"/>
-      </p:par>
-    </p:tnLst>
-  </p:timing>
 </p:sld>
 </file>
 
@@ -4853,14 +4915,9 @@
             <a:lstStyle/>
             <a:p>
               <a:r>
-                <a:rPr lang="en-US" dirty="0" smtClean="0"/>
-                <a:t>Weekday Model </a:t>
+                <a:rPr lang="en-US" dirty="0"/>
+                <a:t>Weekday Model Confusion Matrix</a:t>
               </a:r>
-              <a:r>
-                <a:rPr lang="en-US" dirty="0" smtClean="0"/>
-                <a:t>Confusion Matrix</a:t>
-              </a:r>
-              <a:endParaRPr lang="en-US" dirty="0"/>
             </a:p>
           </p:txBody>
         </p:sp>
@@ -4892,7 +4949,7 @@
               <a:buChar char="§"/>
             </a:pPr>
             <a:r>
-              <a:rPr lang="en-US" sz="2000" b="1" dirty="0" smtClean="0"/>
+              <a:rPr lang="en-US" sz="2000" b="1" dirty="0"/>
               <a:t>SVM </a:t>
             </a:r>
           </a:p>
@@ -4902,7 +4959,7 @@
               <a:buChar char="•"/>
             </a:pPr>
             <a:r>
-              <a:rPr lang="en-US" sz="2000" dirty="0" smtClean="0"/>
+              <a:rPr lang="en-US" sz="2000" dirty="0"/>
               <a:t>C = 2.2 weekend</a:t>
             </a:r>
           </a:p>
@@ -4912,7 +4969,7 @@
               <a:buChar char="•"/>
             </a:pPr>
             <a:r>
-              <a:rPr lang="en-US" sz="2000" dirty="0" smtClean="0"/>
+              <a:rPr lang="en-US" sz="2000" dirty="0"/>
               <a:t>C &lt; 3.4 weekday</a:t>
             </a:r>
           </a:p>
@@ -4922,11 +4979,11 @@
               <a:buChar char="•"/>
             </a:pPr>
             <a:r>
-              <a:rPr lang="en-US" sz="2000" dirty="0" err="1" smtClean="0"/>
+              <a:rPr lang="en-US" sz="2000" dirty="0" err="1"/>
               <a:t>Rbf</a:t>
             </a:r>
             <a:r>
-              <a:rPr lang="en-US" sz="2000" dirty="0" smtClean="0"/>
+              <a:rPr lang="en-US" sz="2000" dirty="0"/>
               <a:t> kernel</a:t>
             </a:r>
           </a:p>
@@ -4935,7 +4992,7 @@
               <a:buFont typeface="Arial"/>
               <a:buChar char="•"/>
             </a:pPr>
-            <a:endParaRPr lang="en-US" sz="2000" dirty="0" smtClean="0"/>
+            <a:endParaRPr lang="en-US" sz="2000" dirty="0"/>
           </a:p>
           <a:p>
             <a:pPr marL="342900" indent="-342900">
@@ -4943,7 +5000,7 @@
               <a:buChar char="§"/>
             </a:pPr>
             <a:r>
-              <a:rPr lang="en-US" sz="2000" b="1" dirty="0" smtClean="0"/>
+              <a:rPr lang="en-US" sz="2000" b="1" dirty="0"/>
               <a:t>Decision Trees</a:t>
             </a:r>
           </a:p>
@@ -4953,10 +5010,9 @@
               <a:buChar char="•"/>
             </a:pPr>
             <a:r>
-              <a:rPr lang="en-US" sz="2000" dirty="0" smtClean="0"/>
+              <a:rPr lang="en-US" sz="2000" dirty="0"/>
               <a:t>Max depth = 5, min split = 100 weekend</a:t>
             </a:r>
-            <a:endParaRPr lang="en-US" sz="2000" dirty="0" smtClean="0"/>
           </a:p>
           <a:p>
             <a:pPr marL="742950" lvl="1" indent="-285750">
@@ -4964,7 +5020,7 @@
               <a:buChar char="•"/>
             </a:pPr>
             <a:r>
-              <a:rPr lang="en-US" sz="2000" dirty="0" smtClean="0"/>
+              <a:rPr lang="en-US" sz="2000" dirty="0"/>
               <a:t>Max depth = 4, min split = 100 weekday</a:t>
             </a:r>
           </a:p>
@@ -4973,7 +5029,7 @@
               <a:buFont typeface="Arial"/>
               <a:buChar char="•"/>
             </a:pPr>
-            <a:endParaRPr lang="en-US" sz="2000" dirty="0" smtClean="0"/>
+            <a:endParaRPr lang="en-US" sz="2000" dirty="0"/>
           </a:p>
           <a:p>
             <a:pPr marL="342900" indent="-342900">
@@ -4981,7 +5037,7 @@
               <a:buChar char="§"/>
             </a:pPr>
             <a:r>
-              <a:rPr lang="en-US" sz="2000" b="1" dirty="0" smtClean="0"/>
+              <a:rPr lang="en-US" sz="2000" b="1" dirty="0"/>
               <a:t>K-Nearest Neighbors</a:t>
             </a:r>
           </a:p>
@@ -4991,11 +5047,11 @@
               <a:buChar char="•"/>
             </a:pPr>
             <a:r>
-              <a:rPr lang="en-US" sz="2000" dirty="0" smtClean="0"/>
+              <a:rPr lang="en-US" sz="2000" dirty="0"/>
               <a:t>20 </a:t>
             </a:r>
             <a:r>
-              <a:rPr lang="en-US" sz="2000" b="0" i="0" dirty="0" smtClean="0">
+              <a:rPr lang="en-US" sz="2000" b="0" i="0" dirty="0">
                 <a:latin typeface="ＭＳ ゴシック"/>
                 <a:ea typeface="ＭＳ ゴシック"/>
                 <a:cs typeface="ＭＳ ゴシック"/>
@@ -5003,11 +5059,11 @@
               <a:t>≥</a:t>
             </a:r>
             <a:r>
-              <a:rPr lang="en-US" sz="2000" dirty="0" smtClean="0"/>
+              <a:rPr lang="en-US" sz="2000" dirty="0"/>
               <a:t> k </a:t>
             </a:r>
             <a:r>
-              <a:rPr lang="en-US" sz="2000" b="0" i="0" dirty="0" smtClean="0">
+              <a:rPr lang="en-US" sz="2000" b="0" i="0" dirty="0">
                 <a:latin typeface="ＭＳ ゴシック"/>
                 <a:ea typeface="ＭＳ ゴシック"/>
                 <a:cs typeface="ＭＳ ゴシック"/>
@@ -5015,7 +5071,7 @@
               <a:t>≥</a:t>
             </a:r>
             <a:r>
-              <a:rPr lang="en-US" sz="2000" dirty="0" smtClean="0"/>
+              <a:rPr lang="en-US" sz="2000" dirty="0"/>
               <a:t> 30 weekend</a:t>
             </a:r>
           </a:p>
@@ -5025,11 +5081,11 @@
               <a:buChar char="•"/>
             </a:pPr>
             <a:r>
-              <a:rPr lang="en-US" sz="2000" dirty="0" smtClean="0"/>
+              <a:rPr lang="en-US" sz="2000" dirty="0"/>
               <a:t>k </a:t>
             </a:r>
             <a:r>
-              <a:rPr lang="en-US" sz="2000" b="0" i="0" dirty="0" smtClean="0">
+              <a:rPr lang="en-US" sz="2000" b="0" i="0" dirty="0">
                 <a:latin typeface="ＭＳ ゴシック"/>
                 <a:ea typeface="ＭＳ ゴシック"/>
                 <a:cs typeface="ＭＳ ゴシック"/>
@@ -5037,7 +5093,7 @@
               <a:t>≥</a:t>
             </a:r>
             <a:r>
-              <a:rPr lang="en-US" sz="2000" dirty="0" smtClean="0"/>
+              <a:rPr lang="en-US" sz="2000" dirty="0"/>
               <a:t> 10 weekday</a:t>
             </a:r>
           </a:p>
@@ -5047,7 +5103,7 @@
               <a:buChar char="•"/>
             </a:pPr>
             <a:r>
-              <a:rPr lang="en-US" sz="2000" dirty="0" smtClean="0"/>
+              <a:rPr lang="en-US" sz="2000" dirty="0"/>
               <a:t>Weighted by distance</a:t>
             </a:r>
           </a:p>
@@ -5076,12 +5132,8 @@
           <a:lstStyle/>
           <a:p>
             <a:r>
-              <a:rPr lang="en-US" sz="2800" b="1" dirty="0" smtClean="0"/>
-              <a:t>Exploring </a:t>
-            </a:r>
-            <a:r>
-              <a:rPr lang="en-US" sz="2800" b="1" dirty="0" smtClean="0"/>
-              <a:t>Classification</a:t>
+              <a:rPr lang="en-US" sz="2800" b="1" dirty="0"/>
+              <a:t>Exploring Classification</a:t>
             </a:r>
           </a:p>
         </p:txBody>
@@ -5123,10 +5175,9 @@
             <a:lstStyle/>
             <a:p>
               <a:r>
-                <a:rPr lang="en-US" sz="2800" b="1" dirty="0" smtClean="0"/>
+                <a:rPr lang="en-US" sz="2800" b="1" dirty="0"/>
                 <a:t>Neural Networks</a:t>
               </a:r>
-              <a:endParaRPr lang="en-US" sz="2800" b="1" dirty="0" smtClean="0"/>
             </a:p>
           </p:txBody>
         </p:sp>
@@ -5157,7 +5208,7 @@
                 <a:buChar char="§"/>
               </a:pPr>
               <a:r>
-                <a:rPr lang="en-US" sz="2000" dirty="0" smtClean="0"/>
+                <a:rPr lang="en-US" sz="2000" dirty="0"/>
                 <a:t>125 nodes</a:t>
               </a:r>
             </a:p>
@@ -5207,7 +5258,7 @@
   <p:timing>
     <p:tnLst>
       <p:par>
-        <p:cTn xmlns:p14="http://schemas.microsoft.com/office/powerpoint/2010/main" id="1" dur="indefinite" restart="never" nodeType="tmRoot">
+        <p:cTn id="1" dur="indefinite" restart="never" nodeType="tmRoot">
           <p:childTnLst>
             <p:seq concurrent="1" nextAc="seek">
               <p:cTn id="2" dur="indefinite" nodeType="mainSeq">
@@ -5460,14 +5511,13 @@
           <a:lstStyle/>
           <a:p>
             <a:r>
-              <a:rPr lang="en-US" sz="2800" b="1" dirty="0" err="1" smtClean="0"/>
+              <a:rPr lang="en-US" sz="2800" b="1" dirty="0" err="1"/>
               <a:t>Multilinear</a:t>
             </a:r>
             <a:r>
-              <a:rPr lang="en-US" sz="2800" b="1" dirty="0" smtClean="0"/>
+              <a:rPr lang="en-US" sz="2800" b="1" dirty="0"/>
               <a:t> Regression</a:t>
             </a:r>
-            <a:endParaRPr lang="en-US" sz="2800" b="1" dirty="0" smtClean="0"/>
           </a:p>
         </p:txBody>
       </p:sp>
@@ -5498,7 +5548,7 @@
               <a:buChar char="§"/>
             </a:pPr>
             <a:r>
-              <a:rPr lang="en-US" sz="2000" dirty="0" smtClean="0"/>
+              <a:rPr lang="en-US" sz="2000" dirty="0"/>
               <a:t>Independent variables:</a:t>
             </a:r>
           </a:p>
@@ -5508,16 +5558,8 @@
               <a:buChar char="•"/>
             </a:pPr>
             <a:r>
-              <a:rPr lang="en-US" sz="2000" dirty="0" smtClean="0"/>
-              <a:t>Weekday alcohol </a:t>
-            </a:r>
-            <a:r>
               <a:rPr lang="en-US" sz="2000" dirty="0"/>
-              <a:t>c</a:t>
-            </a:r>
-            <a:r>
-              <a:rPr lang="en-US" sz="2000" dirty="0" smtClean="0"/>
-              <a:t>onsumption</a:t>
+              <a:t>Weekday alcohol consumption</a:t>
             </a:r>
           </a:p>
           <a:p>
@@ -5526,7 +5568,7 @@
               <a:buChar char="•"/>
             </a:pPr>
             <a:r>
-              <a:rPr lang="en-US" sz="2000" dirty="0" smtClean="0"/>
+              <a:rPr lang="en-US" sz="2000" dirty="0"/>
               <a:t>Frequency of outings</a:t>
             </a:r>
           </a:p>
@@ -5536,7 +5578,7 @@
               <a:buChar char="•"/>
             </a:pPr>
             <a:r>
-              <a:rPr lang="en-US" sz="2000" dirty="0" smtClean="0"/>
+              <a:rPr lang="en-US" sz="2000" dirty="0"/>
               <a:t>Gender</a:t>
             </a:r>
           </a:p>
@@ -5546,13 +5588,13 @@
               <a:buChar char="•"/>
             </a:pPr>
             <a:r>
-              <a:rPr lang="en-US" sz="2000" dirty="0" smtClean="0"/>
+              <a:rPr lang="en-US" sz="2000" dirty="0"/>
               <a:t>Frequency of time spent on studying</a:t>
             </a:r>
           </a:p>
           <a:p>
             <a:pPr lvl="1"/>
-            <a:endParaRPr lang="en-US" sz="2000" dirty="0" smtClean="0"/>
+            <a:endParaRPr lang="en-US" sz="2000" dirty="0"/>
           </a:p>
           <a:p>
             <a:pPr marL="342900" indent="-342900">
@@ -5560,7 +5602,7 @@
               <a:buChar char="§"/>
             </a:pPr>
             <a:r>
-              <a:rPr lang="en-US" sz="2000" dirty="0" smtClean="0"/>
+              <a:rPr lang="en-US" sz="2000" dirty="0"/>
               <a:t>Dependent variable:</a:t>
             </a:r>
           </a:p>
@@ -5570,13 +5612,13 @@
               <a:buChar char="•"/>
             </a:pPr>
             <a:r>
-              <a:rPr lang="en-US" sz="2000" dirty="0" smtClean="0"/>
+              <a:rPr lang="en-US" sz="2000" dirty="0"/>
               <a:t>Weekend alcohol consumption</a:t>
             </a:r>
           </a:p>
           <a:p>
             <a:pPr lvl="1"/>
-            <a:endParaRPr lang="en-US" sz="2000" dirty="0" smtClean="0"/>
+            <a:endParaRPr lang="en-US" sz="2000" dirty="0"/>
           </a:p>
           <a:p>
             <a:pPr marL="342900" indent="-342900">
@@ -5584,15 +5626,15 @@
               <a:buChar char="§"/>
             </a:pPr>
             <a:r>
-              <a:rPr lang="en-US" sz="2000" dirty="0" smtClean="0"/>
+              <a:rPr lang="en-US" sz="2000" dirty="0"/>
               <a:t>R</a:t>
             </a:r>
             <a:r>
-              <a:rPr lang="en-US" sz="2000" baseline="30000" dirty="0" smtClean="0"/>
+              <a:rPr lang="en-US" sz="2000" baseline="30000" dirty="0"/>
               <a:t>2</a:t>
             </a:r>
             <a:r>
-              <a:rPr lang="en-US" sz="2000" dirty="0" smtClean="0"/>
+              <a:rPr lang="en-US" sz="2000" dirty="0"/>
               <a:t> = 0.484</a:t>
             </a:r>
           </a:p>
@@ -5601,7 +5643,7 @@
               <a:buFont typeface="Wingdings" charset="2"/>
               <a:buChar char="§"/>
             </a:pPr>
-            <a:endParaRPr lang="en-US" sz="2000" dirty="0" smtClean="0"/>
+            <a:endParaRPr lang="en-US" sz="2000" dirty="0"/>
           </a:p>
         </p:txBody>
       </p:sp>
@@ -5615,13 +5657,6 @@
   <p:clrMapOvr>
     <a:masterClrMapping/>
   </p:clrMapOvr>
-  <p:timing>
-    <p:tnLst>
-      <p:par>
-        <p:cTn xmlns:p14="http://schemas.microsoft.com/office/powerpoint/2010/main" id="1" dur="indefinite" restart="never" nodeType="tmRoot"/>
-      </p:par>
-    </p:tnLst>
-  </p:timing>
 </p:sld>
 </file>
 
@@ -6506,7 +6541,7 @@
   <a:extraClrSchemeLst/>
   <a:extLst>
     <a:ext uri="{05A4C25C-085E-4340-85A3-A5531E510DB2}">
-      <thm15:themeFamily xmlns:thm15="http://schemas.microsoft.com/office/thememl/2012/main" xmlns="" name="Office Theme" id="{62F939B6-93AF-4DB8-9C6B-D6C7DFDC589F}" vid="{4A3C46E8-61CC-4603-A589-7422A47A8E4A}"/>
+      <thm15:themeFamily xmlns:thm15="http://schemas.microsoft.com/office/thememl/2012/main" name="Office Theme" id="{62F939B6-93AF-4DB8-9C6B-D6C7DFDC589F}" vid="{4A3C46E8-61CC-4603-A589-7422A47A8E4A}"/>
     </a:ext>
   </a:extLst>
 </a:theme>

--- a/Slides/Nipun Slides.pptx
+++ b/Slides/Nipun Slides.pptx
@@ -5,23 +5,21 @@
     <p:sldMasterId id="2147483648" r:id="rId1"/>
   </p:sldMasterIdLst>
   <p:notesMasterIdLst>
-    <p:notesMasterId r:id="rId16"/>
+    <p:notesMasterId r:id="rId14"/>
   </p:notesMasterIdLst>
   <p:sldIdLst>
-    <p:sldId id="266" r:id="rId2"/>
-    <p:sldId id="267" r:id="rId3"/>
+    <p:sldId id="271" r:id="rId2"/>
+    <p:sldId id="266" r:id="rId3"/>
     <p:sldId id="269" r:id="rId4"/>
     <p:sldId id="270" r:id="rId5"/>
     <p:sldId id="256" r:id="rId6"/>
     <p:sldId id="258" r:id="rId7"/>
     <p:sldId id="259" r:id="rId8"/>
-    <p:sldId id="260" r:id="rId9"/>
-    <p:sldId id="261" r:id="rId10"/>
-    <p:sldId id="262" r:id="rId11"/>
-    <p:sldId id="263" r:id="rId12"/>
-    <p:sldId id="264" r:id="rId13"/>
-    <p:sldId id="265" r:id="rId14"/>
-    <p:sldId id="268" r:id="rId15"/>
+    <p:sldId id="261" r:id="rId9"/>
+    <p:sldId id="262" r:id="rId10"/>
+    <p:sldId id="263" r:id="rId11"/>
+    <p:sldId id="265" r:id="rId12"/>
+    <p:sldId id="268" r:id="rId13"/>
   </p:sldIdLst>
   <p:sldSz cx="12192000" cy="6858000"/>
   <p:notesSz cx="6858000" cy="9144000"/>
@@ -122,7 +120,18 @@
   </p:defaultTextStyle>
   <p:extLst>
     <p:ext uri="{EFAFB233-063F-42B5-8137-9DF3F51BA10A}">
-      <p15:sldGuideLst xmlns:p15="http://schemas.microsoft.com/office/powerpoint/2012/main" xmlns=""/>
+      <p15:sldGuideLst xmlns:p15="http://schemas.microsoft.com/office/powerpoint/2012/main">
+        <p15:guide id="1" orient="horz" pos="2160">
+          <p15:clr>
+            <a:srgbClr val="A4A3A4"/>
+          </p15:clr>
+        </p15:guide>
+        <p15:guide id="2" pos="3840">
+          <p15:clr>
+            <a:srgbClr val="A4A3A4"/>
+          </p15:clr>
+        </p15:guide>
+      </p15:sldGuideLst>
     </p:ext>
   </p:extLst>
 </p:presentation>
@@ -670,7 +679,6 @@
               <a:rPr lang="en-US" baseline="0" dirty="0" smtClean="0"/>
               <a:t>	[However, behavior was similar to SVM, and even did a little worse on weekend alcohol consumption]</a:t>
             </a:r>
-            <a:endParaRPr lang="en-US" baseline="0" dirty="0" smtClean="0"/>
           </a:p>
           <a:p>
             <a:endParaRPr lang="en-US" baseline="0" dirty="0" smtClean="0"/>
@@ -3336,9 +3344,34 @@
 <p:sldMaster xmlns:a="http://schemas.openxmlformats.org/drawingml/2006/main" xmlns:r="http://schemas.openxmlformats.org/officeDocument/2006/relationships" xmlns:p="http://schemas.openxmlformats.org/presentationml/2006/main">
   <p:cSld>
     <p:bg>
-      <p:bgRef idx="1001">
-        <a:schemeClr val="bg1"/>
-      </p:bgRef>
+      <p:bgPr>
+        <a:gradFill flip="none" rotWithShape="1">
+          <a:gsLst>
+            <a:gs pos="0">
+              <a:schemeClr val="accent1">
+                <a:lumMod val="0"/>
+                <a:lumOff val="100000"/>
+              </a:schemeClr>
+            </a:gs>
+            <a:gs pos="35000">
+              <a:schemeClr val="accent1">
+                <a:lumMod val="0"/>
+                <a:lumOff val="100000"/>
+              </a:schemeClr>
+            </a:gs>
+            <a:gs pos="100000">
+              <a:schemeClr val="accent1">
+                <a:lumMod val="100000"/>
+              </a:schemeClr>
+            </a:gs>
+          </a:gsLst>
+          <a:path path="circle">
+            <a:fillToRect l="50000" t="-80000" r="50000" b="180000"/>
+          </a:path>
+          <a:tileRect/>
+        </a:gradFill>
+        <a:effectLst/>
+      </p:bgPr>
     </p:bg>
     <p:spTree>
       <p:nvGrpSpPr>
@@ -3889,12 +3922,12 @@
       </p:grpSpPr>
       <p:sp>
         <p:nvSpPr>
-          <p:cNvPr id="4" name="Title 3"/>
-          <p:cNvSpPr>
-            <a:spLocks noGrp="1"/>
-          </p:cNvSpPr>
-          <p:nvPr>
-            <p:ph type="title"/>
+          <p:cNvPr id="2" name="Title 1"/>
+          <p:cNvSpPr>
+            <a:spLocks noGrp="1"/>
+          </p:cNvSpPr>
+          <p:nvPr>
+            <p:ph type="ctrTitle"/>
           </p:nvPr>
         </p:nvSpPr>
         <p:spPr/>
@@ -3903,238 +3936,57 @@
           <a:lstStyle/>
           <a:p>
             <a:r>
-              <a:rPr lang="en-US" dirty="0"/>
-              <a:t>Alcohol consumption data</a:t>
-            </a:r>
-          </a:p>
-        </p:txBody>
-      </p:sp>
-      <p:sp>
-        <p:nvSpPr>
-          <p:cNvPr id="5" name="Content Placeholder 4"/>
-          <p:cNvSpPr>
-            <a:spLocks noGrp="1"/>
-          </p:cNvSpPr>
-          <p:nvPr>
-            <p:ph idx="1"/>
+              <a:rPr lang="en-US" dirty="0" smtClean="0"/>
+              <a:t>Predicting Alcohol Consumption in Students</a:t>
+            </a:r>
+            <a:endParaRPr lang="en-US" dirty="0"/>
+          </a:p>
+        </p:txBody>
+      </p:sp>
+      <p:sp>
+        <p:nvSpPr>
+          <p:cNvPr id="3" name="Subtitle 2"/>
+          <p:cNvSpPr>
+            <a:spLocks noGrp="1"/>
+          </p:cNvSpPr>
+          <p:nvPr>
+            <p:ph type="subTitle" idx="1"/>
           </p:nvPr>
         </p:nvSpPr>
         <p:spPr/>
         <p:txBody>
-          <a:bodyPr>
-            <a:normAutofit fontScale="92500" lnSpcReduction="10000"/>
-          </a:bodyPr>
-          <a:lstStyle/>
-          <a:p>
-            <a:r>
-              <a:rPr lang="en-US" dirty="0"/>
-              <a:t>Data collected from students at 2 Portuguese secondary schools</a:t>
-            </a:r>
-          </a:p>
-          <a:p>
-            <a:pPr lvl="1"/>
-            <a:r>
-              <a:rPr lang="en-US" dirty="0"/>
-              <a:t>Students were surveyed in either a math class or Portuguese language class</a:t>
-            </a:r>
-          </a:p>
-          <a:p>
-            <a:pPr lvl="1"/>
-            <a:r>
-              <a:rPr lang="en-US" dirty="0"/>
-              <a:t>Ages ranged from 15 to 22</a:t>
-            </a:r>
-          </a:p>
-          <a:p>
-            <a:pPr lvl="1"/>
-            <a:r>
-              <a:rPr lang="en-US" dirty="0"/>
-              <a:t>Alcohol consumption was reported in terms of a 1 (very low) to 5 (very high) rating on weekdays and weekends</a:t>
-            </a:r>
-          </a:p>
-          <a:p>
-            <a:pPr lvl="1"/>
-            <a:r>
-              <a:rPr lang="en-US" dirty="0"/>
-              <a:t>31 other variables included family demographics, school performance, and social activities</a:t>
-            </a:r>
-          </a:p>
-          <a:p>
-            <a:pPr lvl="1"/>
-            <a:r>
-              <a:rPr lang="en-US" dirty="0"/>
-              <a:t>Illegal consumption of alcohol is not necessarily a concern because as of 2014, Portugal laws allowed anyone 16 or older to purchase alcohol [1]</a:t>
-            </a:r>
-          </a:p>
-          <a:p>
-            <a:r>
-              <a:rPr lang="en-US" dirty="0"/>
-              <a:t>Additional data was acquired via a survey of University of Utah students</a:t>
-            </a:r>
-          </a:p>
-          <a:p>
-            <a:pPr lvl="1"/>
-            <a:r>
-              <a:rPr lang="en-US" dirty="0"/>
-              <a:t>Students were from chemical engineering department and data science course</a:t>
-            </a:r>
-          </a:p>
-          <a:p>
-            <a:pPr lvl="1"/>
-            <a:r>
-              <a:rPr lang="en-US" dirty="0"/>
-              <a:t>Subset of variables from main data were included</a:t>
-            </a:r>
-          </a:p>
-          <a:p>
-            <a:pPr lvl="1"/>
+          <a:bodyPr/>
+          <a:lstStyle/>
+          <a:p>
+            <a:r>
+              <a:rPr lang="en-US" dirty="0" smtClean="0"/>
+              <a:t>Elizabeth Armstrong, Karen DeMille, and Nipun Gunawardena</a:t>
+            </a:r>
             <a:endParaRPr lang="en-US" dirty="0"/>
-          </a:p>
-        </p:txBody>
-      </p:sp>
-      <p:sp>
-        <p:nvSpPr>
-          <p:cNvPr id="6" name="TextBox 5"/>
-          <p:cNvSpPr txBox="1"/>
-          <p:nvPr/>
-        </p:nvSpPr>
-        <p:spPr>
-          <a:xfrm>
-            <a:off x="6307226" y="6476433"/>
-            <a:ext cx="5046574" cy="246221"/>
-          </a:xfrm>
-          <a:prstGeom prst="rect">
-            <a:avLst/>
-          </a:prstGeom>
-          <a:noFill/>
-        </p:spPr>
-        <p:txBody>
-          <a:bodyPr wrap="none" rtlCol="0">
-            <a:spAutoFit/>
-          </a:bodyPr>
-          <a:lstStyle/>
-          <a:p>
-            <a:r>
-              <a:rPr lang="en-US" sz="1000" dirty="0"/>
-              <a:t>1. http://www.who.int/substance_abuse/publications/global_alcohol_report/profiles/prt.pdf</a:t>
-            </a:r>
           </a:p>
         </p:txBody>
       </p:sp>
     </p:spTree>
     <p:extLst>
       <p:ext uri="{BB962C8B-B14F-4D97-AF65-F5344CB8AC3E}">
-        <p14:creationId xmlns:p14="http://schemas.microsoft.com/office/powerpoint/2010/main" val="647427247"/>
+        <p14:creationId xmlns:p14="http://schemas.microsoft.com/office/powerpoint/2010/main" val="2075391887"/>
       </p:ext>
     </p:extLst>
   </p:cSld>
   <p:clrMapOvr>
     <a:masterClrMapping/>
   </p:clrMapOvr>
+  <p:timing>
+    <p:tnLst>
+      <p:par>
+        <p:cTn id="1" dur="indefinite" restart="never" nodeType="tmRoot"/>
+      </p:par>
+    </p:tnLst>
+  </p:timing>
 </p:sld>
 </file>
 
 <file path=ppt/slides/slide10.xml><?xml version="1.0" encoding="utf-8"?>
-<p:sld xmlns:a="http://schemas.openxmlformats.org/drawingml/2006/main" xmlns:r="http://schemas.openxmlformats.org/officeDocument/2006/relationships" xmlns:p="http://schemas.openxmlformats.org/presentationml/2006/main">
-  <p:cSld>
-    <p:spTree>
-      <p:nvGrpSpPr>
-        <p:cNvPr id="1" name=""/>
-        <p:cNvGrpSpPr/>
-        <p:nvPr/>
-      </p:nvGrpSpPr>
-      <p:grpSpPr>
-        <a:xfrm>
-          <a:off x="0" y="0"/>
-          <a:ext cx="0" cy="0"/>
-          <a:chOff x="0" y="0"/>
-          <a:chExt cx="0" cy="0"/>
-        </a:xfrm>
-      </p:grpSpPr>
-      <p:sp>
-        <p:nvSpPr>
-          <p:cNvPr id="2" name="Title 1"/>
-          <p:cNvSpPr>
-            <a:spLocks noGrp="1"/>
-          </p:cNvSpPr>
-          <p:nvPr>
-            <p:ph type="title"/>
-          </p:nvPr>
-        </p:nvSpPr>
-        <p:spPr/>
-        <p:txBody>
-          <a:bodyPr/>
-          <a:lstStyle/>
-          <a:p>
-            <a:r>
-              <a:rPr lang="en-US" dirty="0"/>
-              <a:t>DBSCAN</a:t>
-            </a:r>
-          </a:p>
-        </p:txBody>
-      </p:sp>
-      <p:sp>
-        <p:nvSpPr>
-          <p:cNvPr id="3" name="Content Placeholder 2"/>
-          <p:cNvSpPr>
-            <a:spLocks noGrp="1"/>
-          </p:cNvSpPr>
-          <p:nvPr>
-            <p:ph idx="1"/>
-          </p:nvPr>
-        </p:nvSpPr>
-        <p:spPr/>
-        <p:txBody>
-          <a:bodyPr/>
-          <a:lstStyle/>
-          <a:p>
-            <a:r>
-              <a:rPr lang="en-US" dirty="0"/>
-              <a:t>Tried one last algorithm, DBSCAN</a:t>
-            </a:r>
-          </a:p>
-          <a:p>
-            <a:r>
-              <a:rPr lang="en-US" dirty="0"/>
-              <a:t>DBSCAN determines the number of clusters for you</a:t>
-            </a:r>
-          </a:p>
-          <a:p>
-            <a:r>
-              <a:rPr lang="en-US" dirty="0"/>
-              <a:t>DBSCAN classified all points as noise</a:t>
-            </a:r>
-          </a:p>
-          <a:p>
-            <a:pPr lvl="1"/>
-            <a:r>
-              <a:rPr lang="en-US" dirty="0"/>
-              <a:t>This may imply that there are no real clusters, or one large cluster</a:t>
-            </a:r>
-            <a:br>
-              <a:rPr lang="en-US" dirty="0"/>
-            </a:br>
-            <a:endParaRPr lang="en-US" dirty="0"/>
-          </a:p>
-          <a:p>
-            <a:endParaRPr lang="en-US" dirty="0"/>
-          </a:p>
-        </p:txBody>
-      </p:sp>
-    </p:spTree>
-    <p:extLst>
-      <p:ext uri="{BB962C8B-B14F-4D97-AF65-F5344CB8AC3E}">
-        <p14:creationId xmlns:p14="http://schemas.microsoft.com/office/powerpoint/2010/main" val="2095985933"/>
-      </p:ext>
-    </p:extLst>
-  </p:cSld>
-  <p:clrMapOvr>
-    <a:masterClrMapping/>
-  </p:clrMapOvr>
-</p:sld>
-</file>
-
-<file path=ppt/slides/slide11.xml><?xml version="1.0" encoding="utf-8"?>
 <p:sld xmlns:a="http://schemas.openxmlformats.org/drawingml/2006/main" xmlns:r="http://schemas.openxmlformats.org/officeDocument/2006/relationships" xmlns:p="http://schemas.openxmlformats.org/presentationml/2006/main">
   <p:cSld>
     <p:spTree>
@@ -4285,10 +4137,17 @@
   <p:clrMapOvr>
     <a:masterClrMapping/>
   </p:clrMapOvr>
+  <p:timing>
+    <p:tnLst>
+      <p:par>
+        <p:cTn id="1" dur="indefinite" restart="never" nodeType="tmRoot"/>
+      </p:par>
+    </p:tnLst>
+  </p:timing>
 </p:sld>
 </file>
 
-<file path=ppt/slides/slide12.xml><?xml version="1.0" encoding="utf-8"?>
+<file path=ppt/slides/slide11.xml><?xml version="1.0" encoding="utf-8"?>
 <p:sld xmlns:a="http://schemas.openxmlformats.org/drawingml/2006/main" xmlns:r="http://schemas.openxmlformats.org/officeDocument/2006/relationships" xmlns:p="http://schemas.openxmlformats.org/presentationml/2006/main">
   <p:cSld>
     <p:spTree>
@@ -4307,7 +4166,7 @@
       </p:grpSpPr>
       <p:sp>
         <p:nvSpPr>
-          <p:cNvPr id="7" name="Title 6"/>
+          <p:cNvPr id="2" name="Title 1"/>
           <p:cNvSpPr>
             <a:spLocks noGrp="1"/>
           </p:cNvSpPr>
@@ -4321,79 +4180,12 @@
           <a:lstStyle/>
           <a:p>
             <a:r>
+              <a:rPr lang="en-US" dirty="0" smtClean="0"/>
+              <a:t>Survey Alcohol </a:t>
+            </a:r>
+            <a:r>
               <a:rPr lang="en-US" dirty="0"/>
-              <a:t>Survey</a:t>
-            </a:r>
-          </a:p>
-        </p:txBody>
-      </p:sp>
-      <p:sp>
-        <p:nvSpPr>
-          <p:cNvPr id="8" name="Text Placeholder 7"/>
-          <p:cNvSpPr>
-            <a:spLocks noGrp="1"/>
-          </p:cNvSpPr>
-          <p:nvPr>
-            <p:ph type="body" idx="1"/>
-          </p:nvPr>
-        </p:nvSpPr>
-        <p:spPr/>
-        <p:txBody>
-          <a:bodyPr/>
-          <a:lstStyle/>
-          <a:p>
-            <a:endParaRPr lang="en-US"/>
-          </a:p>
-        </p:txBody>
-      </p:sp>
-    </p:spTree>
-    <p:extLst>
-      <p:ext uri="{BB962C8B-B14F-4D97-AF65-F5344CB8AC3E}">
-        <p14:creationId xmlns:p14="http://schemas.microsoft.com/office/powerpoint/2010/main" val="54285116"/>
-      </p:ext>
-    </p:extLst>
-  </p:cSld>
-  <p:clrMapOvr>
-    <a:masterClrMapping/>
-  </p:clrMapOvr>
-</p:sld>
-</file>
-
-<file path=ppt/slides/slide13.xml><?xml version="1.0" encoding="utf-8"?>
-<p:sld xmlns:a="http://schemas.openxmlformats.org/drawingml/2006/main" xmlns:r="http://schemas.openxmlformats.org/officeDocument/2006/relationships" xmlns:p="http://schemas.openxmlformats.org/presentationml/2006/main">
-  <p:cSld>
-    <p:spTree>
-      <p:nvGrpSpPr>
-        <p:cNvPr id="1" name=""/>
-        <p:cNvGrpSpPr/>
-        <p:nvPr/>
-      </p:nvGrpSpPr>
-      <p:grpSpPr>
-        <a:xfrm>
-          <a:off x="0" y="0"/>
-          <a:ext cx="0" cy="0"/>
-          <a:chOff x="0" y="0"/>
-          <a:chExt cx="0" cy="0"/>
-        </a:xfrm>
-      </p:grpSpPr>
-      <p:sp>
-        <p:nvSpPr>
-          <p:cNvPr id="2" name="Title 1"/>
-          <p:cNvSpPr>
-            <a:spLocks noGrp="1"/>
-          </p:cNvSpPr>
-          <p:nvPr>
-            <p:ph type="title"/>
-          </p:nvPr>
-        </p:nvSpPr>
-        <p:spPr/>
-        <p:txBody>
-          <a:bodyPr/>
-          <a:lstStyle/>
-          <a:p>
-            <a:r>
-              <a:rPr lang="en-US" dirty="0"/>
-              <a:t>Alcohol Consumption</a:t>
+              <a:t>Consumption</a:t>
             </a:r>
           </a:p>
         </p:txBody>
@@ -4456,6 +4248,166 @@
           </a:xfrm>
         </p:spPr>
       </p:pic>
+      <p:sp>
+        <p:nvSpPr>
+          <p:cNvPr id="3" name="Rectangle 2"/>
+          <p:cNvSpPr/>
+          <p:nvPr/>
+        </p:nvSpPr>
+        <p:spPr>
+          <a:xfrm>
+            <a:off x="2690037" y="1920845"/>
+            <a:ext cx="574158" cy="173769"/>
+          </a:xfrm>
+          <a:prstGeom prst="rect">
+            <a:avLst/>
+          </a:prstGeom>
+          <a:solidFill>
+            <a:schemeClr val="bg1"/>
+          </a:solidFill>
+          <a:ln>
+            <a:solidFill>
+              <a:schemeClr val="bg1"/>
+            </a:solidFill>
+          </a:ln>
+        </p:spPr>
+        <p:style>
+          <a:lnRef idx="2">
+            <a:schemeClr val="accent1">
+              <a:shade val="50000"/>
+            </a:schemeClr>
+          </a:lnRef>
+          <a:fillRef idx="1">
+            <a:schemeClr val="accent1"/>
+          </a:fillRef>
+          <a:effectRef idx="0">
+            <a:schemeClr val="accent1"/>
+          </a:effectRef>
+          <a:fontRef idx="minor">
+            <a:schemeClr val="lt1"/>
+          </a:fontRef>
+        </p:style>
+        <p:txBody>
+          <a:bodyPr rtlCol="0" anchor="ctr"/>
+          <a:lstStyle/>
+          <a:p>
+            <a:pPr algn="ctr"/>
+            <a:endParaRPr lang="en-US">
+              <a:solidFill>
+                <a:schemeClr val="bg1"/>
+              </a:solidFill>
+            </a:endParaRPr>
+          </a:p>
+        </p:txBody>
+      </p:sp>
+      <p:sp>
+        <p:nvSpPr>
+          <p:cNvPr id="4" name="Rectangle 3"/>
+          <p:cNvSpPr/>
+          <p:nvPr/>
+        </p:nvSpPr>
+        <p:spPr>
+          <a:xfrm>
+            <a:off x="8027581" y="1920845"/>
+            <a:ext cx="552893" cy="173769"/>
+          </a:xfrm>
+          <a:prstGeom prst="rect">
+            <a:avLst/>
+          </a:prstGeom>
+          <a:solidFill>
+            <a:schemeClr val="bg1"/>
+          </a:solidFill>
+          <a:ln>
+            <a:solidFill>
+              <a:schemeClr val="bg1"/>
+            </a:solidFill>
+          </a:ln>
+        </p:spPr>
+        <p:style>
+          <a:lnRef idx="2">
+            <a:schemeClr val="accent1">
+              <a:shade val="50000"/>
+            </a:schemeClr>
+          </a:lnRef>
+          <a:fillRef idx="1">
+            <a:schemeClr val="accent1"/>
+          </a:fillRef>
+          <a:effectRef idx="0">
+            <a:schemeClr val="accent1"/>
+          </a:effectRef>
+          <a:fontRef idx="minor">
+            <a:schemeClr val="lt1"/>
+          </a:fontRef>
+        </p:style>
+        <p:txBody>
+          <a:bodyPr rtlCol="0" anchor="ctr"/>
+          <a:lstStyle/>
+          <a:p>
+            <a:pPr algn="ctr"/>
+            <a:endParaRPr lang="en-US"/>
+          </a:p>
+        </p:txBody>
+      </p:sp>
+      <p:sp>
+        <p:nvSpPr>
+          <p:cNvPr id="7" name="TextBox 6"/>
+          <p:cNvSpPr txBox="1"/>
+          <p:nvPr/>
+        </p:nvSpPr>
+        <p:spPr>
+          <a:xfrm>
+            <a:off x="2907607" y="1621101"/>
+            <a:ext cx="1042786" cy="369332"/>
+          </a:xfrm>
+          <a:prstGeom prst="rect">
+            <a:avLst/>
+          </a:prstGeom>
+          <a:noFill/>
+        </p:spPr>
+        <p:txBody>
+          <a:bodyPr wrap="none" rtlCol="0">
+            <a:spAutoFit/>
+          </a:bodyPr>
+          <a:lstStyle/>
+          <a:p>
+            <a:r>
+              <a:rPr lang="en-US" smtClean="0"/>
+              <a:t>Weekday</a:t>
+            </a:r>
+            <a:endParaRPr lang="en-US"/>
+          </a:p>
+        </p:txBody>
+      </p:sp>
+      <p:sp>
+        <p:nvSpPr>
+          <p:cNvPr id="8" name="TextBox 7"/>
+          <p:cNvSpPr txBox="1"/>
+          <p:nvPr/>
+        </p:nvSpPr>
+        <p:spPr>
+          <a:xfrm>
+            <a:off x="8653262" y="1626053"/>
+            <a:ext cx="1068241" cy="369332"/>
+          </a:xfrm>
+          <a:prstGeom prst="rect">
+            <a:avLst/>
+          </a:prstGeom>
+          <a:noFill/>
+        </p:spPr>
+        <p:txBody>
+          <a:bodyPr wrap="none" rtlCol="0">
+            <a:spAutoFit/>
+          </a:bodyPr>
+          <a:lstStyle/>
+          <a:p>
+            <a:r>
+              <a:rPr lang="en-US" smtClean="0"/>
+              <a:t>Weekend</a:t>
+            </a:r>
+            <a:endParaRPr lang="en-US"/>
+          </a:p>
+        </p:txBody>
+      </p:sp>
     </p:spTree>
     <p:extLst>
       <p:ext uri="{BB962C8B-B14F-4D97-AF65-F5344CB8AC3E}">
@@ -4466,10 +4418,17 @@
   <p:clrMapOvr>
     <a:masterClrMapping/>
   </p:clrMapOvr>
+  <p:timing>
+    <p:tnLst>
+      <p:par>
+        <p:cTn id="1" dur="indefinite" restart="never" nodeType="tmRoot"/>
+      </p:par>
+    </p:tnLst>
+  </p:timing>
 </p:sld>
 </file>
 
-<file path=ppt/slides/slide14.xml><?xml version="1.0" encoding="utf-8"?>
+<file path=ppt/slides/slide12.xml><?xml version="1.0" encoding="utf-8"?>
 <p:sld xmlns:a="http://schemas.openxmlformats.org/drawingml/2006/main" xmlns:r="http://schemas.openxmlformats.org/officeDocument/2006/relationships" xmlns:p="http://schemas.openxmlformats.org/presentationml/2006/main">
   <p:cSld>
     <p:spTree>
@@ -4495,7 +4454,7 @@
         <p:spPr>
           <a:xfrm>
             <a:off x="1254311" y="1406197"/>
-            <a:ext cx="10364396" cy="4093428"/>
+            <a:ext cx="10364396" cy="2246769"/>
           </a:xfrm>
           <a:prstGeom prst="rect">
             <a:avLst/>
@@ -4514,8 +4473,9 @@
             </a:pPr>
             <a:r>
               <a:rPr lang="en-US" sz="2000" dirty="0" smtClean="0"/>
-              <a:t>Clustering and dimensionality reduction visualization showed the dataset is really one big cluster</a:t>
-            </a:r>
+              <a:t>One big cluster</a:t>
+            </a:r>
+            <a:endParaRPr lang="en-US" sz="2000" dirty="0" smtClean="0"/>
           </a:p>
           <a:p>
             <a:pPr lvl="1"/>
@@ -4528,46 +4488,9 @@
             </a:pPr>
             <a:r>
               <a:rPr lang="en-US" sz="2000" dirty="0" smtClean="0"/>
-              <a:t>The best model for predicting high vs. low alcohol consumption came from a decision tree</a:t>
-            </a:r>
-            <a:r>
-              <a:rPr lang="en-US" sz="2000" dirty="0"/>
-              <a:t> </a:t>
-            </a:r>
-            <a:r>
-              <a:rPr lang="en-US" sz="2000" dirty="0" smtClean="0"/>
-              <a:t>model on weekends </a:t>
-            </a:r>
-          </a:p>
-          <a:p>
-            <a:pPr marL="800100" lvl="2" indent="-342900">
-              <a:buFont typeface="Wingdings" charset="2"/>
-              <a:buChar char="§"/>
-            </a:pPr>
-            <a:r>
-              <a:rPr lang="en-US" sz="2000" dirty="0" smtClean="0"/>
-              <a:t>max depth 5</a:t>
-            </a:r>
-          </a:p>
-          <a:p>
-            <a:pPr marL="800100" lvl="2" indent="-342900">
-              <a:buFont typeface="Wingdings" charset="2"/>
-              <a:buChar char="§"/>
-            </a:pPr>
-            <a:r>
-              <a:rPr lang="en-US" sz="2000" dirty="0" smtClean="0"/>
-              <a:t>min split 100 </a:t>
-            </a:r>
-          </a:p>
-          <a:p>
-            <a:pPr marL="800100" lvl="2" indent="-342900">
-              <a:buFont typeface="Wingdings" charset="2"/>
-              <a:buChar char="§"/>
-            </a:pPr>
-            <a:r>
-              <a:rPr lang="en-US" sz="2000" dirty="0" smtClean="0"/>
-              <a:t>84.2% accuracy</a:t>
-            </a:r>
+              <a:t>Decision trees performed the best</a:t>
+            </a:r>
+            <a:endParaRPr lang="en-US" sz="2000" dirty="0" smtClean="0"/>
           </a:p>
           <a:p>
             <a:pPr marL="342900" indent="-342900">
@@ -4603,18 +4526,13 @@
             </a:pPr>
             <a:r>
               <a:rPr lang="en-US" sz="2000" dirty="0" smtClean="0"/>
-              <a:t>Doesn’t contain the best features</a:t>
-            </a:r>
-          </a:p>
-          <a:p>
-            <a:pPr marL="800100" lvl="1" indent="-342900">
-              <a:buFont typeface="Wingdings" charset="2"/>
-              <a:buChar char="§"/>
-            </a:pPr>
+              <a:t>Doesn’t contain the best </a:t>
+            </a:r>
             <a:r>
               <a:rPr lang="en-US" sz="2000" dirty="0" smtClean="0"/>
-              <a:t>Subjective and incomplete data</a:t>
-            </a:r>
+              <a:t>features</a:t>
+            </a:r>
+            <a:endParaRPr lang="en-US" sz="2000" dirty="0" smtClean="0"/>
           </a:p>
         </p:txBody>
       </p:sp>
@@ -4644,7 +4562,6 @@
               <a:rPr lang="en-US" sz="2800" b="1" dirty="0" smtClean="0"/>
               <a:t>Conclusion</a:t>
             </a:r>
-            <a:endParaRPr lang="en-US" sz="2800" b="1" dirty="0" smtClean="0"/>
           </a:p>
         </p:txBody>
       </p:sp>
@@ -4661,7 +4578,7 @@
   <p:timing>
     <p:tnLst>
       <p:par>
-        <p:cTn xmlns:p14="http://schemas.microsoft.com/office/powerpoint/2010/main" id="1" dur="indefinite" restart="never" nodeType="tmRoot"/>
+        <p:cTn id="1" dur="indefinite" restart="never" nodeType="tmRoot"/>
       </p:par>
     </p:tnLst>
   </p:timing>
@@ -4687,7 +4604,7 @@
       </p:grpSpPr>
       <p:sp>
         <p:nvSpPr>
-          <p:cNvPr id="2" name="Title 1"/>
+          <p:cNvPr id="4" name="Title 3"/>
           <p:cNvSpPr>
             <a:spLocks noGrp="1"/>
           </p:cNvSpPr>
@@ -4702,14 +4619,27 @@
           <a:p>
             <a:r>
               <a:rPr lang="en-US" dirty="0"/>
-              <a:t>Data Cleanup</a:t>
-            </a:r>
-          </a:p>
-        </p:txBody>
-      </p:sp>
-      <p:sp>
-        <p:nvSpPr>
-          <p:cNvPr id="3" name="Content Placeholder 2"/>
+              <a:t>Alcohol </a:t>
+            </a:r>
+            <a:r>
+              <a:rPr lang="en-US" dirty="0" smtClean="0"/>
+              <a:t>Consumption </a:t>
+            </a:r>
+            <a:r>
+              <a:rPr lang="en-US" dirty="0"/>
+              <a:t>D</a:t>
+            </a:r>
+            <a:r>
+              <a:rPr lang="en-US" dirty="0" smtClean="0"/>
+              <a:t>ata</a:t>
+            </a:r>
+            <a:endParaRPr lang="en-US" dirty="0"/>
+          </a:p>
+        </p:txBody>
+      </p:sp>
+      <p:sp>
+        <p:nvSpPr>
+          <p:cNvPr id="5" name="Content Placeholder 4"/>
           <p:cNvSpPr>
             <a:spLocks noGrp="1"/>
           </p:cNvSpPr>
@@ -4720,45 +4650,82 @@
         <p:spPr/>
         <p:txBody>
           <a:bodyPr>
-            <a:normAutofit lnSpcReduction="10000"/>
+            <a:normAutofit/>
           </a:bodyPr>
           <a:lstStyle/>
           <a:p>
             <a:r>
               <a:rPr lang="en-US" dirty="0"/>
-              <a:t>Since data was gathered in both math classes and Portuguese classes, some students were surveyed twice</a:t>
+              <a:t>Data collected from students at 2 Portuguese secondary schools</a:t>
             </a:r>
           </a:p>
           <a:p>
             <a:pPr lvl="1"/>
             <a:r>
+              <a:rPr lang="en-US" dirty="0" smtClean="0"/>
+              <a:t>Alcohol </a:t>
+            </a:r>
+            <a:r>
               <a:rPr lang="en-US" dirty="0"/>
-              <a:t>Data was reported in two sets, one for math classes and another for Portuguese classes</a:t>
-            </a:r>
-          </a:p>
-          <a:p>
+              <a:t>consumption was reported in terms of a 1 (very low) to 5 (very high) rating on weekdays and weekends</a:t>
+            </a:r>
+          </a:p>
+          <a:p>
+            <a:pPr lvl="1"/>
+            <a:r>
+              <a:rPr lang="en-US" dirty="0" smtClean="0"/>
+              <a:t>Illegal </a:t>
+            </a:r>
             <a:r>
               <a:rPr lang="en-US" dirty="0"/>
-              <a:t>To remove duplicates from the data, a merge was performed between the two sets</a:t>
-            </a:r>
-          </a:p>
-          <a:p>
-            <a:pPr lvl="1"/>
+              <a:t>consumption of alcohol is not necessarily a concern because as of 2014, Portugal laws allowed anyone 16 or older to purchase alcohol [1]</a:t>
+            </a:r>
+          </a:p>
+          <a:p>
             <a:r>
               <a:rPr lang="en-US" dirty="0"/>
-              <a:t>All variables except those related directly to the class (grades, attendance) type were used as a basis of comparison for the merge</a:t>
-            </a:r>
-          </a:p>
-          <a:p>
-            <a:r>
-              <a:rPr lang="en-US" dirty="0"/>
-              <a:t>Class-dependent variables were combined into single values for each student by averaging</a:t>
-            </a:r>
-          </a:p>
-          <a:p>
-            <a:r>
-              <a:rPr lang="en-US" dirty="0"/>
-              <a:t>Categorical variables were converted to integer values</a:t>
+              <a:t>Additional data was acquired via a survey of University of Utah </a:t>
+            </a:r>
+            <a:r>
+              <a:rPr lang="en-US" dirty="0" smtClean="0"/>
+              <a:t>students</a:t>
+            </a:r>
+            <a:endParaRPr lang="en-US" dirty="0"/>
+          </a:p>
+          <a:p>
+            <a:r>
+              <a:rPr lang="en-US" dirty="0" smtClean="0"/>
+              <a:t>Duplicates were present and removed using a merge</a:t>
+            </a:r>
+            <a:endParaRPr lang="en-US" dirty="0"/>
+          </a:p>
+        </p:txBody>
+      </p:sp>
+      <p:sp>
+        <p:nvSpPr>
+          <p:cNvPr id="6" name="TextBox 5"/>
+          <p:cNvSpPr txBox="1"/>
+          <p:nvPr/>
+        </p:nvSpPr>
+        <p:spPr>
+          <a:xfrm>
+            <a:off x="6307226" y="6476433"/>
+            <a:ext cx="5046574" cy="246221"/>
+          </a:xfrm>
+          <a:prstGeom prst="rect">
+            <a:avLst/>
+          </a:prstGeom>
+          <a:noFill/>
+        </p:spPr>
+        <p:txBody>
+          <a:bodyPr wrap="none" rtlCol="0">
+            <a:spAutoFit/>
+          </a:bodyPr>
+          <a:lstStyle/>
+          <a:p>
+            <a:r>
+              <a:rPr lang="en-US" sz="1000" dirty="0"/>
+              <a:t>1. http://www.who.int/substance_abuse/publications/global_alcohol_report/profiles/prt.pdf</a:t>
             </a:r>
           </a:p>
         </p:txBody>
@@ -4766,13 +4733,20 @@
     </p:spTree>
     <p:extLst>
       <p:ext uri="{BB962C8B-B14F-4D97-AF65-F5344CB8AC3E}">
-        <p14:creationId xmlns:p14="http://schemas.microsoft.com/office/powerpoint/2010/main" val="2546642372"/>
+        <p14:creationId xmlns:p14="http://schemas.microsoft.com/office/powerpoint/2010/main" val="647427247"/>
       </p:ext>
     </p:extLst>
   </p:cSld>
   <p:clrMapOvr>
     <a:masterClrMapping/>
   </p:clrMapOvr>
+  <p:timing>
+    <p:tnLst>
+      <p:par>
+        <p:cTn id="1" dur="indefinite" restart="never" nodeType="tmRoot"/>
+      </p:par>
+    </p:tnLst>
+  </p:timing>
 </p:sld>
 </file>
 
@@ -4854,11 +4828,7 @@
             <a:p>
               <a:r>
                 <a:rPr lang="en-US" dirty="0" smtClean="0"/>
-                <a:t>Weekday Model </a:t>
-              </a:r>
-              <a:r>
-                <a:rPr lang="en-US" dirty="0" smtClean="0"/>
-                <a:t>Confusion Matrix</a:t>
+                <a:t>Weekday Model Confusion Matrix</a:t>
               </a:r>
               <a:endParaRPr lang="en-US" dirty="0"/>
             </a:p>
@@ -4956,7 +4926,6 @@
               <a:rPr lang="en-US" sz="2000" dirty="0" smtClean="0"/>
               <a:t>Max depth = 5, min split = 100 weekend</a:t>
             </a:r>
-            <a:endParaRPr lang="en-US" sz="2000" dirty="0" smtClean="0"/>
           </a:p>
           <a:p>
             <a:pPr marL="742950" lvl="1" indent="-285750">
@@ -5077,11 +5046,7 @@
           <a:p>
             <a:r>
               <a:rPr lang="en-US" sz="2800" b="1" dirty="0" smtClean="0"/>
-              <a:t>Exploring </a:t>
-            </a:r>
-            <a:r>
-              <a:rPr lang="en-US" sz="2800" b="1" dirty="0" smtClean="0"/>
-              <a:t>Classification</a:t>
+              <a:t>Exploring Classification</a:t>
             </a:r>
           </a:p>
         </p:txBody>
@@ -5126,7 +5091,6 @@
                 <a:rPr lang="en-US" sz="2800" b="1" dirty="0" smtClean="0"/>
                 <a:t>Neural Networks</a:t>
               </a:r>
-              <a:endParaRPr lang="en-US" sz="2800" b="1" dirty="0" smtClean="0"/>
             </a:p>
           </p:txBody>
         </p:sp>
@@ -5207,7 +5171,7 @@
   <p:timing>
     <p:tnLst>
       <p:par>
-        <p:cTn xmlns:p14="http://schemas.microsoft.com/office/powerpoint/2010/main" id="1" dur="indefinite" restart="never" nodeType="tmRoot">
+        <p:cTn id="1" dur="indefinite" restart="never" nodeType="tmRoot">
           <p:childTnLst>
             <p:seq concurrent="1" nextAc="seek">
               <p:cTn id="2" dur="indefinite" nodeType="mainSeq">
@@ -5467,7 +5431,6 @@
               <a:rPr lang="en-US" sz="2800" b="1" dirty="0" smtClean="0"/>
               <a:t> Regression</a:t>
             </a:r>
-            <a:endParaRPr lang="en-US" sz="2800" b="1" dirty="0" smtClean="0"/>
           </a:p>
         </p:txBody>
       </p:sp>
@@ -5618,7 +5581,7 @@
   <p:timing>
     <p:tnLst>
       <p:par>
-        <p:cTn xmlns:p14="http://schemas.microsoft.com/office/powerpoint/2010/main" id="1" dur="indefinite" restart="never" nodeType="tmRoot"/>
+        <p:cTn id="1" dur="indefinite" restart="never" nodeType="tmRoot"/>
       </p:par>
     </p:tnLst>
   </p:timing>
@@ -5706,24 +5669,7 @@
             </a:r>
           </a:p>
           <a:p>
-            <a:r>
-              <a:rPr lang="en-US" dirty="0"/>
-              <a:t>Purpose</a:t>
-            </a:r>
-          </a:p>
-          <a:p>
-            <a:pPr lvl="1"/>
-            <a:r>
-              <a:rPr lang="en-US" dirty="0"/>
-              <a:t>If clusters are present, we can see what the clusters consist of to give us new insights</a:t>
-            </a:r>
-          </a:p>
-          <a:p>
-            <a:pPr lvl="1"/>
-            <a:r>
-              <a:rPr lang="en-US" dirty="0"/>
-              <a:t>Example: Maybe there’s a cluster of students with divorced parents?</a:t>
-            </a:r>
+            <a:endParaRPr lang="en-US" dirty="0"/>
           </a:p>
         </p:txBody>
       </p:sp>
@@ -5737,6 +5683,13 @@
   <p:clrMapOvr>
     <a:masterClrMapping/>
   </p:clrMapOvr>
+  <p:timing>
+    <p:tnLst>
+      <p:par>
+        <p:cTn id="1" dur="indefinite" restart="never" nodeType="tmRoot"/>
+      </p:par>
+    </p:tnLst>
+  </p:timing>
 </p:sld>
 </file>
 
@@ -5892,6 +5845,13 @@
   <p:clrMapOvr>
     <a:masterClrMapping/>
   </p:clrMapOvr>
+  <p:timing>
+    <p:tnLst>
+      <p:par>
+        <p:cTn id="1" dur="indefinite" restart="never" nodeType="tmRoot"/>
+      </p:par>
+    </p:tnLst>
+  </p:timing>
 </p:sld>
 </file>
 
@@ -6035,81 +5995,17 @@
   <p:clrMapOvr>
     <a:masterClrMapping/>
   </p:clrMapOvr>
+  <p:timing>
+    <p:tnLst>
+      <p:par>
+        <p:cTn id="1" dur="indefinite" restart="never" nodeType="tmRoot"/>
+      </p:par>
+    </p:tnLst>
+  </p:timing>
 </p:sld>
 </file>
 
 <file path=ppt/slides/slide8.xml><?xml version="1.0" encoding="utf-8"?>
-<p:sld xmlns:a="http://schemas.openxmlformats.org/drawingml/2006/main" xmlns:r="http://schemas.openxmlformats.org/officeDocument/2006/relationships" xmlns:p="http://schemas.openxmlformats.org/presentationml/2006/main">
-  <p:cSld>
-    <p:spTree>
-      <p:nvGrpSpPr>
-        <p:cNvPr id="1" name=""/>
-        <p:cNvGrpSpPr/>
-        <p:nvPr/>
-      </p:nvGrpSpPr>
-      <p:grpSpPr>
-        <a:xfrm>
-          <a:off x="0" y="0"/>
-          <a:ext cx="0" cy="0"/>
-          <a:chOff x="0" y="0"/>
-          <a:chExt cx="0" cy="0"/>
-        </a:xfrm>
-      </p:grpSpPr>
-      <p:sp>
-        <p:nvSpPr>
-          <p:cNvPr id="2" name="Title 1"/>
-          <p:cNvSpPr>
-            <a:spLocks noGrp="1"/>
-          </p:cNvSpPr>
-          <p:nvPr>
-            <p:ph type="title"/>
-          </p:nvPr>
-        </p:nvSpPr>
-        <p:spPr/>
-        <p:txBody>
-          <a:bodyPr/>
-          <a:lstStyle/>
-          <a:p>
-            <a:r>
-              <a:rPr lang="en-US" dirty="0"/>
-              <a:t>What about Hierarchical?</a:t>
-            </a:r>
-          </a:p>
-        </p:txBody>
-      </p:sp>
-      <p:sp>
-        <p:nvSpPr>
-          <p:cNvPr id="3" name="Text Placeholder 2"/>
-          <p:cNvSpPr>
-            <a:spLocks noGrp="1"/>
-          </p:cNvSpPr>
-          <p:nvPr>
-            <p:ph type="body" idx="1"/>
-          </p:nvPr>
-        </p:nvSpPr>
-        <p:spPr/>
-        <p:txBody>
-          <a:bodyPr/>
-          <a:lstStyle/>
-          <a:p>
-            <a:endParaRPr lang="en-US"/>
-          </a:p>
-        </p:txBody>
-      </p:sp>
-    </p:spTree>
-    <p:extLst>
-      <p:ext uri="{BB962C8B-B14F-4D97-AF65-F5344CB8AC3E}">
-        <p14:creationId xmlns:p14="http://schemas.microsoft.com/office/powerpoint/2010/main" val="301041433"/>
-      </p:ext>
-    </p:extLst>
-  </p:cSld>
-  <p:clrMapOvr>
-    <a:masterClrMapping/>
-  </p:clrMapOvr>
-</p:sld>
-</file>
-
-<file path=ppt/slides/slide9.xml><?xml version="1.0" encoding="utf-8"?>
 <p:sld xmlns:a="http://schemas.openxmlformats.org/drawingml/2006/main" xmlns:r="http://schemas.openxmlformats.org/officeDocument/2006/relationships" xmlns:p="http://schemas.openxmlformats.org/presentationml/2006/main">
   <p:cSld>
     <p:spTree>
@@ -6248,6 +6144,120 @@
   <p:clrMapOvr>
     <a:masterClrMapping/>
   </p:clrMapOvr>
+  <p:timing>
+    <p:tnLst>
+      <p:par>
+        <p:cTn id="1" dur="indefinite" restart="never" nodeType="tmRoot"/>
+      </p:par>
+    </p:tnLst>
+  </p:timing>
+</p:sld>
+</file>
+
+<file path=ppt/slides/slide9.xml><?xml version="1.0" encoding="utf-8"?>
+<p:sld xmlns:a="http://schemas.openxmlformats.org/drawingml/2006/main" xmlns:r="http://schemas.openxmlformats.org/officeDocument/2006/relationships" xmlns:p="http://schemas.openxmlformats.org/presentationml/2006/main">
+  <p:cSld>
+    <p:spTree>
+      <p:nvGrpSpPr>
+        <p:cNvPr id="1" name=""/>
+        <p:cNvGrpSpPr/>
+        <p:nvPr/>
+      </p:nvGrpSpPr>
+      <p:grpSpPr>
+        <a:xfrm>
+          <a:off x="0" y="0"/>
+          <a:ext cx="0" cy="0"/>
+          <a:chOff x="0" y="0"/>
+          <a:chExt cx="0" cy="0"/>
+        </a:xfrm>
+      </p:grpSpPr>
+      <p:sp>
+        <p:nvSpPr>
+          <p:cNvPr id="2" name="Title 1"/>
+          <p:cNvSpPr>
+            <a:spLocks noGrp="1"/>
+          </p:cNvSpPr>
+          <p:nvPr>
+            <p:ph type="title"/>
+          </p:nvPr>
+        </p:nvSpPr>
+        <p:spPr/>
+        <p:txBody>
+          <a:bodyPr/>
+          <a:lstStyle/>
+          <a:p>
+            <a:r>
+              <a:rPr lang="en-US" dirty="0"/>
+              <a:t>DBSCAN</a:t>
+            </a:r>
+          </a:p>
+        </p:txBody>
+      </p:sp>
+      <p:sp>
+        <p:nvSpPr>
+          <p:cNvPr id="3" name="Content Placeholder 2"/>
+          <p:cNvSpPr>
+            <a:spLocks noGrp="1"/>
+          </p:cNvSpPr>
+          <p:nvPr>
+            <p:ph idx="1"/>
+          </p:nvPr>
+        </p:nvSpPr>
+        <p:spPr/>
+        <p:txBody>
+          <a:bodyPr/>
+          <a:lstStyle/>
+          <a:p>
+            <a:r>
+              <a:rPr lang="en-US" dirty="0"/>
+              <a:t>Tried one last algorithm, DBSCAN</a:t>
+            </a:r>
+          </a:p>
+          <a:p>
+            <a:r>
+              <a:rPr lang="en-US" dirty="0"/>
+              <a:t>DBSCAN determines the number of clusters for you</a:t>
+            </a:r>
+          </a:p>
+          <a:p>
+            <a:r>
+              <a:rPr lang="en-US" dirty="0"/>
+              <a:t>DBSCAN classified all points as noise</a:t>
+            </a:r>
+          </a:p>
+          <a:p>
+            <a:pPr lvl="1"/>
+            <a:r>
+              <a:rPr lang="en-US" dirty="0"/>
+              <a:t>This may imply that there are no real clusters, or one large cluster</a:t>
+            </a:r>
+            <a:br>
+              <a:rPr lang="en-US" dirty="0"/>
+            </a:br>
+            <a:endParaRPr lang="en-US" dirty="0"/>
+          </a:p>
+          <a:p>
+            <a:endParaRPr lang="en-US" dirty="0"/>
+          </a:p>
+        </p:txBody>
+      </p:sp>
+    </p:spTree>
+    <p:extLst>
+      <p:ext uri="{BB962C8B-B14F-4D97-AF65-F5344CB8AC3E}">
+        <p14:creationId xmlns:p14="http://schemas.microsoft.com/office/powerpoint/2010/main" val="2095985933"/>
+      </p:ext>
+    </p:extLst>
+  </p:cSld>
+  <p:clrMapOvr>
+    <a:masterClrMapping/>
+  </p:clrMapOvr>
+  <p:timing>
+    <p:tnLst>
+      <p:par>
+        <p:cTn id="1" dur="indefinite" restart="never" nodeType="tmRoot"/>
+      </p:par>
+    </p:tnLst>
+  </p:timing>
 </p:sld>
 </file>
 
@@ -6506,7 +6516,7 @@
   <a:extraClrSchemeLst/>
   <a:extLst>
     <a:ext uri="{05A4C25C-085E-4340-85A3-A5531E510DB2}">
-      <thm15:themeFamily xmlns:thm15="http://schemas.microsoft.com/office/thememl/2012/main" xmlns="" name="Office Theme" id="{62F939B6-93AF-4DB8-9C6B-D6C7DFDC589F}" vid="{4A3C46E8-61CC-4603-A589-7422A47A8E4A}"/>
+      <thm15:themeFamily xmlns:thm15="http://schemas.microsoft.com/office/thememl/2012/main" name="Office Theme" id="{62F939B6-93AF-4DB8-9C6B-D6C7DFDC589F}" vid="{4A3C46E8-61CC-4603-A589-7422A47A8E4A}"/>
     </a:ext>
   </a:extLst>
 </a:theme>
